--- a/Presentation/ARUSubmarinePresentation.pptx
+++ b/Presentation/ARUSubmarinePresentation.pptx
@@ -5,23 +5,32 @@
     <p:sldMasterId id="2147483648" r:id="rId1"/>
   </p:sldMasterIdLst>
   <p:notesMasterIdLst>
-    <p:notesMasterId r:id="rId16"/>
+    <p:notesMasterId r:id="rId25"/>
   </p:notesMasterIdLst>
   <p:sldIdLst>
     <p:sldId id="256" r:id="rId2"/>
     <p:sldId id="279" r:id="rId3"/>
     <p:sldId id="258" r:id="rId4"/>
     <p:sldId id="257" r:id="rId5"/>
-    <p:sldId id="271" r:id="rId6"/>
-    <p:sldId id="259" r:id="rId7"/>
-    <p:sldId id="287" r:id="rId8"/>
-    <p:sldId id="283" r:id="rId9"/>
-    <p:sldId id="284" r:id="rId10"/>
-    <p:sldId id="285" r:id="rId11"/>
-    <p:sldId id="286" r:id="rId12"/>
-    <p:sldId id="282" r:id="rId13"/>
-    <p:sldId id="280" r:id="rId14"/>
-    <p:sldId id="272" r:id="rId15"/>
+    <p:sldId id="288" r:id="rId6"/>
+    <p:sldId id="289" r:id="rId7"/>
+    <p:sldId id="296" r:id="rId8"/>
+    <p:sldId id="297" r:id="rId9"/>
+    <p:sldId id="298" r:id="rId10"/>
+    <p:sldId id="292" r:id="rId11"/>
+    <p:sldId id="299" r:id="rId12"/>
+    <p:sldId id="300" r:id="rId13"/>
+    <p:sldId id="301" r:id="rId14"/>
+    <p:sldId id="293" r:id="rId15"/>
+    <p:sldId id="302" r:id="rId16"/>
+    <p:sldId id="303" r:id="rId17"/>
+    <p:sldId id="304" r:id="rId18"/>
+    <p:sldId id="305" r:id="rId19"/>
+    <p:sldId id="306" r:id="rId20"/>
+    <p:sldId id="307" r:id="rId21"/>
+    <p:sldId id="309" r:id="rId22"/>
+    <p:sldId id="308" r:id="rId23"/>
+    <p:sldId id="310" r:id="rId24"/>
   </p:sldIdLst>
   <p:sldSz cx="12192000" cy="6858000"/>
   <p:notesSz cx="6858000" cy="9144000"/>
@@ -129,20 +138,25 @@
             <p14:sldId id="279"/>
             <p14:sldId id="258"/>
             <p14:sldId id="257"/>
-            <p14:sldId id="271"/>
-            <p14:sldId id="259"/>
-            <p14:sldId id="287"/>
-            <p14:sldId id="283"/>
-            <p14:sldId id="284"/>
-            <p14:sldId id="285"/>
-            <p14:sldId id="286"/>
-            <p14:sldId id="282"/>
-            <p14:sldId id="280"/>
-          </p14:sldIdLst>
-        </p14:section>
-        <p14:section name="Untitled Section" id="{44B6C08F-D793-4E8F-ADA8-4FC5CE20214E}">
-          <p14:sldIdLst>
-            <p14:sldId id="272"/>
+            <p14:sldId id="288"/>
+            <p14:sldId id="289"/>
+            <p14:sldId id="296"/>
+            <p14:sldId id="297"/>
+            <p14:sldId id="298"/>
+            <p14:sldId id="292"/>
+            <p14:sldId id="299"/>
+            <p14:sldId id="300"/>
+            <p14:sldId id="301"/>
+            <p14:sldId id="293"/>
+            <p14:sldId id="302"/>
+            <p14:sldId id="303"/>
+            <p14:sldId id="304"/>
+            <p14:sldId id="305"/>
+            <p14:sldId id="306"/>
+            <p14:sldId id="307"/>
+            <p14:sldId id="309"/>
+            <p14:sldId id="308"/>
+            <p14:sldId id="310"/>
           </p14:sldIdLst>
         </p14:section>
       </p14:sectionLst>
@@ -236,7 +250,7 @@
           <a:p>
             <a:fld id="{B2EE206F-AEAE-4FF6-B922-BDFE5D95A223}" type="datetimeFigureOut">
               <a:rPr lang="en-US" smtClean="0"/>
-              <a:t>11/20/2019</a:t>
+              <a:t>12/7/2019</a:t>
             </a:fld>
             <a:endParaRPr lang="en-US"/>
           </a:p>
@@ -640,7 +654,7 @@
           <a:p>
             <a:fld id="{011E54C4-0A8A-4D97-B146-55C7A81F58C4}" type="datetime1">
               <a:rPr lang="en-US" smtClean="0"/>
-              <a:t>11/20/2019</a:t>
+              <a:t>12/7/2019</a:t>
             </a:fld>
             <a:endParaRPr lang="en-US"/>
           </a:p>
@@ -918,7 +932,7 @@
           <a:p>
             <a:fld id="{3DAA1319-8AD5-4B6E-874F-A279AF97F8B7}" type="datetime1">
               <a:rPr lang="en-US" smtClean="0"/>
-              <a:t>11/20/2019</a:t>
+              <a:t>12/7/2019</a:t>
             </a:fld>
             <a:endParaRPr lang="en-US"/>
           </a:p>
@@ -1173,7 +1187,7 @@
           <a:p>
             <a:fld id="{9F885146-6C40-42E3-9E19-967E4EF482F2}" type="datetime1">
               <a:rPr lang="en-US" smtClean="0"/>
-              <a:t>11/20/2019</a:t>
+              <a:t>12/7/2019</a:t>
             </a:fld>
             <a:endParaRPr lang="en-US"/>
           </a:p>
@@ -1344,7 +1358,7 @@
           <a:p>
             <a:fld id="{7B7DEB98-74D2-4E45-ACDB-D88F9752B899}" type="datetime1">
               <a:rPr lang="en-US" smtClean="0"/>
-              <a:t>11/20/2019</a:t>
+              <a:t>12/7/2019</a:t>
             </a:fld>
             <a:endParaRPr lang="en-US"/>
           </a:p>
@@ -1525,7 +1539,7 @@
           <a:p>
             <a:fld id="{796915DD-219A-4447-8683-9BD4C59B147C}" type="datetime1">
               <a:rPr lang="en-US" smtClean="0"/>
-              <a:t>11/20/2019</a:t>
+              <a:t>12/7/2019</a:t>
             </a:fld>
             <a:endParaRPr lang="en-US"/>
           </a:p>
@@ -1718,7 +1732,7 @@
           <a:p>
             <a:fld id="{9078A24D-52FD-4F8D-BEBC-2C131356AD11}" type="datetime1">
               <a:rPr lang="en-US" smtClean="0"/>
-              <a:t>11/20/2019</a:t>
+              <a:t>12/7/2019</a:t>
             </a:fld>
             <a:endParaRPr lang="en-US"/>
           </a:p>
@@ -1863,7 +1877,7 @@
           <a:p>
             <a:fld id="{9078A24D-52FD-4F8D-BEBC-2C131356AD11}" type="datetime1">
               <a:rPr lang="en-US" smtClean="0"/>
-              <a:t>11/20/2019</a:t>
+              <a:t>12/7/2019</a:t>
             </a:fld>
             <a:endParaRPr lang="en-US"/>
           </a:p>
@@ -2245,7 +2259,7 @@
           <a:p>
             <a:fld id="{99F31C20-9D16-471F-AD8F-CA37ACF54B66}" type="datetime1">
               <a:rPr lang="en-US" smtClean="0"/>
-              <a:t>11/20/2019</a:t>
+              <a:t>12/7/2019</a:t>
             </a:fld>
             <a:endParaRPr lang="en-US"/>
           </a:p>
@@ -2477,7 +2491,7 @@
           <a:p>
             <a:fld id="{497AEC28-7FFC-49D9-85C4-BCCD1F3E0FBE}" type="datetime1">
               <a:rPr lang="en-US" smtClean="0"/>
-              <a:t>11/20/2019</a:t>
+              <a:t>12/7/2019</a:t>
             </a:fld>
             <a:endParaRPr lang="en-US"/>
           </a:p>
@@ -2844,7 +2858,7 @@
           <a:p>
             <a:fld id="{DA467A59-CCF2-4DC1-91E3-8EDDA1EBCA8C}" type="datetime1">
               <a:rPr lang="en-US" smtClean="0"/>
-              <a:t>11/20/2019</a:t>
+              <a:t>12/7/2019</a:t>
             </a:fld>
             <a:endParaRPr lang="en-US"/>
           </a:p>
@@ -2964,7 +2978,7 @@
           <a:p>
             <a:fld id="{6022DB10-060E-461D-BAFD-7B5555B2CF31}" type="datetime1">
               <a:rPr lang="en-US" smtClean="0"/>
-              <a:t>11/20/2019</a:t>
+              <a:t>12/7/2019</a:t>
             </a:fld>
             <a:endParaRPr lang="en-US"/>
           </a:p>
@@ -3062,7 +3076,7 @@
           <a:p>
             <a:fld id="{67A917B8-89B3-49BC-AED3-5BE962F4108E}" type="datetime1">
               <a:rPr lang="en-US" smtClean="0"/>
-              <a:t>11/20/2019</a:t>
+              <a:t>12/7/2019</a:t>
             </a:fld>
             <a:endParaRPr lang="en-US"/>
           </a:p>
@@ -3160,7 +3174,7 @@
           <a:p>
             <a:fld id="{20FA7CF3-7656-44F7-820F-38601722D2CD}" type="datetime1">
               <a:rPr lang="en-US" smtClean="0"/>
-              <a:t>11/20/2019</a:t>
+              <a:t>12/7/2019</a:t>
             </a:fld>
             <a:endParaRPr lang="en-US"/>
           </a:p>
@@ -3421,7 +3435,7 @@
           <a:p>
             <a:fld id="{1CB1033A-9890-4229-AAE6-1CB03069F4AF}" type="datetime1">
               <a:rPr lang="en-US" smtClean="0"/>
-              <a:t>11/20/2019</a:t>
+              <a:t>12/7/2019</a:t>
             </a:fld>
             <a:endParaRPr lang="en-US"/>
           </a:p>
@@ -4003,7 +4017,7 @@
         <p:spPr>
           <a:xfrm>
             <a:off x="2736780" y="3084346"/>
-            <a:ext cx="4782078" cy="1015663"/>
+            <a:ext cx="4798108" cy="1015663"/>
           </a:xfrm>
           <a:prstGeom prst="rect">
             <a:avLst/>
@@ -4017,7 +4031,7 @@
           <a:p>
             <a:r>
               <a:rPr lang="en-US" sz="6000" dirty="0"/>
-              <a:t>Submarine trip</a:t>
+              <a:t>Submarine Trip</a:t>
             </a:r>
           </a:p>
         </p:txBody>
@@ -4077,14 +4091,6 @@
 <file path=ppt/slides/slide10.xml><?xml version="1.0" encoding="utf-8"?>
 <p:sld xmlns:a="http://schemas.openxmlformats.org/drawingml/2006/main" xmlns:r="http://schemas.openxmlformats.org/officeDocument/2006/relationships" xmlns:p="http://schemas.openxmlformats.org/presentationml/2006/main">
   <p:cSld>
-    <p:bg>
-      <p:bgPr>
-        <a:solidFill>
-          <a:schemeClr val="bg1"/>
-        </a:solidFill>
-        <a:effectLst/>
-      </p:bgPr>
-    </p:bg>
     <p:spTree>
       <p:nvGrpSpPr>
         <p:cNvPr id="1" name=""/>
@@ -4101,194 +4107,286 @@
       </p:grpSpPr>
       <p:sp>
         <p:nvSpPr>
-          <p:cNvPr id="31" name="Rectangle 30">
+          <p:cNvPr id="2" name="Başlık 1">
             <a:extLst>
               <a:ext uri="{FF2B5EF4-FFF2-40B4-BE49-F238E27FC236}">
-                <a16:creationId xmlns:a16="http://schemas.microsoft.com/office/drawing/2014/main" id="{6753252F-4873-4F63-801D-CC719279A7D5}"/>
-              </a:ext>
-              <a:ext uri="{C183D7F6-B498-43B3-948B-1728B52AA6E4}">
-                <adec:decorative xmlns:adec="http://schemas.microsoft.com/office/drawing/2017/decorative" val="1"/>
+                <a16:creationId xmlns:a16="http://schemas.microsoft.com/office/drawing/2014/main" id="{836E7814-FF08-4377-A509-67825A527CB2}"/>
               </a:ext>
             </a:extLst>
           </p:cNvPr>
           <p:cNvSpPr>
-            <a:spLocks noGrp="1" noRot="1" noChangeAspect="1" noMove="1" noResize="1" noEditPoints="1" noAdjustHandles="1" noChangeArrowheads="1" noChangeShapeType="1" noTextEdit="1"/>
-          </p:cNvSpPr>
-          <p:nvPr>
-            <p:extLst>
-              <p:ext uri="{386F3935-93C4-4BCD-93E2-E3B085C9AB24}">
-                <p16:designElem xmlns:p16="http://schemas.microsoft.com/office/powerpoint/2015/main" val="1"/>
-              </p:ext>
-            </p:extLst>
-          </p:nvPr>
-        </p:nvSpPr>
-        <p:spPr>
-          <a:xfrm>
-            <a:off x="0" y="0"/>
-            <a:ext cx="12192000" cy="6858000"/>
-          </a:xfrm>
-          <a:prstGeom prst="rect">
+            <a:spLocks noGrp="1"/>
+          </p:cNvSpPr>
+          <p:nvPr>
+            <p:ph type="title"/>
+          </p:nvPr>
+        </p:nvSpPr>
+        <p:spPr>
+          <a:xfrm>
+            <a:off x="429768" y="411480"/>
+            <a:ext cx="11201400" cy="685799"/>
+          </a:xfrm>
+        </p:spPr>
+        <p:txBody>
+          <a:bodyPr>
+            <a:normAutofit fontScale="90000"/>
+          </a:bodyPr>
+          <a:lstStyle/>
+          <a:p>
+            <a:r>
+              <a:rPr lang="en-US" dirty="0"/>
+              <a:t>Page 5 – Manager – Look at Trip Advices</a:t>
+            </a:r>
+            <a:endParaRPr lang="tr-TR" dirty="0"/>
+          </a:p>
+        </p:txBody>
+      </p:sp>
+      <p:sp>
+        <p:nvSpPr>
+          <p:cNvPr id="3" name="İçerik Yer Tutucusu 2">
+            <a:extLst>
+              <a:ext uri="{FF2B5EF4-FFF2-40B4-BE49-F238E27FC236}">
+                <a16:creationId xmlns:a16="http://schemas.microsoft.com/office/drawing/2014/main" id="{CCD55640-FB69-450A-8F9B-6ECAD5BC35BD}"/>
+              </a:ext>
+            </a:extLst>
+          </p:cNvPr>
+          <p:cNvSpPr>
+            <a:spLocks noGrp="1"/>
+          </p:cNvSpPr>
+          <p:nvPr>
+            <p:ph idx="1"/>
+          </p:nvPr>
+        </p:nvSpPr>
+        <p:spPr>
+          <a:xfrm>
+            <a:off x="7938752" y="1721922"/>
+            <a:ext cx="3455097" cy="4258254"/>
+          </a:xfrm>
+        </p:spPr>
+        <p:txBody>
+          <a:bodyPr anchor="ctr">
+            <a:normAutofit/>
+          </a:bodyPr>
+          <a:lstStyle/>
+          <a:p>
+            <a:pPr>
+              <a:buFont typeface="Wingdings" panose="05000000000000000000" pitchFamily="2" charset="2"/>
+              <a:buChar char="q"/>
+            </a:pPr>
+            <a:r>
+              <a:rPr lang="en-US" sz="1800" dirty="0"/>
+              <a:t>If the manager wants to see the trip advices that came from customers, he can do it in this page. </a:t>
+            </a:r>
+          </a:p>
+          <a:p>
+            <a:pPr>
+              <a:buFont typeface="Wingdings" panose="05000000000000000000" pitchFamily="2" charset="2"/>
+              <a:buChar char="q"/>
+            </a:pPr>
+            <a:r>
+              <a:rPr lang="en-US" sz="1800" dirty="0"/>
+              <a:t>Manager also can delete advice that would include some bad commands. </a:t>
+            </a:r>
+          </a:p>
+          <a:p>
+            <a:pPr>
+              <a:buFont typeface="Wingdings" panose="05000000000000000000" pitchFamily="2" charset="2"/>
+              <a:buChar char="q"/>
+            </a:pPr>
+            <a:r>
+              <a:rPr lang="en-US" sz="1800" dirty="0"/>
+              <a:t>Another button for closing the page</a:t>
+            </a:r>
+            <a:endParaRPr lang="tr-TR" sz="1800" dirty="0"/>
+          </a:p>
+        </p:txBody>
+      </p:sp>
+      <p:sp>
+        <p:nvSpPr>
+          <p:cNvPr id="4" name="Alt Bilgi Yer Tutucusu 3">
+            <a:extLst>
+              <a:ext uri="{FF2B5EF4-FFF2-40B4-BE49-F238E27FC236}">
+                <a16:creationId xmlns:a16="http://schemas.microsoft.com/office/drawing/2014/main" id="{999A477B-E4F9-46C0-B2C8-788CB525A6FF}"/>
+              </a:ext>
+            </a:extLst>
+          </p:cNvPr>
+          <p:cNvSpPr>
+            <a:spLocks noGrp="1"/>
+          </p:cNvSpPr>
+          <p:nvPr>
+            <p:ph type="ftr" sz="quarter" idx="11"/>
+          </p:nvPr>
+        </p:nvSpPr>
+        <p:spPr>
+          <a:xfrm>
+            <a:off x="4038600" y="6356350"/>
+            <a:ext cx="4114800" cy="365125"/>
+          </a:xfrm>
+        </p:spPr>
+        <p:txBody>
+          <a:bodyPr>
+            <a:normAutofit/>
+          </a:bodyPr>
+          <a:lstStyle/>
+          <a:p>
+            <a:pPr>
+              <a:spcAft>
+                <a:spcPts val="600"/>
+              </a:spcAft>
+            </a:pPr>
+            <a:r>
+              <a:rPr lang="en-US">
+                <a:solidFill>
+                  <a:schemeClr val="tx1">
+                    <a:lumMod val="50000"/>
+                    <a:lumOff val="50000"/>
+                  </a:schemeClr>
+                </a:solidFill>
+              </a:rPr>
+              <a:t>ARU Submarine</a:t>
+            </a:r>
+          </a:p>
+        </p:txBody>
+      </p:sp>
+      <p:sp>
+        <p:nvSpPr>
+          <p:cNvPr id="23" name="Slide Number Placeholder 8">
+            <a:extLst>
+              <a:ext uri="{FF2B5EF4-FFF2-40B4-BE49-F238E27FC236}">
+                <a16:creationId xmlns:a16="http://schemas.microsoft.com/office/drawing/2014/main" id="{04EF2BF7-32CB-4496-998C-2EC211896404}"/>
+              </a:ext>
+            </a:extLst>
+          </p:cNvPr>
+          <p:cNvSpPr txBox="1">
+            <a:spLocks/>
+          </p:cNvSpPr>
+          <p:nvPr/>
+        </p:nvSpPr>
+        <p:spPr>
+          <a:xfrm>
+            <a:off x="10911919" y="6349061"/>
+            <a:ext cx="367666" cy="365125"/>
+          </a:xfrm>
+          <a:prstGeom prst="flowChartConnector">
             <a:avLst/>
           </a:prstGeom>
           <a:solidFill>
-            <a:srgbClr val="FFFFFF"/>
+            <a:srgbClr val="85CC18"/>
           </a:solidFill>
-          <a:ln>
-            <a:noFill/>
-          </a:ln>
-        </p:spPr>
-        <p:style>
-          <a:lnRef idx="2">
-            <a:schemeClr val="accent1">
-              <a:shade val="50000"/>
-            </a:schemeClr>
-          </a:lnRef>
-          <a:fillRef idx="1">
-            <a:schemeClr val="accent1"/>
-          </a:fillRef>
-          <a:effectRef idx="0">
-            <a:schemeClr val="accent1"/>
-          </a:effectRef>
-          <a:fontRef idx="minor">
-            <a:schemeClr val="lt1"/>
-          </a:fontRef>
-        </p:style>
-        <p:txBody>
-          <a:bodyPr rtlCol="0" anchor="ctr"/>
-          <a:lstStyle/>
-          <a:p>
-            <a:pPr algn="ctr"/>
+        </p:spPr>
+        <p:txBody>
+          <a:bodyPr vert="horz" lIns="0" tIns="45720" rIns="0" bIns="45720" rtlCol="0" anchor="ctr"/>
+          <a:lstStyle>
+            <a:defPPr>
+              <a:defRPr lang="en-US"/>
+            </a:defPPr>
+            <a:lvl1pPr marL="0" algn="ctr" defTabSz="914400" rtl="0" eaLnBrk="1" latinLnBrk="0" hangingPunct="1">
+              <a:defRPr sz="900" kern="1200">
+                <a:solidFill>
+                  <a:schemeClr val="bg1"/>
+                </a:solidFill>
+                <a:latin typeface="+mn-lt"/>
+                <a:ea typeface="+mn-ea"/>
+                <a:cs typeface="+mn-cs"/>
+              </a:defRPr>
+            </a:lvl1pPr>
+            <a:lvl2pPr marL="457200" algn="l" defTabSz="914400" rtl="0" eaLnBrk="1" latinLnBrk="0" hangingPunct="1">
+              <a:defRPr sz="1800" kern="1200">
+                <a:solidFill>
+                  <a:schemeClr val="tx1"/>
+                </a:solidFill>
+                <a:latin typeface="+mn-lt"/>
+                <a:ea typeface="+mn-ea"/>
+                <a:cs typeface="+mn-cs"/>
+              </a:defRPr>
+            </a:lvl2pPr>
+            <a:lvl3pPr marL="914400" algn="l" defTabSz="914400" rtl="0" eaLnBrk="1" latinLnBrk="0" hangingPunct="1">
+              <a:defRPr sz="1800" kern="1200">
+                <a:solidFill>
+                  <a:schemeClr val="tx1"/>
+                </a:solidFill>
+                <a:latin typeface="+mn-lt"/>
+                <a:ea typeface="+mn-ea"/>
+                <a:cs typeface="+mn-cs"/>
+              </a:defRPr>
+            </a:lvl3pPr>
+            <a:lvl4pPr marL="1371600" algn="l" defTabSz="914400" rtl="0" eaLnBrk="1" latinLnBrk="0" hangingPunct="1">
+              <a:defRPr sz="1800" kern="1200">
+                <a:solidFill>
+                  <a:schemeClr val="tx1"/>
+                </a:solidFill>
+                <a:latin typeface="+mn-lt"/>
+                <a:ea typeface="+mn-ea"/>
+                <a:cs typeface="+mn-cs"/>
+              </a:defRPr>
+            </a:lvl4pPr>
+            <a:lvl5pPr marL="1828800" algn="l" defTabSz="914400" rtl="0" eaLnBrk="1" latinLnBrk="0" hangingPunct="1">
+              <a:defRPr sz="1800" kern="1200">
+                <a:solidFill>
+                  <a:schemeClr val="tx1"/>
+                </a:solidFill>
+                <a:latin typeface="+mn-lt"/>
+                <a:ea typeface="+mn-ea"/>
+                <a:cs typeface="+mn-cs"/>
+              </a:defRPr>
+            </a:lvl5pPr>
+            <a:lvl6pPr marL="2286000" algn="l" defTabSz="914400" rtl="0" eaLnBrk="1" latinLnBrk="0" hangingPunct="1">
+              <a:defRPr sz="1800" kern="1200">
+                <a:solidFill>
+                  <a:schemeClr val="tx1"/>
+                </a:solidFill>
+                <a:latin typeface="+mn-lt"/>
+                <a:ea typeface="+mn-ea"/>
+                <a:cs typeface="+mn-cs"/>
+              </a:defRPr>
+            </a:lvl6pPr>
+            <a:lvl7pPr marL="2743200" algn="l" defTabSz="914400" rtl="0" eaLnBrk="1" latinLnBrk="0" hangingPunct="1">
+              <a:defRPr sz="1800" kern="1200">
+                <a:solidFill>
+                  <a:schemeClr val="tx1"/>
+                </a:solidFill>
+                <a:latin typeface="+mn-lt"/>
+                <a:ea typeface="+mn-ea"/>
+                <a:cs typeface="+mn-cs"/>
+              </a:defRPr>
+            </a:lvl7pPr>
+            <a:lvl8pPr marL="3200400" algn="l" defTabSz="914400" rtl="0" eaLnBrk="1" latinLnBrk="0" hangingPunct="1">
+              <a:defRPr sz="1800" kern="1200">
+                <a:solidFill>
+                  <a:schemeClr val="tx1"/>
+                </a:solidFill>
+                <a:latin typeface="+mn-lt"/>
+                <a:ea typeface="+mn-ea"/>
+                <a:cs typeface="+mn-cs"/>
+              </a:defRPr>
+            </a:lvl8pPr>
+            <a:lvl9pPr marL="3657600" algn="l" defTabSz="914400" rtl="0" eaLnBrk="1" latinLnBrk="0" hangingPunct="1">
+              <a:defRPr sz="1800" kern="1200">
+                <a:solidFill>
+                  <a:schemeClr val="tx1"/>
+                </a:solidFill>
+                <a:latin typeface="+mn-lt"/>
+                <a:ea typeface="+mn-ea"/>
+                <a:cs typeface="+mn-cs"/>
+              </a:defRPr>
+            </a:lvl9pPr>
+          </a:lstStyle>
+          <a:p>
+            <a:fld id="{3DE3E19F-02C1-4219-A00A-045ED18507E8}" type="slidenum">
+              <a:rPr lang="en-US" smtClean="0"/>
+              <a:pPr/>
+              <a:t>10</a:t>
+            </a:fld>
             <a:endParaRPr lang="en-US"/>
           </a:p>
         </p:txBody>
       </p:sp>
-      <p:sp>
-        <p:nvSpPr>
-          <p:cNvPr id="33" name="Rectangle 32">
+      <p:pic>
+        <p:nvPicPr>
+          <p:cNvPr id="6" name="Resim 5" descr="ekran görüntüsü, ekran, bilgisayar içeren bir resim&#10;&#10;Açıklama otomatik olarak oluşturuldu">
             <a:extLst>
               <a:ext uri="{FF2B5EF4-FFF2-40B4-BE49-F238E27FC236}">
-                <a16:creationId xmlns:a16="http://schemas.microsoft.com/office/drawing/2014/main" id="{047C8CCB-F95D-4249-92DD-651249D3535A}"/>
-              </a:ext>
-              <a:ext uri="{C183D7F6-B498-43B3-948B-1728B52AA6E4}">
-                <adec:decorative xmlns:adec="http://schemas.microsoft.com/office/drawing/2017/decorative" val="1"/>
-              </a:ext>
-            </a:extLst>
-          </p:cNvPr>
-          <p:cNvSpPr>
-            <a:spLocks noGrp="1" noRot="1" noChangeAspect="1" noMove="1" noResize="1" noEditPoints="1" noAdjustHandles="1" noChangeArrowheads="1" noChangeShapeType="1" noTextEdit="1"/>
-          </p:cNvSpPr>
-          <p:nvPr>
-            <p:extLst>
-              <p:ext uri="{386F3935-93C4-4BCD-93E2-E3B085C9AB24}">
-                <p16:designElem xmlns:p16="http://schemas.microsoft.com/office/powerpoint/2015/main" val="1"/>
-              </p:ext>
-            </p:extLst>
-          </p:nvPr>
-        </p:nvSpPr>
-        <p:spPr>
-          <a:xfrm>
-            <a:off x="0" y="0"/>
-            <a:ext cx="2013557" cy="6858000"/>
-          </a:xfrm>
-          <a:prstGeom prst="rect">
-            <a:avLst/>
-          </a:prstGeom>
-          <a:solidFill>
-            <a:srgbClr val="7F7F7F"/>
-          </a:solidFill>
-          <a:ln>
-            <a:noFill/>
-          </a:ln>
-        </p:spPr>
-        <p:style>
-          <a:lnRef idx="2">
-            <a:schemeClr val="accent1">
-              <a:shade val="50000"/>
-            </a:schemeClr>
-          </a:lnRef>
-          <a:fillRef idx="1">
-            <a:schemeClr val="accent1"/>
-          </a:fillRef>
-          <a:effectRef idx="0">
-            <a:schemeClr val="accent1"/>
-          </a:effectRef>
-          <a:fontRef idx="minor">
-            <a:schemeClr val="lt1"/>
-          </a:fontRef>
-        </p:style>
-        <p:txBody>
-          <a:bodyPr rtlCol="0" anchor="ctr"/>
-          <a:lstStyle/>
-          <a:p>
-            <a:pPr algn="ctr"/>
-            <a:endParaRPr lang="en-US"/>
-          </a:p>
-        </p:txBody>
-      </p:sp>
-      <p:sp>
-        <p:nvSpPr>
-          <p:cNvPr id="3" name="Başlık 2">
-            <a:extLst>
-              <a:ext uri="{FF2B5EF4-FFF2-40B4-BE49-F238E27FC236}">
-                <a16:creationId xmlns:a16="http://schemas.microsoft.com/office/drawing/2014/main" id="{0F98123C-7C9D-4660-8D3C-1A2D63CDA629}"/>
-              </a:ext>
-            </a:extLst>
-          </p:cNvPr>
-          <p:cNvSpPr>
-            <a:spLocks noGrp="1"/>
-          </p:cNvSpPr>
-          <p:nvPr>
-            <p:ph type="title"/>
-          </p:nvPr>
-        </p:nvSpPr>
-        <p:spPr>
-          <a:xfrm>
-            <a:off x="640080" y="2074363"/>
-            <a:ext cx="2752354" cy="2709275"/>
-          </a:xfrm>
-          <a:prstGeom prst="ellipse">
-            <a:avLst/>
-          </a:prstGeom>
-          <a:solidFill>
-            <a:srgbClr val="262626"/>
-          </a:solidFill>
-          <a:ln w="174625" cmpd="thinThick">
-            <a:solidFill>
-              <a:srgbClr val="262626"/>
-            </a:solidFill>
-          </a:ln>
-        </p:spPr>
-        <p:txBody>
-          <a:bodyPr vert="horz" lIns="91440" tIns="45720" rIns="91440" bIns="45720" rtlCol="0" anchor="ctr">
-            <a:normAutofit/>
-          </a:bodyPr>
-          <a:lstStyle/>
-          <a:p>
-            <a:pPr algn="ctr">
-              <a:lnSpc>
-                <a:spcPct val="90000"/>
-              </a:lnSpc>
-            </a:pPr>
-            <a:r>
-              <a:rPr lang="en-US" sz="2600" kern="1200" dirty="0">
-                <a:solidFill>
-                  <a:srgbClr val="FFFFFF"/>
-                </a:solidFill>
-                <a:latin typeface="+mj-lt"/>
-                <a:ea typeface="+mj-ea"/>
-                <a:cs typeface="+mj-cs"/>
-              </a:rPr>
-              <a:t>Trip Advice</a:t>
-            </a:r>
-          </a:p>
-        </p:txBody>
-      </p:sp>
-      <p:pic>
-        <p:nvPicPr>
-          <p:cNvPr id="2" name="Resim 1">
-            <a:extLst>
-              <a:ext uri="{FF2B5EF4-FFF2-40B4-BE49-F238E27FC236}">
-                <a16:creationId xmlns:a16="http://schemas.microsoft.com/office/drawing/2014/main" id="{FB2FDC1E-8DD8-4BA1-95D3-BDF7ED21C81E}"/>
+                <a16:creationId xmlns:a16="http://schemas.microsoft.com/office/drawing/2014/main" id="{23267133-4BAC-4858-8EEB-06443EF9A22A}"/>
               </a:ext>
             </a:extLst>
           </p:cNvPr>
@@ -4298,83 +4396,31 @@
           <p:nvPr/>
         </p:nvPicPr>
         <p:blipFill>
-          <a:blip r:embed="rId2"/>
+          <a:blip r:embed="rId2">
+            <a:extLst>
+              <a:ext uri="{28A0092B-C50C-407E-A947-70E740481C1C}">
+                <a14:useLocalDpi xmlns:a14="http://schemas.microsoft.com/office/drawing/2010/main" val="0"/>
+              </a:ext>
+            </a:extLst>
+          </a:blip>
           <a:stretch>
             <a:fillRect/>
           </a:stretch>
         </p:blipFill>
         <p:spPr>
           <a:xfrm>
-            <a:off x="4459371" y="961812"/>
-            <a:ext cx="6346657" cy="4930987"/>
+            <a:off x="749079" y="1610583"/>
+            <a:ext cx="5666232" cy="4330621"/>
           </a:xfrm>
           <a:prstGeom prst="rect">
             <a:avLst/>
           </a:prstGeom>
         </p:spPr>
       </p:pic>
-      <p:sp>
-        <p:nvSpPr>
-          <p:cNvPr id="9" name="Dikdörtgen 8">
-            <a:extLst>
-              <a:ext uri="{FF2B5EF4-FFF2-40B4-BE49-F238E27FC236}">
-                <a16:creationId xmlns:a16="http://schemas.microsoft.com/office/drawing/2014/main" id="{0EC7F163-F24A-4562-88D9-18C9971F7700}"/>
-              </a:ext>
-            </a:extLst>
-          </p:cNvPr>
-          <p:cNvSpPr/>
-          <p:nvPr/>
-        </p:nvSpPr>
-        <p:spPr>
-          <a:xfrm>
-            <a:off x="3392435" y="6191250"/>
-            <a:ext cx="7834364" cy="472860"/>
-          </a:xfrm>
-          <a:prstGeom prst="rect">
-            <a:avLst/>
-          </a:prstGeom>
-          <a:solidFill>
-            <a:srgbClr val="7F7F7F"/>
-          </a:solidFill>
-          <a:ln>
-            <a:solidFill>
-              <a:srgbClr val="6A532F"/>
-            </a:solidFill>
-          </a:ln>
-        </p:spPr>
-        <p:style>
-          <a:lnRef idx="2">
-            <a:schemeClr val="accent1">
-              <a:shade val="50000"/>
-            </a:schemeClr>
-          </a:lnRef>
-          <a:fillRef idx="1">
-            <a:schemeClr val="accent1"/>
-          </a:fillRef>
-          <a:effectRef idx="0">
-            <a:schemeClr val="accent1"/>
-          </a:effectRef>
-          <a:fontRef idx="minor">
-            <a:schemeClr val="lt1"/>
-          </a:fontRef>
-        </p:style>
-        <p:txBody>
-          <a:bodyPr rtlCol="0" anchor="ctr"/>
-          <a:lstStyle/>
-          <a:p>
-            <a:pPr algn="ctr"/>
-            <a:r>
-              <a:rPr lang="en-US" dirty="0"/>
-              <a:t>You can add a location where you want</a:t>
-            </a:r>
-            <a:endParaRPr lang="tr-TR" dirty="0"/>
-          </a:p>
-        </p:txBody>
-      </p:sp>
     </p:spTree>
     <p:extLst>
       <p:ext uri="{BB962C8B-B14F-4D97-AF65-F5344CB8AC3E}">
-        <p14:creationId xmlns:p14="http://schemas.microsoft.com/office/powerpoint/2010/main" val="1458936358"/>
+        <p14:creationId xmlns:p14="http://schemas.microsoft.com/office/powerpoint/2010/main" val="1964192838"/>
       </p:ext>
     </p:extLst>
   </p:cSld>
@@ -4387,14 +4433,6 @@
 <file path=ppt/slides/slide11.xml><?xml version="1.0" encoding="utf-8"?>
 <p:sld xmlns:a="http://schemas.openxmlformats.org/drawingml/2006/main" xmlns:r="http://schemas.openxmlformats.org/officeDocument/2006/relationships" xmlns:p="http://schemas.openxmlformats.org/presentationml/2006/main">
   <p:cSld>
-    <p:bg>
-      <p:bgPr>
-        <a:solidFill>
-          <a:schemeClr val="bg1"/>
-        </a:solidFill>
-        <a:effectLst/>
-      </p:bgPr>
-    </p:bg>
     <p:spTree>
       <p:nvGrpSpPr>
         <p:cNvPr id="1" name=""/>
@@ -4411,194 +4449,286 @@
       </p:grpSpPr>
       <p:sp>
         <p:nvSpPr>
-          <p:cNvPr id="38" name="Rectangle 37">
+          <p:cNvPr id="2" name="Başlık 1">
             <a:extLst>
               <a:ext uri="{FF2B5EF4-FFF2-40B4-BE49-F238E27FC236}">
-                <a16:creationId xmlns:a16="http://schemas.microsoft.com/office/drawing/2014/main" id="{6753252F-4873-4F63-801D-CC719279A7D5}"/>
-              </a:ext>
-              <a:ext uri="{C183D7F6-B498-43B3-948B-1728B52AA6E4}">
-                <adec:decorative xmlns:adec="http://schemas.microsoft.com/office/drawing/2017/decorative" val="1"/>
+                <a16:creationId xmlns:a16="http://schemas.microsoft.com/office/drawing/2014/main" id="{836E7814-FF08-4377-A509-67825A527CB2}"/>
               </a:ext>
             </a:extLst>
           </p:cNvPr>
           <p:cNvSpPr>
-            <a:spLocks noGrp="1" noRot="1" noChangeAspect="1" noMove="1" noResize="1" noEditPoints="1" noAdjustHandles="1" noChangeArrowheads="1" noChangeShapeType="1" noTextEdit="1"/>
-          </p:cNvSpPr>
-          <p:nvPr>
-            <p:extLst>
-              <p:ext uri="{386F3935-93C4-4BCD-93E2-E3B085C9AB24}">
-                <p16:designElem xmlns:p16="http://schemas.microsoft.com/office/powerpoint/2015/main" val="1"/>
-              </p:ext>
-            </p:extLst>
-          </p:nvPr>
-        </p:nvSpPr>
-        <p:spPr>
-          <a:xfrm>
-            <a:off x="0" y="0"/>
-            <a:ext cx="12192000" cy="6858000"/>
-          </a:xfrm>
-          <a:prstGeom prst="rect">
+            <a:spLocks noGrp="1"/>
+          </p:cNvSpPr>
+          <p:nvPr>
+            <p:ph type="title"/>
+          </p:nvPr>
+        </p:nvSpPr>
+        <p:spPr>
+          <a:xfrm>
+            <a:off x="429768" y="411480"/>
+            <a:ext cx="11201400" cy="685799"/>
+          </a:xfrm>
+        </p:spPr>
+        <p:txBody>
+          <a:bodyPr>
+            <a:normAutofit fontScale="90000"/>
+          </a:bodyPr>
+          <a:lstStyle/>
+          <a:p>
+            <a:r>
+              <a:rPr lang="en-US" dirty="0"/>
+              <a:t>Page 6 – Manager – Look at General Ideas</a:t>
+            </a:r>
+            <a:endParaRPr lang="tr-TR" dirty="0"/>
+          </a:p>
+        </p:txBody>
+      </p:sp>
+      <p:sp>
+        <p:nvSpPr>
+          <p:cNvPr id="3" name="İçerik Yer Tutucusu 2">
+            <a:extLst>
+              <a:ext uri="{FF2B5EF4-FFF2-40B4-BE49-F238E27FC236}">
+                <a16:creationId xmlns:a16="http://schemas.microsoft.com/office/drawing/2014/main" id="{CCD55640-FB69-450A-8F9B-6ECAD5BC35BD}"/>
+              </a:ext>
+            </a:extLst>
+          </p:cNvPr>
+          <p:cNvSpPr>
+            <a:spLocks noGrp="1"/>
+          </p:cNvSpPr>
+          <p:nvPr>
+            <p:ph idx="1"/>
+          </p:nvPr>
+        </p:nvSpPr>
+        <p:spPr>
+          <a:xfrm>
+            <a:off x="7938752" y="1721922"/>
+            <a:ext cx="3455097" cy="4258254"/>
+          </a:xfrm>
+        </p:spPr>
+        <p:txBody>
+          <a:bodyPr anchor="ctr">
+            <a:normAutofit/>
+          </a:bodyPr>
+          <a:lstStyle/>
+          <a:p>
+            <a:pPr>
+              <a:buFont typeface="Wingdings" panose="05000000000000000000" pitchFamily="2" charset="2"/>
+              <a:buChar char="q"/>
+            </a:pPr>
+            <a:r>
+              <a:rPr lang="en-US" sz="1800" dirty="0"/>
+              <a:t>If the manager wants to see the general advices or a new plan that came from customers, he can do it in this page. </a:t>
+            </a:r>
+          </a:p>
+          <a:p>
+            <a:pPr>
+              <a:buFont typeface="Wingdings" panose="05000000000000000000" pitchFamily="2" charset="2"/>
+              <a:buChar char="q"/>
+            </a:pPr>
+            <a:r>
+              <a:rPr lang="en-US" sz="1800" dirty="0"/>
+              <a:t>Manager also can delete these ideas that would include some bad commands. </a:t>
+            </a:r>
+          </a:p>
+          <a:p>
+            <a:pPr>
+              <a:buFont typeface="Wingdings" panose="05000000000000000000" pitchFamily="2" charset="2"/>
+              <a:buChar char="q"/>
+            </a:pPr>
+            <a:r>
+              <a:rPr lang="en-US" sz="1800" dirty="0"/>
+              <a:t>Another button for closing the page</a:t>
+            </a:r>
+            <a:endParaRPr lang="tr-TR" sz="1800" dirty="0"/>
+          </a:p>
+        </p:txBody>
+      </p:sp>
+      <p:sp>
+        <p:nvSpPr>
+          <p:cNvPr id="4" name="Alt Bilgi Yer Tutucusu 3">
+            <a:extLst>
+              <a:ext uri="{FF2B5EF4-FFF2-40B4-BE49-F238E27FC236}">
+                <a16:creationId xmlns:a16="http://schemas.microsoft.com/office/drawing/2014/main" id="{999A477B-E4F9-46C0-B2C8-788CB525A6FF}"/>
+              </a:ext>
+            </a:extLst>
+          </p:cNvPr>
+          <p:cNvSpPr>
+            <a:spLocks noGrp="1"/>
+          </p:cNvSpPr>
+          <p:nvPr>
+            <p:ph type="ftr" sz="quarter" idx="11"/>
+          </p:nvPr>
+        </p:nvSpPr>
+        <p:spPr>
+          <a:xfrm>
+            <a:off x="4038600" y="6356350"/>
+            <a:ext cx="4114800" cy="365125"/>
+          </a:xfrm>
+        </p:spPr>
+        <p:txBody>
+          <a:bodyPr>
+            <a:normAutofit/>
+          </a:bodyPr>
+          <a:lstStyle/>
+          <a:p>
+            <a:pPr>
+              <a:spcAft>
+                <a:spcPts val="600"/>
+              </a:spcAft>
+            </a:pPr>
+            <a:r>
+              <a:rPr lang="en-US">
+                <a:solidFill>
+                  <a:schemeClr val="tx1">
+                    <a:lumMod val="50000"/>
+                    <a:lumOff val="50000"/>
+                  </a:schemeClr>
+                </a:solidFill>
+              </a:rPr>
+              <a:t>ARU Submarine</a:t>
+            </a:r>
+          </a:p>
+        </p:txBody>
+      </p:sp>
+      <p:sp>
+        <p:nvSpPr>
+          <p:cNvPr id="23" name="Slide Number Placeholder 8">
+            <a:extLst>
+              <a:ext uri="{FF2B5EF4-FFF2-40B4-BE49-F238E27FC236}">
+                <a16:creationId xmlns:a16="http://schemas.microsoft.com/office/drawing/2014/main" id="{04EF2BF7-32CB-4496-998C-2EC211896404}"/>
+              </a:ext>
+            </a:extLst>
+          </p:cNvPr>
+          <p:cNvSpPr txBox="1">
+            <a:spLocks/>
+          </p:cNvSpPr>
+          <p:nvPr/>
+        </p:nvSpPr>
+        <p:spPr>
+          <a:xfrm>
+            <a:off x="10911919" y="6349061"/>
+            <a:ext cx="367666" cy="365125"/>
+          </a:xfrm>
+          <a:prstGeom prst="flowChartConnector">
             <a:avLst/>
           </a:prstGeom>
           <a:solidFill>
-            <a:srgbClr val="FFFFFF"/>
+            <a:srgbClr val="85CC18"/>
           </a:solidFill>
-          <a:ln>
-            <a:noFill/>
-          </a:ln>
-        </p:spPr>
-        <p:style>
-          <a:lnRef idx="2">
-            <a:schemeClr val="accent1">
-              <a:shade val="50000"/>
-            </a:schemeClr>
-          </a:lnRef>
-          <a:fillRef idx="1">
-            <a:schemeClr val="accent1"/>
-          </a:fillRef>
-          <a:effectRef idx="0">
-            <a:schemeClr val="accent1"/>
-          </a:effectRef>
-          <a:fontRef idx="minor">
-            <a:schemeClr val="lt1"/>
-          </a:fontRef>
-        </p:style>
-        <p:txBody>
-          <a:bodyPr rtlCol="0" anchor="ctr"/>
-          <a:lstStyle/>
-          <a:p>
-            <a:pPr algn="ctr"/>
+        </p:spPr>
+        <p:txBody>
+          <a:bodyPr vert="horz" lIns="0" tIns="45720" rIns="0" bIns="45720" rtlCol="0" anchor="ctr"/>
+          <a:lstStyle>
+            <a:defPPr>
+              <a:defRPr lang="en-US"/>
+            </a:defPPr>
+            <a:lvl1pPr marL="0" algn="ctr" defTabSz="914400" rtl="0" eaLnBrk="1" latinLnBrk="0" hangingPunct="1">
+              <a:defRPr sz="900" kern="1200">
+                <a:solidFill>
+                  <a:schemeClr val="bg1"/>
+                </a:solidFill>
+                <a:latin typeface="+mn-lt"/>
+                <a:ea typeface="+mn-ea"/>
+                <a:cs typeface="+mn-cs"/>
+              </a:defRPr>
+            </a:lvl1pPr>
+            <a:lvl2pPr marL="457200" algn="l" defTabSz="914400" rtl="0" eaLnBrk="1" latinLnBrk="0" hangingPunct="1">
+              <a:defRPr sz="1800" kern="1200">
+                <a:solidFill>
+                  <a:schemeClr val="tx1"/>
+                </a:solidFill>
+                <a:latin typeface="+mn-lt"/>
+                <a:ea typeface="+mn-ea"/>
+                <a:cs typeface="+mn-cs"/>
+              </a:defRPr>
+            </a:lvl2pPr>
+            <a:lvl3pPr marL="914400" algn="l" defTabSz="914400" rtl="0" eaLnBrk="1" latinLnBrk="0" hangingPunct="1">
+              <a:defRPr sz="1800" kern="1200">
+                <a:solidFill>
+                  <a:schemeClr val="tx1"/>
+                </a:solidFill>
+                <a:latin typeface="+mn-lt"/>
+                <a:ea typeface="+mn-ea"/>
+                <a:cs typeface="+mn-cs"/>
+              </a:defRPr>
+            </a:lvl3pPr>
+            <a:lvl4pPr marL="1371600" algn="l" defTabSz="914400" rtl="0" eaLnBrk="1" latinLnBrk="0" hangingPunct="1">
+              <a:defRPr sz="1800" kern="1200">
+                <a:solidFill>
+                  <a:schemeClr val="tx1"/>
+                </a:solidFill>
+                <a:latin typeface="+mn-lt"/>
+                <a:ea typeface="+mn-ea"/>
+                <a:cs typeface="+mn-cs"/>
+              </a:defRPr>
+            </a:lvl4pPr>
+            <a:lvl5pPr marL="1828800" algn="l" defTabSz="914400" rtl="0" eaLnBrk="1" latinLnBrk="0" hangingPunct="1">
+              <a:defRPr sz="1800" kern="1200">
+                <a:solidFill>
+                  <a:schemeClr val="tx1"/>
+                </a:solidFill>
+                <a:latin typeface="+mn-lt"/>
+                <a:ea typeface="+mn-ea"/>
+                <a:cs typeface="+mn-cs"/>
+              </a:defRPr>
+            </a:lvl5pPr>
+            <a:lvl6pPr marL="2286000" algn="l" defTabSz="914400" rtl="0" eaLnBrk="1" latinLnBrk="0" hangingPunct="1">
+              <a:defRPr sz="1800" kern="1200">
+                <a:solidFill>
+                  <a:schemeClr val="tx1"/>
+                </a:solidFill>
+                <a:latin typeface="+mn-lt"/>
+                <a:ea typeface="+mn-ea"/>
+                <a:cs typeface="+mn-cs"/>
+              </a:defRPr>
+            </a:lvl6pPr>
+            <a:lvl7pPr marL="2743200" algn="l" defTabSz="914400" rtl="0" eaLnBrk="1" latinLnBrk="0" hangingPunct="1">
+              <a:defRPr sz="1800" kern="1200">
+                <a:solidFill>
+                  <a:schemeClr val="tx1"/>
+                </a:solidFill>
+                <a:latin typeface="+mn-lt"/>
+                <a:ea typeface="+mn-ea"/>
+                <a:cs typeface="+mn-cs"/>
+              </a:defRPr>
+            </a:lvl7pPr>
+            <a:lvl8pPr marL="3200400" algn="l" defTabSz="914400" rtl="0" eaLnBrk="1" latinLnBrk="0" hangingPunct="1">
+              <a:defRPr sz="1800" kern="1200">
+                <a:solidFill>
+                  <a:schemeClr val="tx1"/>
+                </a:solidFill>
+                <a:latin typeface="+mn-lt"/>
+                <a:ea typeface="+mn-ea"/>
+                <a:cs typeface="+mn-cs"/>
+              </a:defRPr>
+            </a:lvl8pPr>
+            <a:lvl9pPr marL="3657600" algn="l" defTabSz="914400" rtl="0" eaLnBrk="1" latinLnBrk="0" hangingPunct="1">
+              <a:defRPr sz="1800" kern="1200">
+                <a:solidFill>
+                  <a:schemeClr val="tx1"/>
+                </a:solidFill>
+                <a:latin typeface="+mn-lt"/>
+                <a:ea typeface="+mn-ea"/>
+                <a:cs typeface="+mn-cs"/>
+              </a:defRPr>
+            </a:lvl9pPr>
+          </a:lstStyle>
+          <a:p>
+            <a:fld id="{3DE3E19F-02C1-4219-A00A-045ED18507E8}" type="slidenum">
+              <a:rPr lang="en-US" smtClean="0"/>
+              <a:pPr/>
+              <a:t>11</a:t>
+            </a:fld>
             <a:endParaRPr lang="en-US"/>
           </a:p>
         </p:txBody>
       </p:sp>
-      <p:sp>
-        <p:nvSpPr>
-          <p:cNvPr id="40" name="Rectangle 39">
+      <p:pic>
+        <p:nvPicPr>
+          <p:cNvPr id="7" name="Resim 6" descr="ekran görüntüsü, ekran, oturma, saat içeren bir resim&#10;&#10;Açıklama otomatik olarak oluşturuldu">
             <a:extLst>
               <a:ext uri="{FF2B5EF4-FFF2-40B4-BE49-F238E27FC236}">
-                <a16:creationId xmlns:a16="http://schemas.microsoft.com/office/drawing/2014/main" id="{047C8CCB-F95D-4249-92DD-651249D3535A}"/>
-              </a:ext>
-              <a:ext uri="{C183D7F6-B498-43B3-948B-1728B52AA6E4}">
-                <adec:decorative xmlns:adec="http://schemas.microsoft.com/office/drawing/2017/decorative" val="1"/>
-              </a:ext>
-            </a:extLst>
-          </p:cNvPr>
-          <p:cNvSpPr>
-            <a:spLocks noGrp="1" noRot="1" noChangeAspect="1" noMove="1" noResize="1" noEditPoints="1" noAdjustHandles="1" noChangeArrowheads="1" noChangeShapeType="1" noTextEdit="1"/>
-          </p:cNvSpPr>
-          <p:nvPr>
-            <p:extLst>
-              <p:ext uri="{386F3935-93C4-4BCD-93E2-E3B085C9AB24}">
-                <p16:designElem xmlns:p16="http://schemas.microsoft.com/office/powerpoint/2015/main" val="1"/>
-              </p:ext>
-            </p:extLst>
-          </p:nvPr>
-        </p:nvSpPr>
-        <p:spPr>
-          <a:xfrm>
-            <a:off x="0" y="0"/>
-            <a:ext cx="2013557" cy="6858000"/>
-          </a:xfrm>
-          <a:prstGeom prst="rect">
-            <a:avLst/>
-          </a:prstGeom>
-          <a:solidFill>
-            <a:srgbClr val="7F7F7F"/>
-          </a:solidFill>
-          <a:ln>
-            <a:noFill/>
-          </a:ln>
-        </p:spPr>
-        <p:style>
-          <a:lnRef idx="2">
-            <a:schemeClr val="accent1">
-              <a:shade val="50000"/>
-            </a:schemeClr>
-          </a:lnRef>
-          <a:fillRef idx="1">
-            <a:schemeClr val="accent1"/>
-          </a:fillRef>
-          <a:effectRef idx="0">
-            <a:schemeClr val="accent1"/>
-          </a:effectRef>
-          <a:fontRef idx="minor">
-            <a:schemeClr val="lt1"/>
-          </a:fontRef>
-        </p:style>
-        <p:txBody>
-          <a:bodyPr rtlCol="0" anchor="ctr"/>
-          <a:lstStyle/>
-          <a:p>
-            <a:pPr algn="ctr"/>
-            <a:endParaRPr lang="en-US"/>
-          </a:p>
-        </p:txBody>
-      </p:sp>
-      <p:sp>
-        <p:nvSpPr>
-          <p:cNvPr id="3" name="Başlık 2">
-            <a:extLst>
-              <a:ext uri="{FF2B5EF4-FFF2-40B4-BE49-F238E27FC236}">
-                <a16:creationId xmlns:a16="http://schemas.microsoft.com/office/drawing/2014/main" id="{0F98123C-7C9D-4660-8D3C-1A2D63CDA629}"/>
-              </a:ext>
-            </a:extLst>
-          </p:cNvPr>
-          <p:cNvSpPr>
-            <a:spLocks noGrp="1"/>
-          </p:cNvSpPr>
-          <p:nvPr>
-            <p:ph type="title"/>
-          </p:nvPr>
-        </p:nvSpPr>
-        <p:spPr>
-          <a:xfrm>
-            <a:off x="640080" y="2074363"/>
-            <a:ext cx="2752354" cy="2709275"/>
-          </a:xfrm>
-          <a:prstGeom prst="ellipse">
-            <a:avLst/>
-          </a:prstGeom>
-          <a:solidFill>
-            <a:srgbClr val="262626"/>
-          </a:solidFill>
-          <a:ln w="174625" cmpd="thinThick">
-            <a:solidFill>
-              <a:srgbClr val="262626"/>
-            </a:solidFill>
-          </a:ln>
-        </p:spPr>
-        <p:txBody>
-          <a:bodyPr vert="horz" lIns="91440" tIns="45720" rIns="91440" bIns="45720" rtlCol="0" anchor="ctr">
-            <a:normAutofit/>
-          </a:bodyPr>
-          <a:lstStyle/>
-          <a:p>
-            <a:pPr algn="ctr">
-              <a:lnSpc>
-                <a:spcPct val="90000"/>
-              </a:lnSpc>
-            </a:pPr>
-            <a:r>
-              <a:rPr lang="en-US" sz="2600" kern="1200" dirty="0">
-                <a:solidFill>
-                  <a:srgbClr val="FFFFFF"/>
-                </a:solidFill>
-                <a:latin typeface="+mj-lt"/>
-                <a:ea typeface="+mj-ea"/>
-                <a:cs typeface="+mj-cs"/>
-              </a:rPr>
-              <a:t>Have An Idea</a:t>
-            </a:r>
-          </a:p>
-        </p:txBody>
-      </p:sp>
-      <p:pic>
-        <p:nvPicPr>
-          <p:cNvPr id="4" name="Resim 3">
-            <a:extLst>
-              <a:ext uri="{FF2B5EF4-FFF2-40B4-BE49-F238E27FC236}">
-                <a16:creationId xmlns:a16="http://schemas.microsoft.com/office/drawing/2014/main" id="{F33C5A3E-58D6-4C79-AB87-E1EFA4D8FF55}"/>
+                <a16:creationId xmlns:a16="http://schemas.microsoft.com/office/drawing/2014/main" id="{E44F9D09-FABC-4665-B06F-D4E7BCAD7D8C}"/>
               </a:ext>
             </a:extLst>
           </p:cNvPr>
@@ -4608,83 +4738,31 @@
           <p:nvPr/>
         </p:nvPicPr>
         <p:blipFill>
-          <a:blip r:embed="rId2"/>
+          <a:blip r:embed="rId2">
+            <a:extLst>
+              <a:ext uri="{28A0092B-C50C-407E-A947-70E740481C1C}">
+                <a14:useLocalDpi xmlns:a14="http://schemas.microsoft.com/office/drawing/2010/main" val="0"/>
+              </a:ext>
+            </a:extLst>
+          </a:blip>
           <a:stretch>
             <a:fillRect/>
           </a:stretch>
         </p:blipFill>
         <p:spPr>
           <a:xfrm>
-            <a:off x="4562177" y="961812"/>
-            <a:ext cx="6141045" cy="4930987"/>
+            <a:off x="778104" y="1610583"/>
+            <a:ext cx="5825896" cy="4193078"/>
           </a:xfrm>
           <a:prstGeom prst="rect">
             <a:avLst/>
           </a:prstGeom>
         </p:spPr>
       </p:pic>
-      <p:sp>
-        <p:nvSpPr>
-          <p:cNvPr id="9" name="Dikdörtgen 8">
-            <a:extLst>
-              <a:ext uri="{FF2B5EF4-FFF2-40B4-BE49-F238E27FC236}">
-                <a16:creationId xmlns:a16="http://schemas.microsoft.com/office/drawing/2014/main" id="{0984B237-7F41-4008-A8CC-C864646B7932}"/>
-              </a:ext>
-            </a:extLst>
-          </p:cNvPr>
-          <p:cNvSpPr/>
-          <p:nvPr/>
-        </p:nvSpPr>
-        <p:spPr>
-          <a:xfrm>
-            <a:off x="3392435" y="6191250"/>
-            <a:ext cx="7834364" cy="472860"/>
-          </a:xfrm>
-          <a:prstGeom prst="rect">
-            <a:avLst/>
-          </a:prstGeom>
-          <a:solidFill>
-            <a:srgbClr val="7F7F7F"/>
-          </a:solidFill>
-          <a:ln>
-            <a:solidFill>
-              <a:srgbClr val="6A532F"/>
-            </a:solidFill>
-          </a:ln>
-        </p:spPr>
-        <p:style>
-          <a:lnRef idx="2">
-            <a:schemeClr val="accent1">
-              <a:shade val="50000"/>
-            </a:schemeClr>
-          </a:lnRef>
-          <a:fillRef idx="1">
-            <a:schemeClr val="accent1"/>
-          </a:fillRef>
-          <a:effectRef idx="0">
-            <a:schemeClr val="accent1"/>
-          </a:effectRef>
-          <a:fontRef idx="minor">
-            <a:schemeClr val="lt1"/>
-          </a:fontRef>
-        </p:style>
-        <p:txBody>
-          <a:bodyPr rtlCol="0" anchor="ctr"/>
-          <a:lstStyle/>
-          <a:p>
-            <a:pPr algn="ctr"/>
-            <a:r>
-              <a:rPr lang="en-US" dirty="0"/>
-              <a:t>You can add your idea to make us better</a:t>
-            </a:r>
-            <a:endParaRPr lang="tr-TR" dirty="0"/>
-          </a:p>
-        </p:txBody>
-      </p:sp>
     </p:spTree>
     <p:extLst>
       <p:ext uri="{BB962C8B-B14F-4D97-AF65-F5344CB8AC3E}">
-        <p14:creationId xmlns:p14="http://schemas.microsoft.com/office/powerpoint/2010/main" val="3086399705"/>
+        <p14:creationId xmlns:p14="http://schemas.microsoft.com/office/powerpoint/2010/main" val="4158492654"/>
       </p:ext>
     </p:extLst>
   </p:cSld>
@@ -4697,14 +4775,6 @@
 <file path=ppt/slides/slide12.xml><?xml version="1.0" encoding="utf-8"?>
 <p:sld xmlns:a="http://schemas.openxmlformats.org/drawingml/2006/main" xmlns:r="http://schemas.openxmlformats.org/officeDocument/2006/relationships" xmlns:p="http://schemas.openxmlformats.org/presentationml/2006/main">
   <p:cSld>
-    <p:bg>
-      <p:bgPr>
-        <a:solidFill>
-          <a:schemeClr val="bg1"/>
-        </a:solidFill>
-        <a:effectLst/>
-      </p:bgPr>
-    </p:bg>
     <p:spTree>
       <p:nvGrpSpPr>
         <p:cNvPr id="1" name=""/>
@@ -4721,194 +4791,286 @@
       </p:grpSpPr>
       <p:sp>
         <p:nvSpPr>
-          <p:cNvPr id="10" name="Rectangle 9">
+          <p:cNvPr id="2" name="Başlık 1">
             <a:extLst>
               <a:ext uri="{FF2B5EF4-FFF2-40B4-BE49-F238E27FC236}">
-                <a16:creationId xmlns:a16="http://schemas.microsoft.com/office/drawing/2014/main" id="{6753252F-4873-4F63-801D-CC719279A7D5}"/>
-              </a:ext>
-              <a:ext uri="{C183D7F6-B498-43B3-948B-1728B52AA6E4}">
-                <adec:decorative xmlns:adec="http://schemas.microsoft.com/office/drawing/2017/decorative" val="1"/>
+                <a16:creationId xmlns:a16="http://schemas.microsoft.com/office/drawing/2014/main" id="{836E7814-FF08-4377-A509-67825A527CB2}"/>
               </a:ext>
             </a:extLst>
           </p:cNvPr>
           <p:cNvSpPr>
-            <a:spLocks noGrp="1" noRot="1" noChangeAspect="1" noMove="1" noResize="1" noEditPoints="1" noAdjustHandles="1" noChangeArrowheads="1" noChangeShapeType="1" noTextEdit="1"/>
-          </p:cNvSpPr>
-          <p:nvPr>
-            <p:extLst>
-              <p:ext uri="{386F3935-93C4-4BCD-93E2-E3B085C9AB24}">
-                <p16:designElem xmlns:p16="http://schemas.microsoft.com/office/powerpoint/2015/main" val="1"/>
-              </p:ext>
-            </p:extLst>
-          </p:nvPr>
-        </p:nvSpPr>
-        <p:spPr>
-          <a:xfrm>
-            <a:off x="0" y="0"/>
-            <a:ext cx="12192000" cy="6858000"/>
-          </a:xfrm>
-          <a:prstGeom prst="rect">
+            <a:spLocks noGrp="1"/>
+          </p:cNvSpPr>
+          <p:nvPr>
+            <p:ph type="title"/>
+          </p:nvPr>
+        </p:nvSpPr>
+        <p:spPr>
+          <a:xfrm>
+            <a:off x="429768" y="411480"/>
+            <a:ext cx="11201400" cy="685799"/>
+          </a:xfrm>
+        </p:spPr>
+        <p:txBody>
+          <a:bodyPr>
+            <a:normAutofit fontScale="90000"/>
+          </a:bodyPr>
+          <a:lstStyle/>
+          <a:p>
+            <a:r>
+              <a:rPr lang="en-US" dirty="0"/>
+              <a:t>Page 7 – Manager – Look at donations, so few</a:t>
+            </a:r>
+            <a:endParaRPr lang="tr-TR" dirty="0"/>
+          </a:p>
+        </p:txBody>
+      </p:sp>
+      <p:sp>
+        <p:nvSpPr>
+          <p:cNvPr id="3" name="İçerik Yer Tutucusu 2">
+            <a:extLst>
+              <a:ext uri="{FF2B5EF4-FFF2-40B4-BE49-F238E27FC236}">
+                <a16:creationId xmlns:a16="http://schemas.microsoft.com/office/drawing/2014/main" id="{CCD55640-FB69-450A-8F9B-6ECAD5BC35BD}"/>
+              </a:ext>
+            </a:extLst>
+          </p:cNvPr>
+          <p:cNvSpPr>
+            <a:spLocks noGrp="1"/>
+          </p:cNvSpPr>
+          <p:nvPr>
+            <p:ph idx="1"/>
+          </p:nvPr>
+        </p:nvSpPr>
+        <p:spPr>
+          <a:xfrm>
+            <a:off x="7938752" y="1721922"/>
+            <a:ext cx="3455097" cy="4258254"/>
+          </a:xfrm>
+        </p:spPr>
+        <p:txBody>
+          <a:bodyPr anchor="ctr">
+            <a:normAutofit/>
+          </a:bodyPr>
+          <a:lstStyle/>
+          <a:p>
+            <a:pPr>
+              <a:buFont typeface="Wingdings" panose="05000000000000000000" pitchFamily="2" charset="2"/>
+              <a:buChar char="q"/>
+            </a:pPr>
+            <a:r>
+              <a:rPr lang="en-US" sz="1800" dirty="0"/>
+              <a:t>If the manager wants to see the donation for the system or a new ship… that came from customers, he can do it in this page. </a:t>
+            </a:r>
+          </a:p>
+          <a:p>
+            <a:pPr>
+              <a:buFont typeface="Wingdings" panose="05000000000000000000" pitchFamily="2" charset="2"/>
+              <a:buChar char="q"/>
+            </a:pPr>
+            <a:r>
+              <a:rPr lang="en-US" sz="1800" dirty="0"/>
+              <a:t>Manager also can delete these donations.</a:t>
+            </a:r>
+          </a:p>
+          <a:p>
+            <a:pPr>
+              <a:buFont typeface="Wingdings" panose="05000000000000000000" pitchFamily="2" charset="2"/>
+              <a:buChar char="q"/>
+            </a:pPr>
+            <a:r>
+              <a:rPr lang="en-US" sz="1800" dirty="0"/>
+              <a:t>Another button for closing the page</a:t>
+            </a:r>
+            <a:endParaRPr lang="tr-TR" sz="1800" dirty="0"/>
+          </a:p>
+        </p:txBody>
+      </p:sp>
+      <p:sp>
+        <p:nvSpPr>
+          <p:cNvPr id="4" name="Alt Bilgi Yer Tutucusu 3">
+            <a:extLst>
+              <a:ext uri="{FF2B5EF4-FFF2-40B4-BE49-F238E27FC236}">
+                <a16:creationId xmlns:a16="http://schemas.microsoft.com/office/drawing/2014/main" id="{999A477B-E4F9-46C0-B2C8-788CB525A6FF}"/>
+              </a:ext>
+            </a:extLst>
+          </p:cNvPr>
+          <p:cNvSpPr>
+            <a:spLocks noGrp="1"/>
+          </p:cNvSpPr>
+          <p:nvPr>
+            <p:ph type="ftr" sz="quarter" idx="11"/>
+          </p:nvPr>
+        </p:nvSpPr>
+        <p:spPr>
+          <a:xfrm>
+            <a:off x="4038600" y="6356350"/>
+            <a:ext cx="4114800" cy="365125"/>
+          </a:xfrm>
+        </p:spPr>
+        <p:txBody>
+          <a:bodyPr>
+            <a:normAutofit/>
+          </a:bodyPr>
+          <a:lstStyle/>
+          <a:p>
+            <a:pPr>
+              <a:spcAft>
+                <a:spcPts val="600"/>
+              </a:spcAft>
+            </a:pPr>
+            <a:r>
+              <a:rPr lang="en-US">
+                <a:solidFill>
+                  <a:schemeClr val="tx1">
+                    <a:lumMod val="50000"/>
+                    <a:lumOff val="50000"/>
+                  </a:schemeClr>
+                </a:solidFill>
+              </a:rPr>
+              <a:t>ARU Submarine</a:t>
+            </a:r>
+          </a:p>
+        </p:txBody>
+      </p:sp>
+      <p:sp>
+        <p:nvSpPr>
+          <p:cNvPr id="23" name="Slide Number Placeholder 8">
+            <a:extLst>
+              <a:ext uri="{FF2B5EF4-FFF2-40B4-BE49-F238E27FC236}">
+                <a16:creationId xmlns:a16="http://schemas.microsoft.com/office/drawing/2014/main" id="{04EF2BF7-32CB-4496-998C-2EC211896404}"/>
+              </a:ext>
+            </a:extLst>
+          </p:cNvPr>
+          <p:cNvSpPr txBox="1">
+            <a:spLocks/>
+          </p:cNvSpPr>
+          <p:nvPr/>
+        </p:nvSpPr>
+        <p:spPr>
+          <a:xfrm>
+            <a:off x="10911919" y="6349061"/>
+            <a:ext cx="367666" cy="365125"/>
+          </a:xfrm>
+          <a:prstGeom prst="flowChartConnector">
             <a:avLst/>
           </a:prstGeom>
           <a:solidFill>
-            <a:srgbClr val="FFFFFF"/>
+            <a:srgbClr val="85CC18"/>
           </a:solidFill>
-          <a:ln>
-            <a:noFill/>
-          </a:ln>
-        </p:spPr>
-        <p:style>
-          <a:lnRef idx="2">
-            <a:schemeClr val="accent1">
-              <a:shade val="50000"/>
-            </a:schemeClr>
-          </a:lnRef>
-          <a:fillRef idx="1">
-            <a:schemeClr val="accent1"/>
-          </a:fillRef>
-          <a:effectRef idx="0">
-            <a:schemeClr val="accent1"/>
-          </a:effectRef>
-          <a:fontRef idx="minor">
-            <a:schemeClr val="lt1"/>
-          </a:fontRef>
-        </p:style>
-        <p:txBody>
-          <a:bodyPr rtlCol="0" anchor="ctr"/>
-          <a:lstStyle/>
-          <a:p>
-            <a:pPr algn="ctr"/>
+        </p:spPr>
+        <p:txBody>
+          <a:bodyPr vert="horz" lIns="0" tIns="45720" rIns="0" bIns="45720" rtlCol="0" anchor="ctr"/>
+          <a:lstStyle>
+            <a:defPPr>
+              <a:defRPr lang="en-US"/>
+            </a:defPPr>
+            <a:lvl1pPr marL="0" algn="ctr" defTabSz="914400" rtl="0" eaLnBrk="1" latinLnBrk="0" hangingPunct="1">
+              <a:defRPr sz="900" kern="1200">
+                <a:solidFill>
+                  <a:schemeClr val="bg1"/>
+                </a:solidFill>
+                <a:latin typeface="+mn-lt"/>
+                <a:ea typeface="+mn-ea"/>
+                <a:cs typeface="+mn-cs"/>
+              </a:defRPr>
+            </a:lvl1pPr>
+            <a:lvl2pPr marL="457200" algn="l" defTabSz="914400" rtl="0" eaLnBrk="1" latinLnBrk="0" hangingPunct="1">
+              <a:defRPr sz="1800" kern="1200">
+                <a:solidFill>
+                  <a:schemeClr val="tx1"/>
+                </a:solidFill>
+                <a:latin typeface="+mn-lt"/>
+                <a:ea typeface="+mn-ea"/>
+                <a:cs typeface="+mn-cs"/>
+              </a:defRPr>
+            </a:lvl2pPr>
+            <a:lvl3pPr marL="914400" algn="l" defTabSz="914400" rtl="0" eaLnBrk="1" latinLnBrk="0" hangingPunct="1">
+              <a:defRPr sz="1800" kern="1200">
+                <a:solidFill>
+                  <a:schemeClr val="tx1"/>
+                </a:solidFill>
+                <a:latin typeface="+mn-lt"/>
+                <a:ea typeface="+mn-ea"/>
+                <a:cs typeface="+mn-cs"/>
+              </a:defRPr>
+            </a:lvl3pPr>
+            <a:lvl4pPr marL="1371600" algn="l" defTabSz="914400" rtl="0" eaLnBrk="1" latinLnBrk="0" hangingPunct="1">
+              <a:defRPr sz="1800" kern="1200">
+                <a:solidFill>
+                  <a:schemeClr val="tx1"/>
+                </a:solidFill>
+                <a:latin typeface="+mn-lt"/>
+                <a:ea typeface="+mn-ea"/>
+                <a:cs typeface="+mn-cs"/>
+              </a:defRPr>
+            </a:lvl4pPr>
+            <a:lvl5pPr marL="1828800" algn="l" defTabSz="914400" rtl="0" eaLnBrk="1" latinLnBrk="0" hangingPunct="1">
+              <a:defRPr sz="1800" kern="1200">
+                <a:solidFill>
+                  <a:schemeClr val="tx1"/>
+                </a:solidFill>
+                <a:latin typeface="+mn-lt"/>
+                <a:ea typeface="+mn-ea"/>
+                <a:cs typeface="+mn-cs"/>
+              </a:defRPr>
+            </a:lvl5pPr>
+            <a:lvl6pPr marL="2286000" algn="l" defTabSz="914400" rtl="0" eaLnBrk="1" latinLnBrk="0" hangingPunct="1">
+              <a:defRPr sz="1800" kern="1200">
+                <a:solidFill>
+                  <a:schemeClr val="tx1"/>
+                </a:solidFill>
+                <a:latin typeface="+mn-lt"/>
+                <a:ea typeface="+mn-ea"/>
+                <a:cs typeface="+mn-cs"/>
+              </a:defRPr>
+            </a:lvl6pPr>
+            <a:lvl7pPr marL="2743200" algn="l" defTabSz="914400" rtl="0" eaLnBrk="1" latinLnBrk="0" hangingPunct="1">
+              <a:defRPr sz="1800" kern="1200">
+                <a:solidFill>
+                  <a:schemeClr val="tx1"/>
+                </a:solidFill>
+                <a:latin typeface="+mn-lt"/>
+                <a:ea typeface="+mn-ea"/>
+                <a:cs typeface="+mn-cs"/>
+              </a:defRPr>
+            </a:lvl7pPr>
+            <a:lvl8pPr marL="3200400" algn="l" defTabSz="914400" rtl="0" eaLnBrk="1" latinLnBrk="0" hangingPunct="1">
+              <a:defRPr sz="1800" kern="1200">
+                <a:solidFill>
+                  <a:schemeClr val="tx1"/>
+                </a:solidFill>
+                <a:latin typeface="+mn-lt"/>
+                <a:ea typeface="+mn-ea"/>
+                <a:cs typeface="+mn-cs"/>
+              </a:defRPr>
+            </a:lvl8pPr>
+            <a:lvl9pPr marL="3657600" algn="l" defTabSz="914400" rtl="0" eaLnBrk="1" latinLnBrk="0" hangingPunct="1">
+              <a:defRPr sz="1800" kern="1200">
+                <a:solidFill>
+                  <a:schemeClr val="tx1"/>
+                </a:solidFill>
+                <a:latin typeface="+mn-lt"/>
+                <a:ea typeface="+mn-ea"/>
+                <a:cs typeface="+mn-cs"/>
+              </a:defRPr>
+            </a:lvl9pPr>
+          </a:lstStyle>
+          <a:p>
+            <a:fld id="{3DE3E19F-02C1-4219-A00A-045ED18507E8}" type="slidenum">
+              <a:rPr lang="en-US" smtClean="0"/>
+              <a:pPr/>
+              <a:t>12</a:t>
+            </a:fld>
             <a:endParaRPr lang="en-US"/>
           </a:p>
         </p:txBody>
       </p:sp>
-      <p:sp>
-        <p:nvSpPr>
-          <p:cNvPr id="12" name="Rectangle 11">
+      <p:pic>
+        <p:nvPicPr>
+          <p:cNvPr id="6" name="Resim 5" descr="ekran görüntüsü içeren bir resim&#10;&#10;Açıklama otomatik olarak oluşturuldu">
             <a:extLst>
               <a:ext uri="{FF2B5EF4-FFF2-40B4-BE49-F238E27FC236}">
-                <a16:creationId xmlns:a16="http://schemas.microsoft.com/office/drawing/2014/main" id="{047C8CCB-F95D-4249-92DD-651249D3535A}"/>
-              </a:ext>
-              <a:ext uri="{C183D7F6-B498-43B3-948B-1728B52AA6E4}">
-                <adec:decorative xmlns:adec="http://schemas.microsoft.com/office/drawing/2017/decorative" val="1"/>
-              </a:ext>
-            </a:extLst>
-          </p:cNvPr>
-          <p:cNvSpPr>
-            <a:spLocks noGrp="1" noRot="1" noChangeAspect="1" noMove="1" noResize="1" noEditPoints="1" noAdjustHandles="1" noChangeArrowheads="1" noChangeShapeType="1" noTextEdit="1"/>
-          </p:cNvSpPr>
-          <p:nvPr>
-            <p:extLst>
-              <p:ext uri="{386F3935-93C4-4BCD-93E2-E3B085C9AB24}">
-                <p16:designElem xmlns:p16="http://schemas.microsoft.com/office/powerpoint/2015/main" val="1"/>
-              </p:ext>
-            </p:extLst>
-          </p:nvPr>
-        </p:nvSpPr>
-        <p:spPr>
-          <a:xfrm>
-            <a:off x="0" y="0"/>
-            <a:ext cx="2013557" cy="6858000"/>
-          </a:xfrm>
-          <a:prstGeom prst="rect">
-            <a:avLst/>
-          </a:prstGeom>
-          <a:solidFill>
-            <a:srgbClr val="2F336D"/>
-          </a:solidFill>
-          <a:ln>
-            <a:noFill/>
-          </a:ln>
-        </p:spPr>
-        <p:style>
-          <a:lnRef idx="2">
-            <a:schemeClr val="accent1">
-              <a:shade val="50000"/>
-            </a:schemeClr>
-          </a:lnRef>
-          <a:fillRef idx="1">
-            <a:schemeClr val="accent1"/>
-          </a:fillRef>
-          <a:effectRef idx="0">
-            <a:schemeClr val="accent1"/>
-          </a:effectRef>
-          <a:fontRef idx="minor">
-            <a:schemeClr val="lt1"/>
-          </a:fontRef>
-        </p:style>
-        <p:txBody>
-          <a:bodyPr rtlCol="0" anchor="ctr"/>
-          <a:lstStyle/>
-          <a:p>
-            <a:pPr algn="ctr"/>
-            <a:endParaRPr lang="en-US"/>
-          </a:p>
-        </p:txBody>
-      </p:sp>
-      <p:sp>
-        <p:nvSpPr>
-          <p:cNvPr id="3" name="Başlık 2">
-            <a:extLst>
-              <a:ext uri="{FF2B5EF4-FFF2-40B4-BE49-F238E27FC236}">
-                <a16:creationId xmlns:a16="http://schemas.microsoft.com/office/drawing/2014/main" id="{0F98123C-7C9D-4660-8D3C-1A2D63CDA629}"/>
-              </a:ext>
-            </a:extLst>
-          </p:cNvPr>
-          <p:cNvSpPr>
-            <a:spLocks noGrp="1"/>
-          </p:cNvSpPr>
-          <p:nvPr>
-            <p:ph type="title"/>
-          </p:nvPr>
-        </p:nvSpPr>
-        <p:spPr>
-          <a:xfrm>
-            <a:off x="640080" y="2074363"/>
-            <a:ext cx="2752354" cy="2709275"/>
-          </a:xfrm>
-          <a:prstGeom prst="ellipse">
-            <a:avLst/>
-          </a:prstGeom>
-          <a:solidFill>
-            <a:srgbClr val="262626"/>
-          </a:solidFill>
-          <a:ln w="174625" cmpd="thinThick">
-            <a:solidFill>
-              <a:srgbClr val="262626"/>
-            </a:solidFill>
-          </a:ln>
-        </p:spPr>
-        <p:txBody>
-          <a:bodyPr vert="horz" lIns="91440" tIns="45720" rIns="91440" bIns="45720" rtlCol="0" anchor="ctr">
-            <a:normAutofit/>
-          </a:bodyPr>
-          <a:lstStyle/>
-          <a:p>
-            <a:pPr algn="ctr">
-              <a:lnSpc>
-                <a:spcPct val="90000"/>
-              </a:lnSpc>
-            </a:pPr>
-            <a:r>
-              <a:rPr lang="en-US" sz="2600" kern="1200" dirty="0">
-                <a:solidFill>
-                  <a:srgbClr val="FFFFFF"/>
-                </a:solidFill>
-                <a:latin typeface="+mj-lt"/>
-                <a:ea typeface="+mj-ea"/>
-                <a:cs typeface="+mj-cs"/>
-              </a:rPr>
-              <a:t>Corporate</a:t>
-            </a:r>
-          </a:p>
-        </p:txBody>
-      </p:sp>
-      <p:pic>
-        <p:nvPicPr>
-          <p:cNvPr id="6" name="Resim 5">
-            <a:extLst>
-              <a:ext uri="{FF2B5EF4-FFF2-40B4-BE49-F238E27FC236}">
-                <a16:creationId xmlns:a16="http://schemas.microsoft.com/office/drawing/2014/main" id="{4A81E84D-4F78-41DC-A234-9EBF9B0C74F8}"/>
+                <a16:creationId xmlns:a16="http://schemas.microsoft.com/office/drawing/2014/main" id="{D0EAD09F-BD6C-4604-90CA-EB7A6FF0A36C}"/>
               </a:ext>
             </a:extLst>
           </p:cNvPr>
@@ -4918,83 +5080,31 @@
           <p:nvPr/>
         </p:nvPicPr>
         <p:blipFill>
-          <a:blip r:embed="rId2"/>
+          <a:blip r:embed="rId2">
+            <a:extLst>
+              <a:ext uri="{28A0092B-C50C-407E-A947-70E740481C1C}">
+                <a14:useLocalDpi xmlns:a14="http://schemas.microsoft.com/office/drawing/2010/main" val="0"/>
+              </a:ext>
+            </a:extLst>
+          </a:blip>
           <a:stretch>
             <a:fillRect/>
           </a:stretch>
         </p:blipFill>
         <p:spPr>
           <a:xfrm>
-            <a:off x="4497663" y="961812"/>
-            <a:ext cx="6270072" cy="4930987"/>
+            <a:off x="778103" y="1609915"/>
+            <a:ext cx="5666239" cy="4263043"/>
           </a:xfrm>
           <a:prstGeom prst="rect">
             <a:avLst/>
           </a:prstGeom>
         </p:spPr>
       </p:pic>
-      <p:sp>
-        <p:nvSpPr>
-          <p:cNvPr id="7" name="Dikdörtgen 6">
-            <a:extLst>
-              <a:ext uri="{FF2B5EF4-FFF2-40B4-BE49-F238E27FC236}">
-                <a16:creationId xmlns:a16="http://schemas.microsoft.com/office/drawing/2014/main" id="{59927583-7799-4100-B967-AC5D4FEE875D}"/>
-              </a:ext>
-            </a:extLst>
-          </p:cNvPr>
-          <p:cNvSpPr/>
-          <p:nvPr/>
-        </p:nvSpPr>
-        <p:spPr>
-          <a:xfrm>
-            <a:off x="3392435" y="6191250"/>
-            <a:ext cx="7834364" cy="472860"/>
-          </a:xfrm>
-          <a:prstGeom prst="rect">
-            <a:avLst/>
-          </a:prstGeom>
-          <a:solidFill>
-            <a:srgbClr val="2F336D"/>
-          </a:solidFill>
-          <a:ln>
-            <a:solidFill>
-              <a:srgbClr val="6A532F"/>
-            </a:solidFill>
-          </a:ln>
-        </p:spPr>
-        <p:style>
-          <a:lnRef idx="2">
-            <a:schemeClr val="accent1">
-              <a:shade val="50000"/>
-            </a:schemeClr>
-          </a:lnRef>
-          <a:fillRef idx="1">
-            <a:schemeClr val="accent1"/>
-          </a:fillRef>
-          <a:effectRef idx="0">
-            <a:schemeClr val="accent1"/>
-          </a:effectRef>
-          <a:fontRef idx="minor">
-            <a:schemeClr val="lt1"/>
-          </a:fontRef>
-        </p:style>
-        <p:txBody>
-          <a:bodyPr rtlCol="0" anchor="ctr"/>
-          <a:lstStyle/>
-          <a:p>
-            <a:pPr algn="ctr"/>
-            <a:r>
-              <a:rPr lang="en-US" dirty="0"/>
-              <a:t>You can see our corporate letter to know us</a:t>
-            </a:r>
-            <a:endParaRPr lang="tr-TR" dirty="0"/>
-          </a:p>
-        </p:txBody>
-      </p:sp>
     </p:spTree>
     <p:extLst>
       <p:ext uri="{BB962C8B-B14F-4D97-AF65-F5344CB8AC3E}">
-        <p14:creationId xmlns:p14="http://schemas.microsoft.com/office/powerpoint/2010/main" val="3450852447"/>
+        <p14:creationId xmlns:p14="http://schemas.microsoft.com/office/powerpoint/2010/main" val="1562657766"/>
       </p:ext>
     </p:extLst>
   </p:cSld>
@@ -5007,14 +5117,6 @@
 <file path=ppt/slides/slide13.xml><?xml version="1.0" encoding="utf-8"?>
 <p:sld xmlns:a="http://schemas.openxmlformats.org/drawingml/2006/main" xmlns:r="http://schemas.openxmlformats.org/officeDocument/2006/relationships" xmlns:p="http://schemas.openxmlformats.org/presentationml/2006/main">
   <p:cSld>
-    <p:bg>
-      <p:bgPr>
-        <a:solidFill>
-          <a:schemeClr val="bg1"/>
-        </a:solidFill>
-        <a:effectLst/>
-      </p:bgPr>
-    </p:bg>
     <p:spTree>
       <p:nvGrpSpPr>
         <p:cNvPr id="1" name=""/>
@@ -5031,194 +5133,286 @@
       </p:grpSpPr>
       <p:sp>
         <p:nvSpPr>
-          <p:cNvPr id="8" name="Rectangle 7">
+          <p:cNvPr id="2" name="Başlık 1">
             <a:extLst>
               <a:ext uri="{FF2B5EF4-FFF2-40B4-BE49-F238E27FC236}">
-                <a16:creationId xmlns:a16="http://schemas.microsoft.com/office/drawing/2014/main" id="{6753252F-4873-4F63-801D-CC719279A7D5}"/>
-              </a:ext>
-              <a:ext uri="{C183D7F6-B498-43B3-948B-1728B52AA6E4}">
-                <adec:decorative xmlns:adec="http://schemas.microsoft.com/office/drawing/2017/decorative" val="1"/>
+                <a16:creationId xmlns:a16="http://schemas.microsoft.com/office/drawing/2014/main" id="{836E7814-FF08-4377-A509-67825A527CB2}"/>
               </a:ext>
             </a:extLst>
           </p:cNvPr>
           <p:cNvSpPr>
-            <a:spLocks noGrp="1" noRot="1" noChangeAspect="1" noMove="1" noResize="1" noEditPoints="1" noAdjustHandles="1" noChangeArrowheads="1" noChangeShapeType="1" noTextEdit="1"/>
-          </p:cNvSpPr>
-          <p:nvPr>
-            <p:extLst>
-              <p:ext uri="{386F3935-93C4-4BCD-93E2-E3B085C9AB24}">
-                <p16:designElem xmlns:p16="http://schemas.microsoft.com/office/powerpoint/2015/main" val="1"/>
-              </p:ext>
-            </p:extLst>
-          </p:nvPr>
-        </p:nvSpPr>
-        <p:spPr>
-          <a:xfrm>
-            <a:off x="0" y="0"/>
-            <a:ext cx="12192000" cy="6858000"/>
-          </a:xfrm>
-          <a:prstGeom prst="rect">
+            <a:spLocks noGrp="1"/>
+          </p:cNvSpPr>
+          <p:nvPr>
+            <p:ph type="title"/>
+          </p:nvPr>
+        </p:nvSpPr>
+        <p:spPr>
+          <a:xfrm>
+            <a:off x="429768" y="411480"/>
+            <a:ext cx="11201400" cy="685799"/>
+          </a:xfrm>
+        </p:spPr>
+        <p:txBody>
+          <a:bodyPr>
+            <a:normAutofit fontScale="90000"/>
+          </a:bodyPr>
+          <a:lstStyle/>
+          <a:p>
+            <a:r>
+              <a:rPr lang="en-US" dirty="0"/>
+              <a:t>Page 8 – Manager – Look at taken tickets</a:t>
+            </a:r>
+            <a:endParaRPr lang="tr-TR" dirty="0"/>
+          </a:p>
+        </p:txBody>
+      </p:sp>
+      <p:sp>
+        <p:nvSpPr>
+          <p:cNvPr id="3" name="İçerik Yer Tutucusu 2">
+            <a:extLst>
+              <a:ext uri="{FF2B5EF4-FFF2-40B4-BE49-F238E27FC236}">
+                <a16:creationId xmlns:a16="http://schemas.microsoft.com/office/drawing/2014/main" id="{CCD55640-FB69-450A-8F9B-6ECAD5BC35BD}"/>
+              </a:ext>
+            </a:extLst>
+          </p:cNvPr>
+          <p:cNvSpPr>
+            <a:spLocks noGrp="1"/>
+          </p:cNvSpPr>
+          <p:nvPr>
+            <p:ph idx="1"/>
+          </p:nvPr>
+        </p:nvSpPr>
+        <p:spPr>
+          <a:xfrm>
+            <a:off x="7938752" y="1721922"/>
+            <a:ext cx="3455097" cy="4258254"/>
+          </a:xfrm>
+        </p:spPr>
+        <p:txBody>
+          <a:bodyPr anchor="ctr">
+            <a:normAutofit/>
+          </a:bodyPr>
+          <a:lstStyle/>
+          <a:p>
+            <a:pPr>
+              <a:buFont typeface="Wingdings" panose="05000000000000000000" pitchFamily="2" charset="2"/>
+              <a:buChar char="q"/>
+            </a:pPr>
+            <a:r>
+              <a:rPr lang="en-US" sz="1800" dirty="0"/>
+              <a:t>If the manager wants to see the received tickets that bought by customers, he can do it in this page to see where people go usually. </a:t>
+            </a:r>
+          </a:p>
+          <a:p>
+            <a:pPr>
+              <a:buFont typeface="Wingdings" panose="05000000000000000000" pitchFamily="2" charset="2"/>
+              <a:buChar char="q"/>
+            </a:pPr>
+            <a:r>
+              <a:rPr lang="en-US" sz="1800" dirty="0"/>
+              <a:t>The administrator can also delete these tickets that contain some bad weather forecasts, so an option is cancel of the trip</a:t>
+            </a:r>
+          </a:p>
+          <a:p>
+            <a:pPr>
+              <a:buFont typeface="Wingdings" panose="05000000000000000000" pitchFamily="2" charset="2"/>
+              <a:buChar char="q"/>
+            </a:pPr>
+            <a:r>
+              <a:rPr lang="en-US" sz="1800" dirty="0"/>
+              <a:t>Another button for closing the page</a:t>
+            </a:r>
+            <a:endParaRPr lang="tr-TR" sz="1800" dirty="0"/>
+          </a:p>
+        </p:txBody>
+      </p:sp>
+      <p:sp>
+        <p:nvSpPr>
+          <p:cNvPr id="4" name="Alt Bilgi Yer Tutucusu 3">
+            <a:extLst>
+              <a:ext uri="{FF2B5EF4-FFF2-40B4-BE49-F238E27FC236}">
+                <a16:creationId xmlns:a16="http://schemas.microsoft.com/office/drawing/2014/main" id="{999A477B-E4F9-46C0-B2C8-788CB525A6FF}"/>
+              </a:ext>
+            </a:extLst>
+          </p:cNvPr>
+          <p:cNvSpPr>
+            <a:spLocks noGrp="1"/>
+          </p:cNvSpPr>
+          <p:nvPr>
+            <p:ph type="ftr" sz="quarter" idx="11"/>
+          </p:nvPr>
+        </p:nvSpPr>
+        <p:spPr>
+          <a:xfrm>
+            <a:off x="4038600" y="6356350"/>
+            <a:ext cx="4114800" cy="365125"/>
+          </a:xfrm>
+        </p:spPr>
+        <p:txBody>
+          <a:bodyPr>
+            <a:normAutofit/>
+          </a:bodyPr>
+          <a:lstStyle/>
+          <a:p>
+            <a:pPr>
+              <a:spcAft>
+                <a:spcPts val="600"/>
+              </a:spcAft>
+            </a:pPr>
+            <a:r>
+              <a:rPr lang="en-US">
+                <a:solidFill>
+                  <a:schemeClr val="tx1">
+                    <a:lumMod val="50000"/>
+                    <a:lumOff val="50000"/>
+                  </a:schemeClr>
+                </a:solidFill>
+              </a:rPr>
+              <a:t>ARU Submarine</a:t>
+            </a:r>
+          </a:p>
+        </p:txBody>
+      </p:sp>
+      <p:sp>
+        <p:nvSpPr>
+          <p:cNvPr id="23" name="Slide Number Placeholder 8">
+            <a:extLst>
+              <a:ext uri="{FF2B5EF4-FFF2-40B4-BE49-F238E27FC236}">
+                <a16:creationId xmlns:a16="http://schemas.microsoft.com/office/drawing/2014/main" id="{04EF2BF7-32CB-4496-998C-2EC211896404}"/>
+              </a:ext>
+            </a:extLst>
+          </p:cNvPr>
+          <p:cNvSpPr txBox="1">
+            <a:spLocks/>
+          </p:cNvSpPr>
+          <p:nvPr/>
+        </p:nvSpPr>
+        <p:spPr>
+          <a:xfrm>
+            <a:off x="10911919" y="6349061"/>
+            <a:ext cx="367666" cy="365125"/>
+          </a:xfrm>
+          <a:prstGeom prst="flowChartConnector">
             <a:avLst/>
           </a:prstGeom>
           <a:solidFill>
-            <a:srgbClr val="FFFFFF"/>
+            <a:srgbClr val="85CC18"/>
           </a:solidFill>
-          <a:ln>
-            <a:noFill/>
-          </a:ln>
-        </p:spPr>
-        <p:style>
-          <a:lnRef idx="2">
-            <a:schemeClr val="accent1">
-              <a:shade val="50000"/>
-            </a:schemeClr>
-          </a:lnRef>
-          <a:fillRef idx="1">
-            <a:schemeClr val="accent1"/>
-          </a:fillRef>
-          <a:effectRef idx="0">
-            <a:schemeClr val="accent1"/>
-          </a:effectRef>
-          <a:fontRef idx="minor">
-            <a:schemeClr val="lt1"/>
-          </a:fontRef>
-        </p:style>
-        <p:txBody>
-          <a:bodyPr rtlCol="0" anchor="ctr"/>
-          <a:lstStyle/>
-          <a:p>
-            <a:pPr algn="ctr"/>
+        </p:spPr>
+        <p:txBody>
+          <a:bodyPr vert="horz" lIns="0" tIns="45720" rIns="0" bIns="45720" rtlCol="0" anchor="ctr"/>
+          <a:lstStyle>
+            <a:defPPr>
+              <a:defRPr lang="en-US"/>
+            </a:defPPr>
+            <a:lvl1pPr marL="0" algn="ctr" defTabSz="914400" rtl="0" eaLnBrk="1" latinLnBrk="0" hangingPunct="1">
+              <a:defRPr sz="900" kern="1200">
+                <a:solidFill>
+                  <a:schemeClr val="bg1"/>
+                </a:solidFill>
+                <a:latin typeface="+mn-lt"/>
+                <a:ea typeface="+mn-ea"/>
+                <a:cs typeface="+mn-cs"/>
+              </a:defRPr>
+            </a:lvl1pPr>
+            <a:lvl2pPr marL="457200" algn="l" defTabSz="914400" rtl="0" eaLnBrk="1" latinLnBrk="0" hangingPunct="1">
+              <a:defRPr sz="1800" kern="1200">
+                <a:solidFill>
+                  <a:schemeClr val="tx1"/>
+                </a:solidFill>
+                <a:latin typeface="+mn-lt"/>
+                <a:ea typeface="+mn-ea"/>
+                <a:cs typeface="+mn-cs"/>
+              </a:defRPr>
+            </a:lvl2pPr>
+            <a:lvl3pPr marL="914400" algn="l" defTabSz="914400" rtl="0" eaLnBrk="1" latinLnBrk="0" hangingPunct="1">
+              <a:defRPr sz="1800" kern="1200">
+                <a:solidFill>
+                  <a:schemeClr val="tx1"/>
+                </a:solidFill>
+                <a:latin typeface="+mn-lt"/>
+                <a:ea typeface="+mn-ea"/>
+                <a:cs typeface="+mn-cs"/>
+              </a:defRPr>
+            </a:lvl3pPr>
+            <a:lvl4pPr marL="1371600" algn="l" defTabSz="914400" rtl="0" eaLnBrk="1" latinLnBrk="0" hangingPunct="1">
+              <a:defRPr sz="1800" kern="1200">
+                <a:solidFill>
+                  <a:schemeClr val="tx1"/>
+                </a:solidFill>
+                <a:latin typeface="+mn-lt"/>
+                <a:ea typeface="+mn-ea"/>
+                <a:cs typeface="+mn-cs"/>
+              </a:defRPr>
+            </a:lvl4pPr>
+            <a:lvl5pPr marL="1828800" algn="l" defTabSz="914400" rtl="0" eaLnBrk="1" latinLnBrk="0" hangingPunct="1">
+              <a:defRPr sz="1800" kern="1200">
+                <a:solidFill>
+                  <a:schemeClr val="tx1"/>
+                </a:solidFill>
+                <a:latin typeface="+mn-lt"/>
+                <a:ea typeface="+mn-ea"/>
+                <a:cs typeface="+mn-cs"/>
+              </a:defRPr>
+            </a:lvl5pPr>
+            <a:lvl6pPr marL="2286000" algn="l" defTabSz="914400" rtl="0" eaLnBrk="1" latinLnBrk="0" hangingPunct="1">
+              <a:defRPr sz="1800" kern="1200">
+                <a:solidFill>
+                  <a:schemeClr val="tx1"/>
+                </a:solidFill>
+                <a:latin typeface="+mn-lt"/>
+                <a:ea typeface="+mn-ea"/>
+                <a:cs typeface="+mn-cs"/>
+              </a:defRPr>
+            </a:lvl6pPr>
+            <a:lvl7pPr marL="2743200" algn="l" defTabSz="914400" rtl="0" eaLnBrk="1" latinLnBrk="0" hangingPunct="1">
+              <a:defRPr sz="1800" kern="1200">
+                <a:solidFill>
+                  <a:schemeClr val="tx1"/>
+                </a:solidFill>
+                <a:latin typeface="+mn-lt"/>
+                <a:ea typeface="+mn-ea"/>
+                <a:cs typeface="+mn-cs"/>
+              </a:defRPr>
+            </a:lvl7pPr>
+            <a:lvl8pPr marL="3200400" algn="l" defTabSz="914400" rtl="0" eaLnBrk="1" latinLnBrk="0" hangingPunct="1">
+              <a:defRPr sz="1800" kern="1200">
+                <a:solidFill>
+                  <a:schemeClr val="tx1"/>
+                </a:solidFill>
+                <a:latin typeface="+mn-lt"/>
+                <a:ea typeface="+mn-ea"/>
+                <a:cs typeface="+mn-cs"/>
+              </a:defRPr>
+            </a:lvl8pPr>
+            <a:lvl9pPr marL="3657600" algn="l" defTabSz="914400" rtl="0" eaLnBrk="1" latinLnBrk="0" hangingPunct="1">
+              <a:defRPr sz="1800" kern="1200">
+                <a:solidFill>
+                  <a:schemeClr val="tx1"/>
+                </a:solidFill>
+                <a:latin typeface="+mn-lt"/>
+                <a:ea typeface="+mn-ea"/>
+                <a:cs typeface="+mn-cs"/>
+              </a:defRPr>
+            </a:lvl9pPr>
+          </a:lstStyle>
+          <a:p>
+            <a:fld id="{3DE3E19F-02C1-4219-A00A-045ED18507E8}" type="slidenum">
+              <a:rPr lang="en-US" smtClean="0"/>
+              <a:pPr/>
+              <a:t>13</a:t>
+            </a:fld>
             <a:endParaRPr lang="en-US"/>
           </a:p>
         </p:txBody>
       </p:sp>
-      <p:sp>
-        <p:nvSpPr>
-          <p:cNvPr id="10" name="Rectangle 9">
+      <p:pic>
+        <p:nvPicPr>
+          <p:cNvPr id="6" name="Resim 5" descr="ekran görüntüsü içeren bir resim&#10;&#10;Açıklama otomatik olarak oluşturuldu">
             <a:extLst>
               <a:ext uri="{FF2B5EF4-FFF2-40B4-BE49-F238E27FC236}">
-                <a16:creationId xmlns:a16="http://schemas.microsoft.com/office/drawing/2014/main" id="{047C8CCB-F95D-4249-92DD-651249D3535A}"/>
-              </a:ext>
-              <a:ext uri="{C183D7F6-B498-43B3-948B-1728B52AA6E4}">
-                <adec:decorative xmlns:adec="http://schemas.microsoft.com/office/drawing/2017/decorative" val="1"/>
-              </a:ext>
-            </a:extLst>
-          </p:cNvPr>
-          <p:cNvSpPr>
-            <a:spLocks noGrp="1" noRot="1" noChangeAspect="1" noMove="1" noResize="1" noEditPoints="1" noAdjustHandles="1" noChangeArrowheads="1" noChangeShapeType="1" noTextEdit="1"/>
-          </p:cNvSpPr>
-          <p:nvPr>
-            <p:extLst>
-              <p:ext uri="{386F3935-93C4-4BCD-93E2-E3B085C9AB24}">
-                <p16:designElem xmlns:p16="http://schemas.microsoft.com/office/powerpoint/2015/main" val="1"/>
-              </p:ext>
-            </p:extLst>
-          </p:nvPr>
-        </p:nvSpPr>
-        <p:spPr>
-          <a:xfrm>
-            <a:off x="0" y="0"/>
-            <a:ext cx="2013557" cy="6858000"/>
-          </a:xfrm>
-          <a:prstGeom prst="rect">
-            <a:avLst/>
-          </a:prstGeom>
-          <a:solidFill>
-            <a:srgbClr val="3F4053"/>
-          </a:solidFill>
-          <a:ln>
-            <a:noFill/>
-          </a:ln>
-        </p:spPr>
-        <p:style>
-          <a:lnRef idx="2">
-            <a:schemeClr val="accent1">
-              <a:shade val="50000"/>
-            </a:schemeClr>
-          </a:lnRef>
-          <a:fillRef idx="1">
-            <a:schemeClr val="accent1"/>
-          </a:fillRef>
-          <a:effectRef idx="0">
-            <a:schemeClr val="accent1"/>
-          </a:effectRef>
-          <a:fontRef idx="minor">
-            <a:schemeClr val="lt1"/>
-          </a:fontRef>
-        </p:style>
-        <p:txBody>
-          <a:bodyPr rtlCol="0" anchor="ctr"/>
-          <a:lstStyle/>
-          <a:p>
-            <a:pPr algn="ctr"/>
-            <a:endParaRPr lang="en-US"/>
-          </a:p>
-        </p:txBody>
-      </p:sp>
-      <p:sp>
-        <p:nvSpPr>
-          <p:cNvPr id="3" name="Başlık 2">
-            <a:extLst>
-              <a:ext uri="{FF2B5EF4-FFF2-40B4-BE49-F238E27FC236}">
-                <a16:creationId xmlns:a16="http://schemas.microsoft.com/office/drawing/2014/main" id="{0F98123C-7C9D-4660-8D3C-1A2D63CDA629}"/>
-              </a:ext>
-            </a:extLst>
-          </p:cNvPr>
-          <p:cNvSpPr>
-            <a:spLocks noGrp="1"/>
-          </p:cNvSpPr>
-          <p:nvPr>
-            <p:ph type="title"/>
-          </p:nvPr>
-        </p:nvSpPr>
-        <p:spPr>
-          <a:xfrm>
-            <a:off x="640080" y="2074363"/>
-            <a:ext cx="2752354" cy="2709275"/>
-          </a:xfrm>
-          <a:prstGeom prst="ellipse">
-            <a:avLst/>
-          </a:prstGeom>
-          <a:solidFill>
-            <a:srgbClr val="262626"/>
-          </a:solidFill>
-          <a:ln w="174625" cmpd="thinThick">
-            <a:solidFill>
-              <a:srgbClr val="262626"/>
-            </a:solidFill>
-          </a:ln>
-        </p:spPr>
-        <p:txBody>
-          <a:bodyPr vert="horz" lIns="91440" tIns="45720" rIns="91440" bIns="45720" rtlCol="0" anchor="ctr">
-            <a:normAutofit/>
-          </a:bodyPr>
-          <a:lstStyle/>
-          <a:p>
-            <a:pPr algn="ctr">
-              <a:lnSpc>
-                <a:spcPct val="90000"/>
-              </a:lnSpc>
-            </a:pPr>
-            <a:r>
-              <a:rPr lang="en-US" sz="2600" kern="1200" dirty="0">
-                <a:solidFill>
-                  <a:srgbClr val="FFFFFF"/>
-                </a:solidFill>
-                <a:latin typeface="+mj-lt"/>
-                <a:ea typeface="+mj-ea"/>
-                <a:cs typeface="+mj-cs"/>
-              </a:rPr>
-              <a:t>About Us</a:t>
-            </a:r>
-          </a:p>
-        </p:txBody>
-      </p:sp>
-      <p:pic>
-        <p:nvPicPr>
-          <p:cNvPr id="2" name="Resim 1">
-            <a:extLst>
-              <a:ext uri="{FF2B5EF4-FFF2-40B4-BE49-F238E27FC236}">
-                <a16:creationId xmlns:a16="http://schemas.microsoft.com/office/drawing/2014/main" id="{92B44C4B-AF22-433D-B395-D295028D0E55}"/>
+                <a16:creationId xmlns:a16="http://schemas.microsoft.com/office/drawing/2014/main" id="{E23EE91B-D7D9-4E7B-9DC5-331305D94F9E}"/>
               </a:ext>
             </a:extLst>
           </p:cNvPr>
@@ -5228,83 +5422,31 @@
           <p:nvPr/>
         </p:nvPicPr>
         <p:blipFill>
-          <a:blip r:embed="rId2"/>
+          <a:blip r:embed="rId2">
+            <a:extLst>
+              <a:ext uri="{28A0092B-C50C-407E-A947-70E740481C1C}">
+                <a14:useLocalDpi xmlns:a14="http://schemas.microsoft.com/office/drawing/2010/main" val="0"/>
+              </a:ext>
+            </a:extLst>
+          </a:blip>
           <a:stretch>
             <a:fillRect/>
           </a:stretch>
         </p:blipFill>
         <p:spPr>
           <a:xfrm>
-            <a:off x="4038600" y="1125155"/>
-            <a:ext cx="7188199" cy="4566200"/>
+            <a:off x="937765" y="1779978"/>
+            <a:ext cx="5521092" cy="4176712"/>
           </a:xfrm>
           <a:prstGeom prst="rect">
             <a:avLst/>
           </a:prstGeom>
         </p:spPr>
       </p:pic>
-      <p:sp>
-        <p:nvSpPr>
-          <p:cNvPr id="11" name="Dikdörtgen 10">
-            <a:extLst>
-              <a:ext uri="{FF2B5EF4-FFF2-40B4-BE49-F238E27FC236}">
-                <a16:creationId xmlns:a16="http://schemas.microsoft.com/office/drawing/2014/main" id="{6C89CEDE-584A-49FA-B3E1-DCF7F679E76C}"/>
-              </a:ext>
-            </a:extLst>
-          </p:cNvPr>
-          <p:cNvSpPr/>
-          <p:nvPr/>
-        </p:nvSpPr>
-        <p:spPr>
-          <a:xfrm>
-            <a:off x="3392435" y="6191250"/>
-            <a:ext cx="7834364" cy="472860"/>
-          </a:xfrm>
-          <a:prstGeom prst="rect">
-            <a:avLst/>
-          </a:prstGeom>
-          <a:solidFill>
-            <a:srgbClr val="3F4053"/>
-          </a:solidFill>
-          <a:ln>
-            <a:solidFill>
-              <a:srgbClr val="6A532F"/>
-            </a:solidFill>
-          </a:ln>
-        </p:spPr>
-        <p:style>
-          <a:lnRef idx="2">
-            <a:schemeClr val="accent1">
-              <a:shade val="50000"/>
-            </a:schemeClr>
-          </a:lnRef>
-          <a:fillRef idx="1">
-            <a:schemeClr val="accent1"/>
-          </a:fillRef>
-          <a:effectRef idx="0">
-            <a:schemeClr val="accent1"/>
-          </a:effectRef>
-          <a:fontRef idx="minor">
-            <a:schemeClr val="lt1"/>
-          </a:fontRef>
-        </p:style>
-        <p:txBody>
-          <a:bodyPr rtlCol="0" anchor="ctr"/>
-          <a:lstStyle/>
-          <a:p>
-            <a:pPr algn="ctr"/>
-            <a:r>
-              <a:rPr lang="en-US" dirty="0"/>
-              <a:t>You can ask or call for technical problems</a:t>
-            </a:r>
-            <a:endParaRPr lang="tr-TR" dirty="0"/>
-          </a:p>
-        </p:txBody>
-      </p:sp>
     </p:spTree>
     <p:extLst>
       <p:ext uri="{BB962C8B-B14F-4D97-AF65-F5344CB8AC3E}">
-        <p14:creationId xmlns:p14="http://schemas.microsoft.com/office/powerpoint/2010/main" val="3369419741"/>
+        <p14:creationId xmlns:p14="http://schemas.microsoft.com/office/powerpoint/2010/main" val="618194574"/>
       </p:ext>
     </p:extLst>
   </p:cSld>
@@ -5333,143 +5475,2010 @@
       </p:grpSpPr>
       <p:sp>
         <p:nvSpPr>
-          <p:cNvPr id="6" name="TextBox 5"/>
-          <p:cNvSpPr txBox="1"/>
+          <p:cNvPr id="2" name="Başlık 1">
+            <a:extLst>
+              <a:ext uri="{FF2B5EF4-FFF2-40B4-BE49-F238E27FC236}">
+                <a16:creationId xmlns:a16="http://schemas.microsoft.com/office/drawing/2014/main" id="{836E7814-FF08-4377-A509-67825A527CB2}"/>
+              </a:ext>
+            </a:extLst>
+          </p:cNvPr>
+          <p:cNvSpPr>
+            <a:spLocks noGrp="1"/>
+          </p:cNvSpPr>
+          <p:nvPr>
+            <p:ph type="title"/>
+          </p:nvPr>
+        </p:nvSpPr>
+        <p:spPr>
+          <a:xfrm>
+            <a:off x="429768" y="411480"/>
+            <a:ext cx="11201400" cy="685799"/>
+          </a:xfrm>
+        </p:spPr>
+        <p:txBody>
+          <a:bodyPr>
+            <a:normAutofit fontScale="90000"/>
+          </a:bodyPr>
+          <a:lstStyle/>
+          <a:p>
+            <a:r>
+              <a:rPr lang="en-US" dirty="0"/>
+              <a:t>Page 9 – Customer – Clicked Customer Button</a:t>
+            </a:r>
+            <a:endParaRPr lang="tr-TR" dirty="0"/>
+          </a:p>
+        </p:txBody>
+      </p:sp>
+      <p:pic>
+        <p:nvPicPr>
+          <p:cNvPr id="12" name="Resim 11" descr="ekran, elektronik eşyalar, televizyon, düz içeren bir resim&#10;&#10;Açıklama otomatik olarak oluşturuldu">
+            <a:extLst>
+              <a:ext uri="{FF2B5EF4-FFF2-40B4-BE49-F238E27FC236}">
+                <a16:creationId xmlns:a16="http://schemas.microsoft.com/office/drawing/2014/main" id="{15D23836-D8F9-4BFF-AED0-911F57D1A9A5}"/>
+              </a:ext>
+            </a:extLst>
+          </p:cNvPr>
+          <p:cNvPicPr>
+            <a:picLocks noChangeAspect="1"/>
+          </p:cNvPicPr>
           <p:nvPr/>
-        </p:nvSpPr>
-        <p:spPr>
-          <a:xfrm>
-            <a:off x="4244841" y="2578443"/>
-            <a:ext cx="3679960" cy="830997"/>
+        </p:nvPicPr>
+        <p:blipFill>
+          <a:blip r:embed="rId2">
+            <a:extLst>
+              <a:ext uri="{28A0092B-C50C-407E-A947-70E740481C1C}">
+                <a14:useLocalDpi xmlns:a14="http://schemas.microsoft.com/office/drawing/2010/main" val="0"/>
+              </a:ext>
+            </a:extLst>
+          </a:blip>
+          <a:stretch>
+            <a:fillRect/>
+          </a:stretch>
+        </p:blipFill>
+        <p:spPr>
+          <a:xfrm>
+            <a:off x="429768" y="1605419"/>
+            <a:ext cx="6702552" cy="4433255"/>
           </a:xfrm>
           <a:prstGeom prst="rect">
             <a:avLst/>
           </a:prstGeom>
-          <a:noFill/>
-        </p:spPr>
-        <p:txBody>
-          <a:bodyPr wrap="square" rtlCol="0">
-            <a:spAutoFit/>
+        </p:spPr>
+      </p:pic>
+      <p:sp>
+        <p:nvSpPr>
+          <p:cNvPr id="3" name="İçerik Yer Tutucusu 2">
+            <a:extLst>
+              <a:ext uri="{FF2B5EF4-FFF2-40B4-BE49-F238E27FC236}">
+                <a16:creationId xmlns:a16="http://schemas.microsoft.com/office/drawing/2014/main" id="{CCD55640-FB69-450A-8F9B-6ECAD5BC35BD}"/>
+              </a:ext>
+            </a:extLst>
+          </p:cNvPr>
+          <p:cNvSpPr>
+            <a:spLocks noGrp="1"/>
+          </p:cNvSpPr>
+          <p:nvPr>
+            <p:ph idx="1"/>
+          </p:nvPr>
+        </p:nvSpPr>
+        <p:spPr>
+          <a:xfrm>
+            <a:off x="7938752" y="1721922"/>
+            <a:ext cx="3455097" cy="4258254"/>
+          </a:xfrm>
+        </p:spPr>
+        <p:txBody>
+          <a:bodyPr anchor="ctr">
+            <a:normAutofit/>
           </a:bodyPr>
           <a:lstStyle/>
           <a:p>
-            <a:pPr algn="ctr"/>
-            <a:r>
-              <a:rPr lang="en-US" sz="4800" dirty="0"/>
-              <a:t>Thank you</a:t>
-            </a:r>
-          </a:p>
-        </p:txBody>
-      </p:sp>
-      <p:sp>
-        <p:nvSpPr>
-          <p:cNvPr id="3" name="TextBox 2"/>
-          <p:cNvSpPr txBox="1"/>
+            <a:pPr>
+              <a:buFont typeface="Wingdings" panose="05000000000000000000" pitchFamily="2" charset="2"/>
+              <a:buChar char="q"/>
+            </a:pPr>
+            <a:r>
+              <a:rPr lang="en-US" sz="1800" dirty="0"/>
+              <a:t>If an income will be a customer, he must click in the Customer button to continue. </a:t>
+            </a:r>
+          </a:p>
+          <a:p>
+            <a:pPr>
+              <a:buFont typeface="Wingdings" panose="05000000000000000000" pitchFamily="2" charset="2"/>
+              <a:buChar char="q"/>
+            </a:pPr>
+            <a:r>
+              <a:rPr lang="en-US" sz="1800" dirty="0"/>
+              <a:t>In this slide, I will show the path of customers also.</a:t>
+            </a:r>
+            <a:endParaRPr lang="tr-TR" sz="1800" dirty="0"/>
+          </a:p>
+        </p:txBody>
+      </p:sp>
+      <p:sp>
+        <p:nvSpPr>
+          <p:cNvPr id="4" name="Alt Bilgi Yer Tutucusu 3">
+            <a:extLst>
+              <a:ext uri="{FF2B5EF4-FFF2-40B4-BE49-F238E27FC236}">
+                <a16:creationId xmlns:a16="http://schemas.microsoft.com/office/drawing/2014/main" id="{999A477B-E4F9-46C0-B2C8-788CB525A6FF}"/>
+              </a:ext>
+            </a:extLst>
+          </p:cNvPr>
+          <p:cNvSpPr>
+            <a:spLocks noGrp="1"/>
+          </p:cNvSpPr>
+          <p:nvPr>
+            <p:ph type="ftr" sz="quarter" idx="11"/>
+          </p:nvPr>
+        </p:nvSpPr>
+        <p:spPr>
+          <a:xfrm>
+            <a:off x="4038600" y="6356350"/>
+            <a:ext cx="4114800" cy="365125"/>
+          </a:xfrm>
+        </p:spPr>
+        <p:txBody>
+          <a:bodyPr>
+            <a:normAutofit/>
+          </a:bodyPr>
+          <a:lstStyle/>
+          <a:p>
+            <a:pPr>
+              <a:spcAft>
+                <a:spcPts val="600"/>
+              </a:spcAft>
+            </a:pPr>
+            <a:r>
+              <a:rPr lang="en-US">
+                <a:solidFill>
+                  <a:schemeClr val="tx1">
+                    <a:lumMod val="50000"/>
+                    <a:lumOff val="50000"/>
+                  </a:schemeClr>
+                </a:solidFill>
+              </a:rPr>
+              <a:t>ARU Submarine</a:t>
+            </a:r>
+          </a:p>
+        </p:txBody>
+      </p:sp>
+      <p:sp>
+        <p:nvSpPr>
+          <p:cNvPr id="23" name="Slide Number Placeholder 8">
+            <a:extLst>
+              <a:ext uri="{FF2B5EF4-FFF2-40B4-BE49-F238E27FC236}">
+                <a16:creationId xmlns:a16="http://schemas.microsoft.com/office/drawing/2014/main" id="{04EF2BF7-32CB-4496-998C-2EC211896404}"/>
+              </a:ext>
+            </a:extLst>
+          </p:cNvPr>
+          <p:cNvSpPr txBox="1">
+            <a:spLocks/>
+          </p:cNvSpPr>
           <p:nvPr/>
         </p:nvSpPr>
         <p:spPr>
           <a:xfrm>
-            <a:off x="4045563" y="3539778"/>
-            <a:ext cx="4100874" cy="459036"/>
+            <a:off x="10911919" y="6349061"/>
+            <a:ext cx="367666" cy="365125"/>
+          </a:xfrm>
+          <a:prstGeom prst="flowChartConnector">
+            <a:avLst/>
+          </a:prstGeom>
+          <a:solidFill>
+            <a:srgbClr val="85CC18"/>
+          </a:solidFill>
+        </p:spPr>
+        <p:txBody>
+          <a:bodyPr vert="horz" lIns="0" tIns="45720" rIns="0" bIns="45720" rtlCol="0" anchor="ctr"/>
+          <a:lstStyle>
+            <a:defPPr>
+              <a:defRPr lang="en-US"/>
+            </a:defPPr>
+            <a:lvl1pPr marL="0" algn="ctr" defTabSz="914400" rtl="0" eaLnBrk="1" latinLnBrk="0" hangingPunct="1">
+              <a:defRPr sz="900" kern="1200">
+                <a:solidFill>
+                  <a:schemeClr val="bg1"/>
+                </a:solidFill>
+                <a:latin typeface="+mn-lt"/>
+                <a:ea typeface="+mn-ea"/>
+                <a:cs typeface="+mn-cs"/>
+              </a:defRPr>
+            </a:lvl1pPr>
+            <a:lvl2pPr marL="457200" algn="l" defTabSz="914400" rtl="0" eaLnBrk="1" latinLnBrk="0" hangingPunct="1">
+              <a:defRPr sz="1800" kern="1200">
+                <a:solidFill>
+                  <a:schemeClr val="tx1"/>
+                </a:solidFill>
+                <a:latin typeface="+mn-lt"/>
+                <a:ea typeface="+mn-ea"/>
+                <a:cs typeface="+mn-cs"/>
+              </a:defRPr>
+            </a:lvl2pPr>
+            <a:lvl3pPr marL="914400" algn="l" defTabSz="914400" rtl="0" eaLnBrk="1" latinLnBrk="0" hangingPunct="1">
+              <a:defRPr sz="1800" kern="1200">
+                <a:solidFill>
+                  <a:schemeClr val="tx1"/>
+                </a:solidFill>
+                <a:latin typeface="+mn-lt"/>
+                <a:ea typeface="+mn-ea"/>
+                <a:cs typeface="+mn-cs"/>
+              </a:defRPr>
+            </a:lvl3pPr>
+            <a:lvl4pPr marL="1371600" algn="l" defTabSz="914400" rtl="0" eaLnBrk="1" latinLnBrk="0" hangingPunct="1">
+              <a:defRPr sz="1800" kern="1200">
+                <a:solidFill>
+                  <a:schemeClr val="tx1"/>
+                </a:solidFill>
+                <a:latin typeface="+mn-lt"/>
+                <a:ea typeface="+mn-ea"/>
+                <a:cs typeface="+mn-cs"/>
+              </a:defRPr>
+            </a:lvl4pPr>
+            <a:lvl5pPr marL="1828800" algn="l" defTabSz="914400" rtl="0" eaLnBrk="1" latinLnBrk="0" hangingPunct="1">
+              <a:defRPr sz="1800" kern="1200">
+                <a:solidFill>
+                  <a:schemeClr val="tx1"/>
+                </a:solidFill>
+                <a:latin typeface="+mn-lt"/>
+                <a:ea typeface="+mn-ea"/>
+                <a:cs typeface="+mn-cs"/>
+              </a:defRPr>
+            </a:lvl5pPr>
+            <a:lvl6pPr marL="2286000" algn="l" defTabSz="914400" rtl="0" eaLnBrk="1" latinLnBrk="0" hangingPunct="1">
+              <a:defRPr sz="1800" kern="1200">
+                <a:solidFill>
+                  <a:schemeClr val="tx1"/>
+                </a:solidFill>
+                <a:latin typeface="+mn-lt"/>
+                <a:ea typeface="+mn-ea"/>
+                <a:cs typeface="+mn-cs"/>
+              </a:defRPr>
+            </a:lvl6pPr>
+            <a:lvl7pPr marL="2743200" algn="l" defTabSz="914400" rtl="0" eaLnBrk="1" latinLnBrk="0" hangingPunct="1">
+              <a:defRPr sz="1800" kern="1200">
+                <a:solidFill>
+                  <a:schemeClr val="tx1"/>
+                </a:solidFill>
+                <a:latin typeface="+mn-lt"/>
+                <a:ea typeface="+mn-ea"/>
+                <a:cs typeface="+mn-cs"/>
+              </a:defRPr>
+            </a:lvl7pPr>
+            <a:lvl8pPr marL="3200400" algn="l" defTabSz="914400" rtl="0" eaLnBrk="1" latinLnBrk="0" hangingPunct="1">
+              <a:defRPr sz="1800" kern="1200">
+                <a:solidFill>
+                  <a:schemeClr val="tx1"/>
+                </a:solidFill>
+                <a:latin typeface="+mn-lt"/>
+                <a:ea typeface="+mn-ea"/>
+                <a:cs typeface="+mn-cs"/>
+              </a:defRPr>
+            </a:lvl8pPr>
+            <a:lvl9pPr marL="3657600" algn="l" defTabSz="914400" rtl="0" eaLnBrk="1" latinLnBrk="0" hangingPunct="1">
+              <a:defRPr sz="1800" kern="1200">
+                <a:solidFill>
+                  <a:schemeClr val="tx1"/>
+                </a:solidFill>
+                <a:latin typeface="+mn-lt"/>
+                <a:ea typeface="+mn-ea"/>
+                <a:cs typeface="+mn-cs"/>
+              </a:defRPr>
+            </a:lvl9pPr>
+          </a:lstStyle>
+          <a:p>
+            <a:fld id="{3DE3E19F-02C1-4219-A00A-045ED18507E8}" type="slidenum">
+              <a:rPr lang="en-US" smtClean="0"/>
+              <a:pPr/>
+              <a:t>14</a:t>
+            </a:fld>
+            <a:endParaRPr lang="en-US"/>
+          </a:p>
+        </p:txBody>
+      </p:sp>
+    </p:spTree>
+    <p:extLst>
+      <p:ext uri="{BB962C8B-B14F-4D97-AF65-F5344CB8AC3E}">
+        <p14:creationId xmlns:p14="http://schemas.microsoft.com/office/powerpoint/2010/main" val="1490599333"/>
+      </p:ext>
+    </p:extLst>
+  </p:cSld>
+  <p:clrMapOvr>
+    <a:masterClrMapping/>
+  </p:clrMapOvr>
+</p:sld>
+</file>
+
+<file path=ppt/slides/slide15.xml><?xml version="1.0" encoding="utf-8"?>
+<p:sld xmlns:a="http://schemas.openxmlformats.org/drawingml/2006/main" xmlns:r="http://schemas.openxmlformats.org/officeDocument/2006/relationships" xmlns:p="http://schemas.openxmlformats.org/presentationml/2006/main">
+  <p:cSld>
+    <p:spTree>
+      <p:nvGrpSpPr>
+        <p:cNvPr id="1" name=""/>
+        <p:cNvGrpSpPr/>
+        <p:nvPr/>
+      </p:nvGrpSpPr>
+      <p:grpSpPr>
+        <a:xfrm>
+          <a:off x="0" y="0"/>
+          <a:ext cx="0" cy="0"/>
+          <a:chOff x="0" y="0"/>
+          <a:chExt cx="0" cy="0"/>
+        </a:xfrm>
+      </p:grpSpPr>
+      <p:sp>
+        <p:nvSpPr>
+          <p:cNvPr id="2" name="Başlık 1">
+            <a:extLst>
+              <a:ext uri="{FF2B5EF4-FFF2-40B4-BE49-F238E27FC236}">
+                <a16:creationId xmlns:a16="http://schemas.microsoft.com/office/drawing/2014/main" id="{836E7814-FF08-4377-A509-67825A527CB2}"/>
+              </a:ext>
+            </a:extLst>
+          </p:cNvPr>
+          <p:cNvSpPr>
+            <a:spLocks noGrp="1"/>
+          </p:cNvSpPr>
+          <p:nvPr>
+            <p:ph type="title"/>
+          </p:nvPr>
+        </p:nvSpPr>
+        <p:spPr>
+          <a:xfrm>
+            <a:off x="429768" y="411480"/>
+            <a:ext cx="11201400" cy="685799"/>
+          </a:xfrm>
+        </p:spPr>
+        <p:txBody>
+          <a:bodyPr>
+            <a:normAutofit fontScale="90000"/>
+          </a:bodyPr>
+          <a:lstStyle/>
+          <a:p>
+            <a:r>
+              <a:rPr lang="en-US" dirty="0"/>
+              <a:t>Page 10 – Customer –Just Click Them</a:t>
+            </a:r>
+            <a:endParaRPr lang="tr-TR" dirty="0"/>
+          </a:p>
+        </p:txBody>
+      </p:sp>
+      <p:sp>
+        <p:nvSpPr>
+          <p:cNvPr id="3" name="İçerik Yer Tutucusu 2">
+            <a:extLst>
+              <a:ext uri="{FF2B5EF4-FFF2-40B4-BE49-F238E27FC236}">
+                <a16:creationId xmlns:a16="http://schemas.microsoft.com/office/drawing/2014/main" id="{CCD55640-FB69-450A-8F9B-6ECAD5BC35BD}"/>
+              </a:ext>
+            </a:extLst>
+          </p:cNvPr>
+          <p:cNvSpPr>
+            <a:spLocks noGrp="1"/>
+          </p:cNvSpPr>
+          <p:nvPr>
+            <p:ph idx="1"/>
+          </p:nvPr>
+        </p:nvSpPr>
+        <p:spPr>
+          <a:xfrm>
+            <a:off x="7938752" y="1721922"/>
+            <a:ext cx="3455097" cy="4258254"/>
+          </a:xfrm>
+        </p:spPr>
+        <p:txBody>
+          <a:bodyPr anchor="ctr">
+            <a:normAutofit/>
+          </a:bodyPr>
+          <a:lstStyle/>
+          <a:p>
+            <a:pPr>
+              <a:buFont typeface="Wingdings" panose="05000000000000000000" pitchFamily="2" charset="2"/>
+              <a:buChar char="q"/>
+            </a:pPr>
+            <a:r>
+              <a:rPr lang="en-US" sz="1800" dirty="0"/>
+              <a:t>If an income will be a customer, he must click in the Customer button he will see lots of options to do.</a:t>
+            </a:r>
+          </a:p>
+          <a:p>
+            <a:pPr>
+              <a:buFont typeface="Wingdings" panose="05000000000000000000" pitchFamily="2" charset="2"/>
+              <a:buChar char="q"/>
+            </a:pPr>
+            <a:r>
+              <a:rPr lang="en-US" sz="1800" dirty="0"/>
+              <a:t>It is easy to understand what is the mean of buttons. Let’s start going inside them.</a:t>
+            </a:r>
+          </a:p>
+          <a:p>
+            <a:pPr>
+              <a:buFont typeface="Wingdings" panose="05000000000000000000" pitchFamily="2" charset="2"/>
+              <a:buChar char="q"/>
+            </a:pPr>
+            <a:endParaRPr lang="tr-TR" sz="1800" dirty="0"/>
+          </a:p>
+        </p:txBody>
+      </p:sp>
+      <p:sp>
+        <p:nvSpPr>
+          <p:cNvPr id="4" name="Alt Bilgi Yer Tutucusu 3">
+            <a:extLst>
+              <a:ext uri="{FF2B5EF4-FFF2-40B4-BE49-F238E27FC236}">
+                <a16:creationId xmlns:a16="http://schemas.microsoft.com/office/drawing/2014/main" id="{999A477B-E4F9-46C0-B2C8-788CB525A6FF}"/>
+              </a:ext>
+            </a:extLst>
+          </p:cNvPr>
+          <p:cNvSpPr>
+            <a:spLocks noGrp="1"/>
+          </p:cNvSpPr>
+          <p:nvPr>
+            <p:ph type="ftr" sz="quarter" idx="11"/>
+          </p:nvPr>
+        </p:nvSpPr>
+        <p:spPr>
+          <a:xfrm>
+            <a:off x="4038600" y="6356350"/>
+            <a:ext cx="4114800" cy="365125"/>
+          </a:xfrm>
+        </p:spPr>
+        <p:txBody>
+          <a:bodyPr>
+            <a:normAutofit/>
+          </a:bodyPr>
+          <a:lstStyle/>
+          <a:p>
+            <a:pPr>
+              <a:spcAft>
+                <a:spcPts val="600"/>
+              </a:spcAft>
+            </a:pPr>
+            <a:r>
+              <a:rPr lang="en-US">
+                <a:solidFill>
+                  <a:schemeClr val="tx1">
+                    <a:lumMod val="50000"/>
+                    <a:lumOff val="50000"/>
+                  </a:schemeClr>
+                </a:solidFill>
+              </a:rPr>
+              <a:t>ARU Submarine</a:t>
+            </a:r>
+          </a:p>
+        </p:txBody>
+      </p:sp>
+      <p:sp>
+        <p:nvSpPr>
+          <p:cNvPr id="23" name="Slide Number Placeholder 8">
+            <a:extLst>
+              <a:ext uri="{FF2B5EF4-FFF2-40B4-BE49-F238E27FC236}">
+                <a16:creationId xmlns:a16="http://schemas.microsoft.com/office/drawing/2014/main" id="{04EF2BF7-32CB-4496-998C-2EC211896404}"/>
+              </a:ext>
+            </a:extLst>
+          </p:cNvPr>
+          <p:cNvSpPr txBox="1">
+            <a:spLocks/>
+          </p:cNvSpPr>
+          <p:nvPr/>
+        </p:nvSpPr>
+        <p:spPr>
+          <a:xfrm>
+            <a:off x="10911919" y="6349061"/>
+            <a:ext cx="367666" cy="365125"/>
+          </a:xfrm>
+          <a:prstGeom prst="flowChartConnector">
+            <a:avLst/>
+          </a:prstGeom>
+          <a:solidFill>
+            <a:srgbClr val="85CC18"/>
+          </a:solidFill>
+        </p:spPr>
+        <p:txBody>
+          <a:bodyPr vert="horz" lIns="0" tIns="45720" rIns="0" bIns="45720" rtlCol="0" anchor="ctr"/>
+          <a:lstStyle>
+            <a:defPPr>
+              <a:defRPr lang="en-US"/>
+            </a:defPPr>
+            <a:lvl1pPr marL="0" algn="ctr" defTabSz="914400" rtl="0" eaLnBrk="1" latinLnBrk="0" hangingPunct="1">
+              <a:defRPr sz="900" kern="1200">
+                <a:solidFill>
+                  <a:schemeClr val="bg1"/>
+                </a:solidFill>
+                <a:latin typeface="+mn-lt"/>
+                <a:ea typeface="+mn-ea"/>
+                <a:cs typeface="+mn-cs"/>
+              </a:defRPr>
+            </a:lvl1pPr>
+            <a:lvl2pPr marL="457200" algn="l" defTabSz="914400" rtl="0" eaLnBrk="1" latinLnBrk="0" hangingPunct="1">
+              <a:defRPr sz="1800" kern="1200">
+                <a:solidFill>
+                  <a:schemeClr val="tx1"/>
+                </a:solidFill>
+                <a:latin typeface="+mn-lt"/>
+                <a:ea typeface="+mn-ea"/>
+                <a:cs typeface="+mn-cs"/>
+              </a:defRPr>
+            </a:lvl2pPr>
+            <a:lvl3pPr marL="914400" algn="l" defTabSz="914400" rtl="0" eaLnBrk="1" latinLnBrk="0" hangingPunct="1">
+              <a:defRPr sz="1800" kern="1200">
+                <a:solidFill>
+                  <a:schemeClr val="tx1"/>
+                </a:solidFill>
+                <a:latin typeface="+mn-lt"/>
+                <a:ea typeface="+mn-ea"/>
+                <a:cs typeface="+mn-cs"/>
+              </a:defRPr>
+            </a:lvl3pPr>
+            <a:lvl4pPr marL="1371600" algn="l" defTabSz="914400" rtl="0" eaLnBrk="1" latinLnBrk="0" hangingPunct="1">
+              <a:defRPr sz="1800" kern="1200">
+                <a:solidFill>
+                  <a:schemeClr val="tx1"/>
+                </a:solidFill>
+                <a:latin typeface="+mn-lt"/>
+                <a:ea typeface="+mn-ea"/>
+                <a:cs typeface="+mn-cs"/>
+              </a:defRPr>
+            </a:lvl4pPr>
+            <a:lvl5pPr marL="1828800" algn="l" defTabSz="914400" rtl="0" eaLnBrk="1" latinLnBrk="0" hangingPunct="1">
+              <a:defRPr sz="1800" kern="1200">
+                <a:solidFill>
+                  <a:schemeClr val="tx1"/>
+                </a:solidFill>
+                <a:latin typeface="+mn-lt"/>
+                <a:ea typeface="+mn-ea"/>
+                <a:cs typeface="+mn-cs"/>
+              </a:defRPr>
+            </a:lvl5pPr>
+            <a:lvl6pPr marL="2286000" algn="l" defTabSz="914400" rtl="0" eaLnBrk="1" latinLnBrk="0" hangingPunct="1">
+              <a:defRPr sz="1800" kern="1200">
+                <a:solidFill>
+                  <a:schemeClr val="tx1"/>
+                </a:solidFill>
+                <a:latin typeface="+mn-lt"/>
+                <a:ea typeface="+mn-ea"/>
+                <a:cs typeface="+mn-cs"/>
+              </a:defRPr>
+            </a:lvl6pPr>
+            <a:lvl7pPr marL="2743200" algn="l" defTabSz="914400" rtl="0" eaLnBrk="1" latinLnBrk="0" hangingPunct="1">
+              <a:defRPr sz="1800" kern="1200">
+                <a:solidFill>
+                  <a:schemeClr val="tx1"/>
+                </a:solidFill>
+                <a:latin typeface="+mn-lt"/>
+                <a:ea typeface="+mn-ea"/>
+                <a:cs typeface="+mn-cs"/>
+              </a:defRPr>
+            </a:lvl7pPr>
+            <a:lvl8pPr marL="3200400" algn="l" defTabSz="914400" rtl="0" eaLnBrk="1" latinLnBrk="0" hangingPunct="1">
+              <a:defRPr sz="1800" kern="1200">
+                <a:solidFill>
+                  <a:schemeClr val="tx1"/>
+                </a:solidFill>
+                <a:latin typeface="+mn-lt"/>
+                <a:ea typeface="+mn-ea"/>
+                <a:cs typeface="+mn-cs"/>
+              </a:defRPr>
+            </a:lvl8pPr>
+            <a:lvl9pPr marL="3657600" algn="l" defTabSz="914400" rtl="0" eaLnBrk="1" latinLnBrk="0" hangingPunct="1">
+              <a:defRPr sz="1800" kern="1200">
+                <a:solidFill>
+                  <a:schemeClr val="tx1"/>
+                </a:solidFill>
+                <a:latin typeface="+mn-lt"/>
+                <a:ea typeface="+mn-ea"/>
+                <a:cs typeface="+mn-cs"/>
+              </a:defRPr>
+            </a:lvl9pPr>
+          </a:lstStyle>
+          <a:p>
+            <a:fld id="{3DE3E19F-02C1-4219-A00A-045ED18507E8}" type="slidenum">
+              <a:rPr lang="en-US" smtClean="0"/>
+              <a:pPr/>
+              <a:t>15</a:t>
+            </a:fld>
+            <a:endParaRPr lang="en-US"/>
+          </a:p>
+        </p:txBody>
+      </p:sp>
+      <p:pic>
+        <p:nvPicPr>
+          <p:cNvPr id="7" name="Resim 6">
+            <a:extLst>
+              <a:ext uri="{FF2B5EF4-FFF2-40B4-BE49-F238E27FC236}">
+                <a16:creationId xmlns:a16="http://schemas.microsoft.com/office/drawing/2014/main" id="{1CDF0308-D180-40C6-99A1-D6B12CFEDFD0}"/>
+              </a:ext>
+            </a:extLst>
+          </p:cNvPr>
+          <p:cNvPicPr>
+            <a:picLocks noChangeAspect="1"/>
+          </p:cNvPicPr>
+          <p:nvPr/>
+        </p:nvPicPr>
+        <p:blipFill>
+          <a:blip r:embed="rId2"/>
+          <a:stretch>
+            <a:fillRect/>
+          </a:stretch>
+        </p:blipFill>
+        <p:spPr>
+          <a:xfrm>
+            <a:off x="618671" y="1836875"/>
+            <a:ext cx="6283741" cy="3990175"/>
           </a:xfrm>
           <a:prstGeom prst="rect">
             <a:avLst/>
           </a:prstGeom>
-          <a:noFill/>
-        </p:spPr>
-        <p:txBody>
-          <a:bodyPr wrap="square" rtlCol="0">
-            <a:spAutoFit/>
-          </a:bodyPr>
-          <a:lstStyle/>
-          <a:p>
-            <a:pPr algn="ctr">
-              <a:lnSpc>
-                <a:spcPct val="150000"/>
-              </a:lnSpc>
-              <a:spcAft>
-                <a:spcPts val="1200"/>
-              </a:spcAft>
-            </a:pPr>
-            <a:r>
-              <a:rPr lang="en-US" dirty="0">
-                <a:solidFill>
-                  <a:schemeClr val="tx1">
-                    <a:lumMod val="65000"/>
-                    <a:lumOff val="35000"/>
-                  </a:schemeClr>
-                </a:solidFill>
-              </a:rPr>
-              <a:t>Email: mustafa.aru@std.izu.edu.tr</a:t>
-            </a:r>
-            <a:endParaRPr lang="en-US" sz="1200" dirty="0">
-              <a:solidFill>
-                <a:schemeClr val="tx1">
-                  <a:lumMod val="65000"/>
-                  <a:lumOff val="35000"/>
-                </a:schemeClr>
-              </a:solidFill>
-            </a:endParaRPr>
-          </a:p>
-        </p:txBody>
-      </p:sp>
-      <p:sp>
-        <p:nvSpPr>
-          <p:cNvPr id="5" name="TextBox 2">
+        </p:spPr>
+      </p:pic>
+    </p:spTree>
+    <p:extLst>
+      <p:ext uri="{BB962C8B-B14F-4D97-AF65-F5344CB8AC3E}">
+        <p14:creationId xmlns:p14="http://schemas.microsoft.com/office/powerpoint/2010/main" val="3568104633"/>
+      </p:ext>
+    </p:extLst>
+  </p:cSld>
+  <p:clrMapOvr>
+    <a:masterClrMapping/>
+  </p:clrMapOvr>
+</p:sld>
+</file>
+
+<file path=ppt/slides/slide16.xml><?xml version="1.0" encoding="utf-8"?>
+<p:sld xmlns:a="http://schemas.openxmlformats.org/drawingml/2006/main" xmlns:r="http://schemas.openxmlformats.org/officeDocument/2006/relationships" xmlns:p="http://schemas.openxmlformats.org/presentationml/2006/main">
+  <p:cSld>
+    <p:spTree>
+      <p:nvGrpSpPr>
+        <p:cNvPr id="1" name=""/>
+        <p:cNvGrpSpPr/>
+        <p:nvPr/>
+      </p:nvGrpSpPr>
+      <p:grpSpPr>
+        <a:xfrm>
+          <a:off x="0" y="0"/>
+          <a:ext cx="0" cy="0"/>
+          <a:chOff x="0" y="0"/>
+          <a:chExt cx="0" cy="0"/>
+        </a:xfrm>
+      </p:grpSpPr>
+      <p:sp>
+        <p:nvSpPr>
+          <p:cNvPr id="2" name="Başlık 1">
             <a:extLst>
               <a:ext uri="{FF2B5EF4-FFF2-40B4-BE49-F238E27FC236}">
-                <a16:creationId xmlns:a16="http://schemas.microsoft.com/office/drawing/2014/main" id="{EE388E09-FF9C-4CE1-A024-235586ADA63C}"/>
+                <a16:creationId xmlns:a16="http://schemas.microsoft.com/office/drawing/2014/main" id="{836E7814-FF08-4377-A509-67825A527CB2}"/>
               </a:ext>
             </a:extLst>
           </p:cNvPr>
-          <p:cNvSpPr txBox="1"/>
+          <p:cNvSpPr>
+            <a:spLocks noGrp="1"/>
+          </p:cNvSpPr>
+          <p:nvPr>
+            <p:ph type="title"/>
+          </p:nvPr>
+        </p:nvSpPr>
+        <p:spPr>
+          <a:xfrm>
+            <a:off x="429768" y="411480"/>
+            <a:ext cx="11201400" cy="685799"/>
+          </a:xfrm>
+        </p:spPr>
+        <p:txBody>
+          <a:bodyPr>
+            <a:normAutofit fontScale="90000"/>
+          </a:bodyPr>
+          <a:lstStyle/>
+          <a:p>
+            <a:r>
+              <a:rPr lang="en-US" dirty="0"/>
+              <a:t>Page 11 – Customer – Do you know us? </a:t>
+            </a:r>
+            <a:endParaRPr lang="tr-TR" dirty="0"/>
+          </a:p>
+        </p:txBody>
+      </p:sp>
+      <p:sp>
+        <p:nvSpPr>
+          <p:cNvPr id="3" name="İçerik Yer Tutucusu 2">
+            <a:extLst>
+              <a:ext uri="{FF2B5EF4-FFF2-40B4-BE49-F238E27FC236}">
+                <a16:creationId xmlns:a16="http://schemas.microsoft.com/office/drawing/2014/main" id="{CCD55640-FB69-450A-8F9B-6ECAD5BC35BD}"/>
+              </a:ext>
+            </a:extLst>
+          </p:cNvPr>
+          <p:cNvSpPr>
+            <a:spLocks noGrp="1"/>
+          </p:cNvSpPr>
+          <p:nvPr>
+            <p:ph idx="1"/>
+          </p:nvPr>
+        </p:nvSpPr>
+        <p:spPr>
+          <a:xfrm>
+            <a:off x="7938752" y="1721922"/>
+            <a:ext cx="3455097" cy="4258254"/>
+          </a:xfrm>
+        </p:spPr>
+        <p:txBody>
+          <a:bodyPr anchor="ctr">
+            <a:normAutofit/>
+          </a:bodyPr>
+          <a:lstStyle/>
+          <a:p>
+            <a:pPr>
+              <a:buFont typeface="Wingdings" panose="05000000000000000000" pitchFamily="2" charset="2"/>
+              <a:buChar char="q"/>
+            </a:pPr>
+            <a:r>
+              <a:rPr lang="en-US" sz="1800" dirty="0"/>
+              <a:t>If customer want to get knowledge about system or ARU Submarine company, he can click About Us button to see lots of information in the text.</a:t>
+            </a:r>
+          </a:p>
+          <a:p>
+            <a:pPr>
+              <a:buFont typeface="Wingdings" panose="05000000000000000000" pitchFamily="2" charset="2"/>
+              <a:buChar char="q"/>
+            </a:pPr>
+            <a:r>
+              <a:rPr lang="en-US" sz="1800" dirty="0"/>
+              <a:t>It also contains our company’s privacy in that text.</a:t>
+            </a:r>
+          </a:p>
+          <a:p>
+            <a:pPr>
+              <a:buFont typeface="Wingdings" panose="05000000000000000000" pitchFamily="2" charset="2"/>
+              <a:buChar char="q"/>
+            </a:pPr>
+            <a:r>
+              <a:rPr lang="en-US" sz="1800" dirty="0"/>
+              <a:t>After reading article, a customer will get some information about us.</a:t>
+            </a:r>
+          </a:p>
+          <a:p>
+            <a:pPr>
+              <a:buFont typeface="Wingdings" panose="05000000000000000000" pitchFamily="2" charset="2"/>
+              <a:buChar char="q"/>
+            </a:pPr>
+            <a:endParaRPr lang="tr-TR" sz="1800" dirty="0"/>
+          </a:p>
+        </p:txBody>
+      </p:sp>
+      <p:sp>
+        <p:nvSpPr>
+          <p:cNvPr id="4" name="Alt Bilgi Yer Tutucusu 3">
+            <a:extLst>
+              <a:ext uri="{FF2B5EF4-FFF2-40B4-BE49-F238E27FC236}">
+                <a16:creationId xmlns:a16="http://schemas.microsoft.com/office/drawing/2014/main" id="{999A477B-E4F9-46C0-B2C8-788CB525A6FF}"/>
+              </a:ext>
+            </a:extLst>
+          </p:cNvPr>
+          <p:cNvSpPr>
+            <a:spLocks noGrp="1"/>
+          </p:cNvSpPr>
+          <p:nvPr>
+            <p:ph type="ftr" sz="quarter" idx="11"/>
+          </p:nvPr>
+        </p:nvSpPr>
+        <p:spPr>
+          <a:xfrm>
+            <a:off x="4038600" y="6356350"/>
+            <a:ext cx="4114800" cy="365125"/>
+          </a:xfrm>
+        </p:spPr>
+        <p:txBody>
+          <a:bodyPr>
+            <a:normAutofit/>
+          </a:bodyPr>
+          <a:lstStyle/>
+          <a:p>
+            <a:pPr>
+              <a:spcAft>
+                <a:spcPts val="600"/>
+              </a:spcAft>
+            </a:pPr>
+            <a:r>
+              <a:rPr lang="en-US">
+                <a:solidFill>
+                  <a:schemeClr val="tx1">
+                    <a:lumMod val="50000"/>
+                    <a:lumOff val="50000"/>
+                  </a:schemeClr>
+                </a:solidFill>
+              </a:rPr>
+              <a:t>ARU Submarine</a:t>
+            </a:r>
+          </a:p>
+        </p:txBody>
+      </p:sp>
+      <p:sp>
+        <p:nvSpPr>
+          <p:cNvPr id="23" name="Slide Number Placeholder 8">
+            <a:extLst>
+              <a:ext uri="{FF2B5EF4-FFF2-40B4-BE49-F238E27FC236}">
+                <a16:creationId xmlns:a16="http://schemas.microsoft.com/office/drawing/2014/main" id="{04EF2BF7-32CB-4496-998C-2EC211896404}"/>
+              </a:ext>
+            </a:extLst>
+          </p:cNvPr>
+          <p:cNvSpPr txBox="1">
+            <a:spLocks/>
+          </p:cNvSpPr>
           <p:nvPr/>
         </p:nvSpPr>
         <p:spPr>
           <a:xfrm>
-            <a:off x="4114800" y="3998814"/>
-            <a:ext cx="3962400" cy="459036"/>
+            <a:off x="10911919" y="6349061"/>
+            <a:ext cx="367666" cy="365125"/>
+          </a:xfrm>
+          <a:prstGeom prst="flowChartConnector">
+            <a:avLst/>
+          </a:prstGeom>
+          <a:solidFill>
+            <a:srgbClr val="85CC18"/>
+          </a:solidFill>
+        </p:spPr>
+        <p:txBody>
+          <a:bodyPr vert="horz" lIns="0" tIns="45720" rIns="0" bIns="45720" rtlCol="0" anchor="ctr"/>
+          <a:lstStyle>
+            <a:defPPr>
+              <a:defRPr lang="en-US"/>
+            </a:defPPr>
+            <a:lvl1pPr marL="0" algn="ctr" defTabSz="914400" rtl="0" eaLnBrk="1" latinLnBrk="0" hangingPunct="1">
+              <a:defRPr sz="900" kern="1200">
+                <a:solidFill>
+                  <a:schemeClr val="bg1"/>
+                </a:solidFill>
+                <a:latin typeface="+mn-lt"/>
+                <a:ea typeface="+mn-ea"/>
+                <a:cs typeface="+mn-cs"/>
+              </a:defRPr>
+            </a:lvl1pPr>
+            <a:lvl2pPr marL="457200" algn="l" defTabSz="914400" rtl="0" eaLnBrk="1" latinLnBrk="0" hangingPunct="1">
+              <a:defRPr sz="1800" kern="1200">
+                <a:solidFill>
+                  <a:schemeClr val="tx1"/>
+                </a:solidFill>
+                <a:latin typeface="+mn-lt"/>
+                <a:ea typeface="+mn-ea"/>
+                <a:cs typeface="+mn-cs"/>
+              </a:defRPr>
+            </a:lvl2pPr>
+            <a:lvl3pPr marL="914400" algn="l" defTabSz="914400" rtl="0" eaLnBrk="1" latinLnBrk="0" hangingPunct="1">
+              <a:defRPr sz="1800" kern="1200">
+                <a:solidFill>
+                  <a:schemeClr val="tx1"/>
+                </a:solidFill>
+                <a:latin typeface="+mn-lt"/>
+                <a:ea typeface="+mn-ea"/>
+                <a:cs typeface="+mn-cs"/>
+              </a:defRPr>
+            </a:lvl3pPr>
+            <a:lvl4pPr marL="1371600" algn="l" defTabSz="914400" rtl="0" eaLnBrk="1" latinLnBrk="0" hangingPunct="1">
+              <a:defRPr sz="1800" kern="1200">
+                <a:solidFill>
+                  <a:schemeClr val="tx1"/>
+                </a:solidFill>
+                <a:latin typeface="+mn-lt"/>
+                <a:ea typeface="+mn-ea"/>
+                <a:cs typeface="+mn-cs"/>
+              </a:defRPr>
+            </a:lvl4pPr>
+            <a:lvl5pPr marL="1828800" algn="l" defTabSz="914400" rtl="0" eaLnBrk="1" latinLnBrk="0" hangingPunct="1">
+              <a:defRPr sz="1800" kern="1200">
+                <a:solidFill>
+                  <a:schemeClr val="tx1"/>
+                </a:solidFill>
+                <a:latin typeface="+mn-lt"/>
+                <a:ea typeface="+mn-ea"/>
+                <a:cs typeface="+mn-cs"/>
+              </a:defRPr>
+            </a:lvl5pPr>
+            <a:lvl6pPr marL="2286000" algn="l" defTabSz="914400" rtl="0" eaLnBrk="1" latinLnBrk="0" hangingPunct="1">
+              <a:defRPr sz="1800" kern="1200">
+                <a:solidFill>
+                  <a:schemeClr val="tx1"/>
+                </a:solidFill>
+                <a:latin typeface="+mn-lt"/>
+                <a:ea typeface="+mn-ea"/>
+                <a:cs typeface="+mn-cs"/>
+              </a:defRPr>
+            </a:lvl6pPr>
+            <a:lvl7pPr marL="2743200" algn="l" defTabSz="914400" rtl="0" eaLnBrk="1" latinLnBrk="0" hangingPunct="1">
+              <a:defRPr sz="1800" kern="1200">
+                <a:solidFill>
+                  <a:schemeClr val="tx1"/>
+                </a:solidFill>
+                <a:latin typeface="+mn-lt"/>
+                <a:ea typeface="+mn-ea"/>
+                <a:cs typeface="+mn-cs"/>
+              </a:defRPr>
+            </a:lvl7pPr>
+            <a:lvl8pPr marL="3200400" algn="l" defTabSz="914400" rtl="0" eaLnBrk="1" latinLnBrk="0" hangingPunct="1">
+              <a:defRPr sz="1800" kern="1200">
+                <a:solidFill>
+                  <a:schemeClr val="tx1"/>
+                </a:solidFill>
+                <a:latin typeface="+mn-lt"/>
+                <a:ea typeface="+mn-ea"/>
+                <a:cs typeface="+mn-cs"/>
+              </a:defRPr>
+            </a:lvl8pPr>
+            <a:lvl9pPr marL="3657600" algn="l" defTabSz="914400" rtl="0" eaLnBrk="1" latinLnBrk="0" hangingPunct="1">
+              <a:defRPr sz="1800" kern="1200">
+                <a:solidFill>
+                  <a:schemeClr val="tx1"/>
+                </a:solidFill>
+                <a:latin typeface="+mn-lt"/>
+                <a:ea typeface="+mn-ea"/>
+                <a:cs typeface="+mn-cs"/>
+              </a:defRPr>
+            </a:lvl9pPr>
+          </a:lstStyle>
+          <a:p>
+            <a:fld id="{3DE3E19F-02C1-4219-A00A-045ED18507E8}" type="slidenum">
+              <a:rPr lang="en-US" smtClean="0"/>
+              <a:pPr/>
+              <a:t>16</a:t>
+            </a:fld>
+            <a:endParaRPr lang="en-US"/>
+          </a:p>
+        </p:txBody>
+      </p:sp>
+      <p:pic>
+        <p:nvPicPr>
+          <p:cNvPr id="8" name="Resim 7">
+            <a:extLst>
+              <a:ext uri="{FF2B5EF4-FFF2-40B4-BE49-F238E27FC236}">
+                <a16:creationId xmlns:a16="http://schemas.microsoft.com/office/drawing/2014/main" id="{52D5C69E-D841-49D4-81B5-48A0B8F1568A}"/>
+              </a:ext>
+            </a:extLst>
+          </p:cNvPr>
+          <p:cNvPicPr>
+            <a:picLocks noChangeAspect="1"/>
+          </p:cNvPicPr>
+          <p:nvPr/>
+        </p:nvPicPr>
+        <p:blipFill>
+          <a:blip r:embed="rId2"/>
+          <a:stretch>
+            <a:fillRect/>
+          </a:stretch>
+        </p:blipFill>
+        <p:spPr>
+          <a:xfrm>
+            <a:off x="986836" y="1473453"/>
+            <a:ext cx="5544592" cy="4629734"/>
           </a:xfrm>
           <a:prstGeom prst="rect">
             <a:avLst/>
           </a:prstGeom>
-          <a:noFill/>
-        </p:spPr>
-        <p:txBody>
-          <a:bodyPr wrap="square" rtlCol="0">
-            <a:spAutoFit/>
-          </a:bodyPr>
-          <a:lstStyle/>
-          <a:p>
-            <a:pPr>
-              <a:lnSpc>
-                <a:spcPct val="150000"/>
-              </a:lnSpc>
-              <a:spcAft>
-                <a:spcPts val="1200"/>
-              </a:spcAft>
-            </a:pPr>
-            <a:r>
-              <a:rPr lang="tr-TR" dirty="0">
-                <a:hlinkClick r:id="rId2"/>
-              </a:rPr>
-              <a:t>github.com/mustafaberat/ARUSubmarine</a:t>
-            </a:r>
-            <a:endParaRPr lang="en-US" sz="1200" dirty="0">
-              <a:solidFill>
-                <a:schemeClr val="tx1">
-                  <a:lumMod val="65000"/>
-                  <a:lumOff val="35000"/>
-                </a:schemeClr>
-              </a:solidFill>
-            </a:endParaRPr>
-          </a:p>
-        </p:txBody>
-      </p:sp>
+        </p:spPr>
+      </p:pic>
     </p:spTree>
     <p:extLst>
       <p:ext uri="{BB962C8B-B14F-4D97-AF65-F5344CB8AC3E}">
-        <p14:creationId xmlns:p14="http://schemas.microsoft.com/office/powerpoint/2010/main" val="2131154056"/>
+        <p14:creationId xmlns:p14="http://schemas.microsoft.com/office/powerpoint/2010/main" val="1555893639"/>
+      </p:ext>
+    </p:extLst>
+  </p:cSld>
+  <p:clrMapOvr>
+    <a:masterClrMapping/>
+  </p:clrMapOvr>
+</p:sld>
+</file>
+
+<file path=ppt/slides/slide17.xml><?xml version="1.0" encoding="utf-8"?>
+<p:sld xmlns:a="http://schemas.openxmlformats.org/drawingml/2006/main" xmlns:r="http://schemas.openxmlformats.org/officeDocument/2006/relationships" xmlns:p="http://schemas.openxmlformats.org/presentationml/2006/main">
+  <p:cSld>
+    <p:spTree>
+      <p:nvGrpSpPr>
+        <p:cNvPr id="1" name=""/>
+        <p:cNvGrpSpPr/>
+        <p:nvPr/>
+      </p:nvGrpSpPr>
+      <p:grpSpPr>
+        <a:xfrm>
+          <a:off x="0" y="0"/>
+          <a:ext cx="0" cy="0"/>
+          <a:chOff x="0" y="0"/>
+          <a:chExt cx="0" cy="0"/>
+        </a:xfrm>
+      </p:grpSpPr>
+      <p:sp>
+        <p:nvSpPr>
+          <p:cNvPr id="2" name="Başlık 1">
+            <a:extLst>
+              <a:ext uri="{FF2B5EF4-FFF2-40B4-BE49-F238E27FC236}">
+                <a16:creationId xmlns:a16="http://schemas.microsoft.com/office/drawing/2014/main" id="{836E7814-FF08-4377-A509-67825A527CB2}"/>
+              </a:ext>
+            </a:extLst>
+          </p:cNvPr>
+          <p:cNvSpPr>
+            <a:spLocks noGrp="1"/>
+          </p:cNvSpPr>
+          <p:nvPr>
+            <p:ph type="title"/>
+          </p:nvPr>
+        </p:nvSpPr>
+        <p:spPr>
+          <a:xfrm>
+            <a:off x="429768" y="411480"/>
+            <a:ext cx="11201400" cy="685799"/>
+          </a:xfrm>
+        </p:spPr>
+        <p:txBody>
+          <a:bodyPr>
+            <a:normAutofit fontScale="90000"/>
+          </a:bodyPr>
+          <a:lstStyle/>
+          <a:p>
+            <a:r>
+              <a:rPr lang="en-US" dirty="0"/>
+              <a:t>Page 12 – Customer – Where you want to go? </a:t>
+            </a:r>
+            <a:endParaRPr lang="tr-TR" dirty="0"/>
+          </a:p>
+        </p:txBody>
+      </p:sp>
+      <p:sp>
+        <p:nvSpPr>
+          <p:cNvPr id="3" name="İçerik Yer Tutucusu 2">
+            <a:extLst>
+              <a:ext uri="{FF2B5EF4-FFF2-40B4-BE49-F238E27FC236}">
+                <a16:creationId xmlns:a16="http://schemas.microsoft.com/office/drawing/2014/main" id="{CCD55640-FB69-450A-8F9B-6ECAD5BC35BD}"/>
+              </a:ext>
+            </a:extLst>
+          </p:cNvPr>
+          <p:cNvSpPr>
+            <a:spLocks noGrp="1"/>
+          </p:cNvSpPr>
+          <p:nvPr>
+            <p:ph idx="1"/>
+          </p:nvPr>
+        </p:nvSpPr>
+        <p:spPr>
+          <a:xfrm>
+            <a:off x="7938752" y="1721922"/>
+            <a:ext cx="3455097" cy="4258254"/>
+          </a:xfrm>
+        </p:spPr>
+        <p:txBody>
+          <a:bodyPr anchor="ctr">
+            <a:normAutofit/>
+          </a:bodyPr>
+          <a:lstStyle/>
+          <a:p>
+            <a:pPr>
+              <a:buFont typeface="Wingdings" panose="05000000000000000000" pitchFamily="2" charset="2"/>
+              <a:buChar char="q"/>
+            </a:pPr>
+            <a:r>
+              <a:rPr lang="en-US" sz="1800" dirty="0"/>
+              <a:t>If customer want to go somewhere, but the system doesn’t include that place to trip, he can give that location address to adding the new path of trip. </a:t>
+            </a:r>
+          </a:p>
+          <a:p>
+            <a:pPr>
+              <a:buFont typeface="Wingdings" panose="05000000000000000000" pitchFamily="2" charset="2"/>
+              <a:buChar char="q"/>
+            </a:pPr>
+            <a:r>
+              <a:rPr lang="en-US" sz="1800" dirty="0"/>
+              <a:t>These places will be evaluated by the manager. If it is an available option to go, he can add in Adding Trip page that showed in this presentation.</a:t>
+            </a:r>
+          </a:p>
+          <a:p>
+            <a:pPr>
+              <a:buFont typeface="Wingdings" panose="05000000000000000000" pitchFamily="2" charset="2"/>
+              <a:buChar char="q"/>
+            </a:pPr>
+            <a:endParaRPr lang="tr-TR" sz="1800" dirty="0"/>
+          </a:p>
+        </p:txBody>
+      </p:sp>
+      <p:sp>
+        <p:nvSpPr>
+          <p:cNvPr id="4" name="Alt Bilgi Yer Tutucusu 3">
+            <a:extLst>
+              <a:ext uri="{FF2B5EF4-FFF2-40B4-BE49-F238E27FC236}">
+                <a16:creationId xmlns:a16="http://schemas.microsoft.com/office/drawing/2014/main" id="{999A477B-E4F9-46C0-B2C8-788CB525A6FF}"/>
+              </a:ext>
+            </a:extLst>
+          </p:cNvPr>
+          <p:cNvSpPr>
+            <a:spLocks noGrp="1"/>
+          </p:cNvSpPr>
+          <p:nvPr>
+            <p:ph type="ftr" sz="quarter" idx="11"/>
+          </p:nvPr>
+        </p:nvSpPr>
+        <p:spPr>
+          <a:xfrm>
+            <a:off x="4038600" y="6356350"/>
+            <a:ext cx="4114800" cy="365125"/>
+          </a:xfrm>
+        </p:spPr>
+        <p:txBody>
+          <a:bodyPr>
+            <a:normAutofit/>
+          </a:bodyPr>
+          <a:lstStyle/>
+          <a:p>
+            <a:pPr>
+              <a:spcAft>
+                <a:spcPts val="600"/>
+              </a:spcAft>
+            </a:pPr>
+            <a:r>
+              <a:rPr lang="en-US">
+                <a:solidFill>
+                  <a:schemeClr val="tx1">
+                    <a:lumMod val="50000"/>
+                    <a:lumOff val="50000"/>
+                  </a:schemeClr>
+                </a:solidFill>
+              </a:rPr>
+              <a:t>ARU Submarine</a:t>
+            </a:r>
+          </a:p>
+        </p:txBody>
+      </p:sp>
+      <p:sp>
+        <p:nvSpPr>
+          <p:cNvPr id="23" name="Slide Number Placeholder 8">
+            <a:extLst>
+              <a:ext uri="{FF2B5EF4-FFF2-40B4-BE49-F238E27FC236}">
+                <a16:creationId xmlns:a16="http://schemas.microsoft.com/office/drawing/2014/main" id="{04EF2BF7-32CB-4496-998C-2EC211896404}"/>
+              </a:ext>
+            </a:extLst>
+          </p:cNvPr>
+          <p:cNvSpPr txBox="1">
+            <a:spLocks/>
+          </p:cNvSpPr>
+          <p:nvPr/>
+        </p:nvSpPr>
+        <p:spPr>
+          <a:xfrm>
+            <a:off x="10911919" y="6349061"/>
+            <a:ext cx="367666" cy="365125"/>
+          </a:xfrm>
+          <a:prstGeom prst="flowChartConnector">
+            <a:avLst/>
+          </a:prstGeom>
+          <a:solidFill>
+            <a:srgbClr val="85CC18"/>
+          </a:solidFill>
+        </p:spPr>
+        <p:txBody>
+          <a:bodyPr vert="horz" lIns="0" tIns="45720" rIns="0" bIns="45720" rtlCol="0" anchor="ctr"/>
+          <a:lstStyle>
+            <a:defPPr>
+              <a:defRPr lang="en-US"/>
+            </a:defPPr>
+            <a:lvl1pPr marL="0" algn="ctr" defTabSz="914400" rtl="0" eaLnBrk="1" latinLnBrk="0" hangingPunct="1">
+              <a:defRPr sz="900" kern="1200">
+                <a:solidFill>
+                  <a:schemeClr val="bg1"/>
+                </a:solidFill>
+                <a:latin typeface="+mn-lt"/>
+                <a:ea typeface="+mn-ea"/>
+                <a:cs typeface="+mn-cs"/>
+              </a:defRPr>
+            </a:lvl1pPr>
+            <a:lvl2pPr marL="457200" algn="l" defTabSz="914400" rtl="0" eaLnBrk="1" latinLnBrk="0" hangingPunct="1">
+              <a:defRPr sz="1800" kern="1200">
+                <a:solidFill>
+                  <a:schemeClr val="tx1"/>
+                </a:solidFill>
+                <a:latin typeface="+mn-lt"/>
+                <a:ea typeface="+mn-ea"/>
+                <a:cs typeface="+mn-cs"/>
+              </a:defRPr>
+            </a:lvl2pPr>
+            <a:lvl3pPr marL="914400" algn="l" defTabSz="914400" rtl="0" eaLnBrk="1" latinLnBrk="0" hangingPunct="1">
+              <a:defRPr sz="1800" kern="1200">
+                <a:solidFill>
+                  <a:schemeClr val="tx1"/>
+                </a:solidFill>
+                <a:latin typeface="+mn-lt"/>
+                <a:ea typeface="+mn-ea"/>
+                <a:cs typeface="+mn-cs"/>
+              </a:defRPr>
+            </a:lvl3pPr>
+            <a:lvl4pPr marL="1371600" algn="l" defTabSz="914400" rtl="0" eaLnBrk="1" latinLnBrk="0" hangingPunct="1">
+              <a:defRPr sz="1800" kern="1200">
+                <a:solidFill>
+                  <a:schemeClr val="tx1"/>
+                </a:solidFill>
+                <a:latin typeface="+mn-lt"/>
+                <a:ea typeface="+mn-ea"/>
+                <a:cs typeface="+mn-cs"/>
+              </a:defRPr>
+            </a:lvl4pPr>
+            <a:lvl5pPr marL="1828800" algn="l" defTabSz="914400" rtl="0" eaLnBrk="1" latinLnBrk="0" hangingPunct="1">
+              <a:defRPr sz="1800" kern="1200">
+                <a:solidFill>
+                  <a:schemeClr val="tx1"/>
+                </a:solidFill>
+                <a:latin typeface="+mn-lt"/>
+                <a:ea typeface="+mn-ea"/>
+                <a:cs typeface="+mn-cs"/>
+              </a:defRPr>
+            </a:lvl5pPr>
+            <a:lvl6pPr marL="2286000" algn="l" defTabSz="914400" rtl="0" eaLnBrk="1" latinLnBrk="0" hangingPunct="1">
+              <a:defRPr sz="1800" kern="1200">
+                <a:solidFill>
+                  <a:schemeClr val="tx1"/>
+                </a:solidFill>
+                <a:latin typeface="+mn-lt"/>
+                <a:ea typeface="+mn-ea"/>
+                <a:cs typeface="+mn-cs"/>
+              </a:defRPr>
+            </a:lvl6pPr>
+            <a:lvl7pPr marL="2743200" algn="l" defTabSz="914400" rtl="0" eaLnBrk="1" latinLnBrk="0" hangingPunct="1">
+              <a:defRPr sz="1800" kern="1200">
+                <a:solidFill>
+                  <a:schemeClr val="tx1"/>
+                </a:solidFill>
+                <a:latin typeface="+mn-lt"/>
+                <a:ea typeface="+mn-ea"/>
+                <a:cs typeface="+mn-cs"/>
+              </a:defRPr>
+            </a:lvl7pPr>
+            <a:lvl8pPr marL="3200400" algn="l" defTabSz="914400" rtl="0" eaLnBrk="1" latinLnBrk="0" hangingPunct="1">
+              <a:defRPr sz="1800" kern="1200">
+                <a:solidFill>
+                  <a:schemeClr val="tx1"/>
+                </a:solidFill>
+                <a:latin typeface="+mn-lt"/>
+                <a:ea typeface="+mn-ea"/>
+                <a:cs typeface="+mn-cs"/>
+              </a:defRPr>
+            </a:lvl8pPr>
+            <a:lvl9pPr marL="3657600" algn="l" defTabSz="914400" rtl="0" eaLnBrk="1" latinLnBrk="0" hangingPunct="1">
+              <a:defRPr sz="1800" kern="1200">
+                <a:solidFill>
+                  <a:schemeClr val="tx1"/>
+                </a:solidFill>
+                <a:latin typeface="+mn-lt"/>
+                <a:ea typeface="+mn-ea"/>
+                <a:cs typeface="+mn-cs"/>
+              </a:defRPr>
+            </a:lvl9pPr>
+          </a:lstStyle>
+          <a:p>
+            <a:fld id="{3DE3E19F-02C1-4219-A00A-045ED18507E8}" type="slidenum">
+              <a:rPr lang="en-US" smtClean="0"/>
+              <a:pPr/>
+              <a:t>17</a:t>
+            </a:fld>
+            <a:endParaRPr lang="en-US"/>
+          </a:p>
+        </p:txBody>
+      </p:sp>
+      <p:pic>
+        <p:nvPicPr>
+          <p:cNvPr id="7" name="Resim 6">
+            <a:extLst>
+              <a:ext uri="{FF2B5EF4-FFF2-40B4-BE49-F238E27FC236}">
+                <a16:creationId xmlns:a16="http://schemas.microsoft.com/office/drawing/2014/main" id="{32367314-AB85-457D-86F4-D877EAE0B785}"/>
+              </a:ext>
+            </a:extLst>
+          </p:cNvPr>
+          <p:cNvPicPr>
+            <a:picLocks noChangeAspect="1"/>
+          </p:cNvPicPr>
+          <p:nvPr/>
+        </p:nvPicPr>
+        <p:blipFill>
+          <a:blip r:embed="rId2"/>
+          <a:stretch>
+            <a:fillRect/>
+          </a:stretch>
+        </p:blipFill>
+        <p:spPr>
+          <a:xfrm>
+            <a:off x="1096222" y="1546023"/>
+            <a:ext cx="5544592" cy="4307828"/>
+          </a:xfrm>
+          <a:prstGeom prst="rect">
+            <a:avLst/>
+          </a:prstGeom>
+        </p:spPr>
+      </p:pic>
+    </p:spTree>
+    <p:extLst>
+      <p:ext uri="{BB962C8B-B14F-4D97-AF65-F5344CB8AC3E}">
+        <p14:creationId xmlns:p14="http://schemas.microsoft.com/office/powerpoint/2010/main" val="4220514090"/>
+      </p:ext>
+    </p:extLst>
+  </p:cSld>
+  <p:clrMapOvr>
+    <a:masterClrMapping/>
+  </p:clrMapOvr>
+</p:sld>
+</file>
+
+<file path=ppt/slides/slide18.xml><?xml version="1.0" encoding="utf-8"?>
+<p:sld xmlns:a="http://schemas.openxmlformats.org/drawingml/2006/main" xmlns:r="http://schemas.openxmlformats.org/officeDocument/2006/relationships" xmlns:p="http://schemas.openxmlformats.org/presentationml/2006/main">
+  <p:cSld>
+    <p:spTree>
+      <p:nvGrpSpPr>
+        <p:cNvPr id="1" name=""/>
+        <p:cNvGrpSpPr/>
+        <p:nvPr/>
+      </p:nvGrpSpPr>
+      <p:grpSpPr>
+        <a:xfrm>
+          <a:off x="0" y="0"/>
+          <a:ext cx="0" cy="0"/>
+          <a:chOff x="0" y="0"/>
+          <a:chExt cx="0" cy="0"/>
+        </a:xfrm>
+      </p:grpSpPr>
+      <p:sp>
+        <p:nvSpPr>
+          <p:cNvPr id="2" name="Başlık 1">
+            <a:extLst>
+              <a:ext uri="{FF2B5EF4-FFF2-40B4-BE49-F238E27FC236}">
+                <a16:creationId xmlns:a16="http://schemas.microsoft.com/office/drawing/2014/main" id="{836E7814-FF08-4377-A509-67825A527CB2}"/>
+              </a:ext>
+            </a:extLst>
+          </p:cNvPr>
+          <p:cNvSpPr>
+            <a:spLocks noGrp="1"/>
+          </p:cNvSpPr>
+          <p:nvPr>
+            <p:ph type="title"/>
+          </p:nvPr>
+        </p:nvSpPr>
+        <p:spPr>
+          <a:xfrm>
+            <a:off x="429768" y="411480"/>
+            <a:ext cx="11201400" cy="685799"/>
+          </a:xfrm>
+        </p:spPr>
+        <p:txBody>
+          <a:bodyPr>
+            <a:normAutofit fontScale="90000"/>
+          </a:bodyPr>
+          <a:lstStyle/>
+          <a:p>
+            <a:r>
+              <a:rPr lang="en-US" dirty="0"/>
+              <a:t>Page 13 – Customer – Why should I try it? </a:t>
+            </a:r>
+            <a:endParaRPr lang="tr-TR" dirty="0"/>
+          </a:p>
+        </p:txBody>
+      </p:sp>
+      <p:sp>
+        <p:nvSpPr>
+          <p:cNvPr id="3" name="İçerik Yer Tutucusu 2">
+            <a:extLst>
+              <a:ext uri="{FF2B5EF4-FFF2-40B4-BE49-F238E27FC236}">
+                <a16:creationId xmlns:a16="http://schemas.microsoft.com/office/drawing/2014/main" id="{CCD55640-FB69-450A-8F9B-6ECAD5BC35BD}"/>
+              </a:ext>
+            </a:extLst>
+          </p:cNvPr>
+          <p:cNvSpPr>
+            <a:spLocks noGrp="1"/>
+          </p:cNvSpPr>
+          <p:nvPr>
+            <p:ph idx="1"/>
+          </p:nvPr>
+        </p:nvSpPr>
+        <p:spPr>
+          <a:xfrm>
+            <a:off x="7938752" y="1721922"/>
+            <a:ext cx="3455097" cy="4258254"/>
+          </a:xfrm>
+        </p:spPr>
+        <p:txBody>
+          <a:bodyPr anchor="ctr">
+            <a:normAutofit/>
+          </a:bodyPr>
+          <a:lstStyle/>
+          <a:p>
+            <a:pPr>
+              <a:buFont typeface="Wingdings" panose="05000000000000000000" pitchFamily="2" charset="2"/>
+              <a:buChar char="q"/>
+            </a:pPr>
+            <a:r>
+              <a:rPr lang="en-US" sz="1800" dirty="0"/>
+              <a:t>If customer want to get some reasons to trip under the seas, this page is a perfect for reading that article. </a:t>
+            </a:r>
+          </a:p>
+          <a:p>
+            <a:pPr>
+              <a:buFont typeface="Wingdings" panose="05000000000000000000" pitchFamily="2" charset="2"/>
+              <a:buChar char="q"/>
+            </a:pPr>
+            <a:r>
+              <a:rPr lang="en-US" sz="1800" dirty="0"/>
+              <a:t>That article also include some healthy issues and our way to go to deep mystery seas.</a:t>
+            </a:r>
+          </a:p>
+          <a:p>
+            <a:pPr>
+              <a:buFont typeface="Wingdings" panose="05000000000000000000" pitchFamily="2" charset="2"/>
+              <a:buChar char="q"/>
+            </a:pPr>
+            <a:r>
+              <a:rPr lang="en-US" sz="1800" dirty="0"/>
+              <a:t>Another button for closing that page because who would want to stay in the same page after reading, right?</a:t>
+            </a:r>
+          </a:p>
+          <a:p>
+            <a:pPr>
+              <a:buFont typeface="Wingdings" panose="05000000000000000000" pitchFamily="2" charset="2"/>
+              <a:buChar char="q"/>
+            </a:pPr>
+            <a:endParaRPr lang="tr-TR" sz="1800" dirty="0"/>
+          </a:p>
+        </p:txBody>
+      </p:sp>
+      <p:sp>
+        <p:nvSpPr>
+          <p:cNvPr id="4" name="Alt Bilgi Yer Tutucusu 3">
+            <a:extLst>
+              <a:ext uri="{FF2B5EF4-FFF2-40B4-BE49-F238E27FC236}">
+                <a16:creationId xmlns:a16="http://schemas.microsoft.com/office/drawing/2014/main" id="{999A477B-E4F9-46C0-B2C8-788CB525A6FF}"/>
+              </a:ext>
+            </a:extLst>
+          </p:cNvPr>
+          <p:cNvSpPr>
+            <a:spLocks noGrp="1"/>
+          </p:cNvSpPr>
+          <p:nvPr>
+            <p:ph type="ftr" sz="quarter" idx="11"/>
+          </p:nvPr>
+        </p:nvSpPr>
+        <p:spPr>
+          <a:xfrm>
+            <a:off x="4038600" y="6356350"/>
+            <a:ext cx="4114800" cy="365125"/>
+          </a:xfrm>
+        </p:spPr>
+        <p:txBody>
+          <a:bodyPr>
+            <a:normAutofit/>
+          </a:bodyPr>
+          <a:lstStyle/>
+          <a:p>
+            <a:pPr>
+              <a:spcAft>
+                <a:spcPts val="600"/>
+              </a:spcAft>
+            </a:pPr>
+            <a:r>
+              <a:rPr lang="en-US">
+                <a:solidFill>
+                  <a:schemeClr val="tx1">
+                    <a:lumMod val="50000"/>
+                    <a:lumOff val="50000"/>
+                  </a:schemeClr>
+                </a:solidFill>
+              </a:rPr>
+              <a:t>ARU Submarine</a:t>
+            </a:r>
+          </a:p>
+        </p:txBody>
+      </p:sp>
+      <p:sp>
+        <p:nvSpPr>
+          <p:cNvPr id="23" name="Slide Number Placeholder 8">
+            <a:extLst>
+              <a:ext uri="{FF2B5EF4-FFF2-40B4-BE49-F238E27FC236}">
+                <a16:creationId xmlns:a16="http://schemas.microsoft.com/office/drawing/2014/main" id="{04EF2BF7-32CB-4496-998C-2EC211896404}"/>
+              </a:ext>
+            </a:extLst>
+          </p:cNvPr>
+          <p:cNvSpPr txBox="1">
+            <a:spLocks/>
+          </p:cNvSpPr>
+          <p:nvPr/>
+        </p:nvSpPr>
+        <p:spPr>
+          <a:xfrm>
+            <a:off x="10911919" y="6349061"/>
+            <a:ext cx="367666" cy="365125"/>
+          </a:xfrm>
+          <a:prstGeom prst="flowChartConnector">
+            <a:avLst/>
+          </a:prstGeom>
+          <a:solidFill>
+            <a:srgbClr val="85CC18"/>
+          </a:solidFill>
+        </p:spPr>
+        <p:txBody>
+          <a:bodyPr vert="horz" lIns="0" tIns="45720" rIns="0" bIns="45720" rtlCol="0" anchor="ctr"/>
+          <a:lstStyle>
+            <a:defPPr>
+              <a:defRPr lang="en-US"/>
+            </a:defPPr>
+            <a:lvl1pPr marL="0" algn="ctr" defTabSz="914400" rtl="0" eaLnBrk="1" latinLnBrk="0" hangingPunct="1">
+              <a:defRPr sz="900" kern="1200">
+                <a:solidFill>
+                  <a:schemeClr val="bg1"/>
+                </a:solidFill>
+                <a:latin typeface="+mn-lt"/>
+                <a:ea typeface="+mn-ea"/>
+                <a:cs typeface="+mn-cs"/>
+              </a:defRPr>
+            </a:lvl1pPr>
+            <a:lvl2pPr marL="457200" algn="l" defTabSz="914400" rtl="0" eaLnBrk="1" latinLnBrk="0" hangingPunct="1">
+              <a:defRPr sz="1800" kern="1200">
+                <a:solidFill>
+                  <a:schemeClr val="tx1"/>
+                </a:solidFill>
+                <a:latin typeface="+mn-lt"/>
+                <a:ea typeface="+mn-ea"/>
+                <a:cs typeface="+mn-cs"/>
+              </a:defRPr>
+            </a:lvl2pPr>
+            <a:lvl3pPr marL="914400" algn="l" defTabSz="914400" rtl="0" eaLnBrk="1" latinLnBrk="0" hangingPunct="1">
+              <a:defRPr sz="1800" kern="1200">
+                <a:solidFill>
+                  <a:schemeClr val="tx1"/>
+                </a:solidFill>
+                <a:latin typeface="+mn-lt"/>
+                <a:ea typeface="+mn-ea"/>
+                <a:cs typeface="+mn-cs"/>
+              </a:defRPr>
+            </a:lvl3pPr>
+            <a:lvl4pPr marL="1371600" algn="l" defTabSz="914400" rtl="0" eaLnBrk="1" latinLnBrk="0" hangingPunct="1">
+              <a:defRPr sz="1800" kern="1200">
+                <a:solidFill>
+                  <a:schemeClr val="tx1"/>
+                </a:solidFill>
+                <a:latin typeface="+mn-lt"/>
+                <a:ea typeface="+mn-ea"/>
+                <a:cs typeface="+mn-cs"/>
+              </a:defRPr>
+            </a:lvl4pPr>
+            <a:lvl5pPr marL="1828800" algn="l" defTabSz="914400" rtl="0" eaLnBrk="1" latinLnBrk="0" hangingPunct="1">
+              <a:defRPr sz="1800" kern="1200">
+                <a:solidFill>
+                  <a:schemeClr val="tx1"/>
+                </a:solidFill>
+                <a:latin typeface="+mn-lt"/>
+                <a:ea typeface="+mn-ea"/>
+                <a:cs typeface="+mn-cs"/>
+              </a:defRPr>
+            </a:lvl5pPr>
+            <a:lvl6pPr marL="2286000" algn="l" defTabSz="914400" rtl="0" eaLnBrk="1" latinLnBrk="0" hangingPunct="1">
+              <a:defRPr sz="1800" kern="1200">
+                <a:solidFill>
+                  <a:schemeClr val="tx1"/>
+                </a:solidFill>
+                <a:latin typeface="+mn-lt"/>
+                <a:ea typeface="+mn-ea"/>
+                <a:cs typeface="+mn-cs"/>
+              </a:defRPr>
+            </a:lvl6pPr>
+            <a:lvl7pPr marL="2743200" algn="l" defTabSz="914400" rtl="0" eaLnBrk="1" latinLnBrk="0" hangingPunct="1">
+              <a:defRPr sz="1800" kern="1200">
+                <a:solidFill>
+                  <a:schemeClr val="tx1"/>
+                </a:solidFill>
+                <a:latin typeface="+mn-lt"/>
+                <a:ea typeface="+mn-ea"/>
+                <a:cs typeface="+mn-cs"/>
+              </a:defRPr>
+            </a:lvl7pPr>
+            <a:lvl8pPr marL="3200400" algn="l" defTabSz="914400" rtl="0" eaLnBrk="1" latinLnBrk="0" hangingPunct="1">
+              <a:defRPr sz="1800" kern="1200">
+                <a:solidFill>
+                  <a:schemeClr val="tx1"/>
+                </a:solidFill>
+                <a:latin typeface="+mn-lt"/>
+                <a:ea typeface="+mn-ea"/>
+                <a:cs typeface="+mn-cs"/>
+              </a:defRPr>
+            </a:lvl8pPr>
+            <a:lvl9pPr marL="3657600" algn="l" defTabSz="914400" rtl="0" eaLnBrk="1" latinLnBrk="0" hangingPunct="1">
+              <a:defRPr sz="1800" kern="1200">
+                <a:solidFill>
+                  <a:schemeClr val="tx1"/>
+                </a:solidFill>
+                <a:latin typeface="+mn-lt"/>
+                <a:ea typeface="+mn-ea"/>
+                <a:cs typeface="+mn-cs"/>
+              </a:defRPr>
+            </a:lvl9pPr>
+          </a:lstStyle>
+          <a:p>
+            <a:fld id="{3DE3E19F-02C1-4219-A00A-045ED18507E8}" type="slidenum">
+              <a:rPr lang="en-US" smtClean="0"/>
+              <a:pPr/>
+              <a:t>18</a:t>
+            </a:fld>
+            <a:endParaRPr lang="en-US"/>
+          </a:p>
+        </p:txBody>
+      </p:sp>
+      <p:pic>
+        <p:nvPicPr>
+          <p:cNvPr id="8" name="Resim 7">
+            <a:extLst>
+              <a:ext uri="{FF2B5EF4-FFF2-40B4-BE49-F238E27FC236}">
+                <a16:creationId xmlns:a16="http://schemas.microsoft.com/office/drawing/2014/main" id="{CFD52A14-87F4-4EEC-A643-F7058C36A836}"/>
+              </a:ext>
+            </a:extLst>
+          </p:cNvPr>
+          <p:cNvPicPr>
+            <a:picLocks noChangeAspect="1"/>
+          </p:cNvPicPr>
+          <p:nvPr/>
+        </p:nvPicPr>
+        <p:blipFill>
+          <a:blip r:embed="rId2"/>
+          <a:stretch>
+            <a:fillRect/>
+          </a:stretch>
+        </p:blipFill>
+        <p:spPr>
+          <a:xfrm>
+            <a:off x="1121161" y="1546591"/>
+            <a:ext cx="5544592" cy="4360446"/>
+          </a:xfrm>
+          <a:prstGeom prst="rect">
+            <a:avLst/>
+          </a:prstGeom>
+        </p:spPr>
+      </p:pic>
+    </p:spTree>
+    <p:extLst>
+      <p:ext uri="{BB962C8B-B14F-4D97-AF65-F5344CB8AC3E}">
+        <p14:creationId xmlns:p14="http://schemas.microsoft.com/office/powerpoint/2010/main" val="3385913634"/>
+      </p:ext>
+    </p:extLst>
+  </p:cSld>
+  <p:clrMapOvr>
+    <a:masterClrMapping/>
+  </p:clrMapOvr>
+</p:sld>
+</file>
+
+<file path=ppt/slides/slide19.xml><?xml version="1.0" encoding="utf-8"?>
+<p:sld xmlns:a="http://schemas.openxmlformats.org/drawingml/2006/main" xmlns:r="http://schemas.openxmlformats.org/officeDocument/2006/relationships" xmlns:p="http://schemas.openxmlformats.org/presentationml/2006/main">
+  <p:cSld>
+    <p:spTree>
+      <p:nvGrpSpPr>
+        <p:cNvPr id="1" name=""/>
+        <p:cNvGrpSpPr/>
+        <p:nvPr/>
+      </p:nvGrpSpPr>
+      <p:grpSpPr>
+        <a:xfrm>
+          <a:off x="0" y="0"/>
+          <a:ext cx="0" cy="0"/>
+          <a:chOff x="0" y="0"/>
+          <a:chExt cx="0" cy="0"/>
+        </a:xfrm>
+      </p:grpSpPr>
+      <p:sp>
+        <p:nvSpPr>
+          <p:cNvPr id="2" name="Başlık 1">
+            <a:extLst>
+              <a:ext uri="{FF2B5EF4-FFF2-40B4-BE49-F238E27FC236}">
+                <a16:creationId xmlns:a16="http://schemas.microsoft.com/office/drawing/2014/main" id="{836E7814-FF08-4377-A509-67825A527CB2}"/>
+              </a:ext>
+            </a:extLst>
+          </p:cNvPr>
+          <p:cNvSpPr>
+            <a:spLocks noGrp="1"/>
+          </p:cNvSpPr>
+          <p:nvPr>
+            <p:ph type="title"/>
+          </p:nvPr>
+        </p:nvSpPr>
+        <p:spPr>
+          <a:xfrm>
+            <a:off x="429768" y="411480"/>
+            <a:ext cx="11201400" cy="685799"/>
+          </a:xfrm>
+        </p:spPr>
+        <p:txBody>
+          <a:bodyPr>
+            <a:normAutofit fontScale="90000"/>
+          </a:bodyPr>
+          <a:lstStyle/>
+          <a:p>
+            <a:r>
+              <a:rPr lang="en-US" dirty="0"/>
+              <a:t>Page 14 – Customer – Give grade for us after trip </a:t>
+            </a:r>
+            <a:endParaRPr lang="tr-TR" dirty="0"/>
+          </a:p>
+        </p:txBody>
+      </p:sp>
+      <p:sp>
+        <p:nvSpPr>
+          <p:cNvPr id="3" name="İçerik Yer Tutucusu 2">
+            <a:extLst>
+              <a:ext uri="{FF2B5EF4-FFF2-40B4-BE49-F238E27FC236}">
+                <a16:creationId xmlns:a16="http://schemas.microsoft.com/office/drawing/2014/main" id="{CCD55640-FB69-450A-8F9B-6ECAD5BC35BD}"/>
+              </a:ext>
+            </a:extLst>
+          </p:cNvPr>
+          <p:cNvSpPr>
+            <a:spLocks noGrp="1"/>
+          </p:cNvSpPr>
+          <p:nvPr>
+            <p:ph idx="1"/>
+          </p:nvPr>
+        </p:nvSpPr>
+        <p:spPr>
+          <a:xfrm>
+            <a:off x="7938752" y="1721922"/>
+            <a:ext cx="3455097" cy="4258254"/>
+          </a:xfrm>
+        </p:spPr>
+        <p:txBody>
+          <a:bodyPr anchor="ctr">
+            <a:normAutofit/>
+          </a:bodyPr>
+          <a:lstStyle/>
+          <a:p>
+            <a:pPr>
+              <a:buFont typeface="Wingdings" panose="05000000000000000000" pitchFamily="2" charset="2"/>
+              <a:buChar char="q"/>
+            </a:pPr>
+            <a:r>
+              <a:rPr lang="en-US" sz="1800" dirty="0"/>
+              <a:t>If customer want to give notes for ARU Submarine Trip company, this page is for them.</a:t>
+            </a:r>
+          </a:p>
+          <a:p>
+            <a:pPr>
+              <a:buFont typeface="Wingdings" panose="05000000000000000000" pitchFamily="2" charset="2"/>
+              <a:buChar char="q"/>
+            </a:pPr>
+            <a:r>
+              <a:rPr lang="en-US" sz="1800" dirty="0"/>
+              <a:t>The customer can also give his idea for a new trip.</a:t>
+            </a:r>
+          </a:p>
+          <a:p>
+            <a:pPr>
+              <a:buFont typeface="Wingdings" panose="05000000000000000000" pitchFamily="2" charset="2"/>
+              <a:buChar char="q"/>
+            </a:pPr>
+            <a:r>
+              <a:rPr lang="en-US" sz="1800" dirty="0"/>
+              <a:t>Verifying not robot is also in that page because some bots can DDOS in our system by using in that page.</a:t>
+            </a:r>
+          </a:p>
+          <a:p>
+            <a:pPr>
+              <a:buFont typeface="Wingdings" panose="05000000000000000000" pitchFamily="2" charset="2"/>
+              <a:buChar char="q"/>
+            </a:pPr>
+            <a:r>
+              <a:rPr lang="en-US" sz="1800" dirty="0"/>
+              <a:t>After sending it, the customer will go to back page.</a:t>
+            </a:r>
+          </a:p>
+          <a:p>
+            <a:pPr>
+              <a:buFont typeface="Wingdings" panose="05000000000000000000" pitchFamily="2" charset="2"/>
+              <a:buChar char="q"/>
+            </a:pPr>
+            <a:endParaRPr lang="tr-TR" sz="1800" dirty="0"/>
+          </a:p>
+        </p:txBody>
+      </p:sp>
+      <p:sp>
+        <p:nvSpPr>
+          <p:cNvPr id="4" name="Alt Bilgi Yer Tutucusu 3">
+            <a:extLst>
+              <a:ext uri="{FF2B5EF4-FFF2-40B4-BE49-F238E27FC236}">
+                <a16:creationId xmlns:a16="http://schemas.microsoft.com/office/drawing/2014/main" id="{999A477B-E4F9-46C0-B2C8-788CB525A6FF}"/>
+              </a:ext>
+            </a:extLst>
+          </p:cNvPr>
+          <p:cNvSpPr>
+            <a:spLocks noGrp="1"/>
+          </p:cNvSpPr>
+          <p:nvPr>
+            <p:ph type="ftr" sz="quarter" idx="11"/>
+          </p:nvPr>
+        </p:nvSpPr>
+        <p:spPr>
+          <a:xfrm>
+            <a:off x="4038600" y="6356350"/>
+            <a:ext cx="4114800" cy="365125"/>
+          </a:xfrm>
+        </p:spPr>
+        <p:txBody>
+          <a:bodyPr>
+            <a:normAutofit/>
+          </a:bodyPr>
+          <a:lstStyle/>
+          <a:p>
+            <a:pPr>
+              <a:spcAft>
+                <a:spcPts val="600"/>
+              </a:spcAft>
+            </a:pPr>
+            <a:r>
+              <a:rPr lang="en-US">
+                <a:solidFill>
+                  <a:schemeClr val="tx1">
+                    <a:lumMod val="50000"/>
+                    <a:lumOff val="50000"/>
+                  </a:schemeClr>
+                </a:solidFill>
+              </a:rPr>
+              <a:t>ARU Submarine</a:t>
+            </a:r>
+          </a:p>
+        </p:txBody>
+      </p:sp>
+      <p:sp>
+        <p:nvSpPr>
+          <p:cNvPr id="23" name="Slide Number Placeholder 8">
+            <a:extLst>
+              <a:ext uri="{FF2B5EF4-FFF2-40B4-BE49-F238E27FC236}">
+                <a16:creationId xmlns:a16="http://schemas.microsoft.com/office/drawing/2014/main" id="{04EF2BF7-32CB-4496-998C-2EC211896404}"/>
+              </a:ext>
+            </a:extLst>
+          </p:cNvPr>
+          <p:cNvSpPr txBox="1">
+            <a:spLocks/>
+          </p:cNvSpPr>
+          <p:nvPr/>
+        </p:nvSpPr>
+        <p:spPr>
+          <a:xfrm>
+            <a:off x="10911919" y="6349061"/>
+            <a:ext cx="367666" cy="365125"/>
+          </a:xfrm>
+          <a:prstGeom prst="flowChartConnector">
+            <a:avLst/>
+          </a:prstGeom>
+          <a:solidFill>
+            <a:srgbClr val="85CC18"/>
+          </a:solidFill>
+        </p:spPr>
+        <p:txBody>
+          <a:bodyPr vert="horz" lIns="0" tIns="45720" rIns="0" bIns="45720" rtlCol="0" anchor="ctr"/>
+          <a:lstStyle>
+            <a:defPPr>
+              <a:defRPr lang="en-US"/>
+            </a:defPPr>
+            <a:lvl1pPr marL="0" algn="ctr" defTabSz="914400" rtl="0" eaLnBrk="1" latinLnBrk="0" hangingPunct="1">
+              <a:defRPr sz="900" kern="1200">
+                <a:solidFill>
+                  <a:schemeClr val="bg1"/>
+                </a:solidFill>
+                <a:latin typeface="+mn-lt"/>
+                <a:ea typeface="+mn-ea"/>
+                <a:cs typeface="+mn-cs"/>
+              </a:defRPr>
+            </a:lvl1pPr>
+            <a:lvl2pPr marL="457200" algn="l" defTabSz="914400" rtl="0" eaLnBrk="1" latinLnBrk="0" hangingPunct="1">
+              <a:defRPr sz="1800" kern="1200">
+                <a:solidFill>
+                  <a:schemeClr val="tx1"/>
+                </a:solidFill>
+                <a:latin typeface="+mn-lt"/>
+                <a:ea typeface="+mn-ea"/>
+                <a:cs typeface="+mn-cs"/>
+              </a:defRPr>
+            </a:lvl2pPr>
+            <a:lvl3pPr marL="914400" algn="l" defTabSz="914400" rtl="0" eaLnBrk="1" latinLnBrk="0" hangingPunct="1">
+              <a:defRPr sz="1800" kern="1200">
+                <a:solidFill>
+                  <a:schemeClr val="tx1"/>
+                </a:solidFill>
+                <a:latin typeface="+mn-lt"/>
+                <a:ea typeface="+mn-ea"/>
+                <a:cs typeface="+mn-cs"/>
+              </a:defRPr>
+            </a:lvl3pPr>
+            <a:lvl4pPr marL="1371600" algn="l" defTabSz="914400" rtl="0" eaLnBrk="1" latinLnBrk="0" hangingPunct="1">
+              <a:defRPr sz="1800" kern="1200">
+                <a:solidFill>
+                  <a:schemeClr val="tx1"/>
+                </a:solidFill>
+                <a:latin typeface="+mn-lt"/>
+                <a:ea typeface="+mn-ea"/>
+                <a:cs typeface="+mn-cs"/>
+              </a:defRPr>
+            </a:lvl4pPr>
+            <a:lvl5pPr marL="1828800" algn="l" defTabSz="914400" rtl="0" eaLnBrk="1" latinLnBrk="0" hangingPunct="1">
+              <a:defRPr sz="1800" kern="1200">
+                <a:solidFill>
+                  <a:schemeClr val="tx1"/>
+                </a:solidFill>
+                <a:latin typeface="+mn-lt"/>
+                <a:ea typeface="+mn-ea"/>
+                <a:cs typeface="+mn-cs"/>
+              </a:defRPr>
+            </a:lvl5pPr>
+            <a:lvl6pPr marL="2286000" algn="l" defTabSz="914400" rtl="0" eaLnBrk="1" latinLnBrk="0" hangingPunct="1">
+              <a:defRPr sz="1800" kern="1200">
+                <a:solidFill>
+                  <a:schemeClr val="tx1"/>
+                </a:solidFill>
+                <a:latin typeface="+mn-lt"/>
+                <a:ea typeface="+mn-ea"/>
+                <a:cs typeface="+mn-cs"/>
+              </a:defRPr>
+            </a:lvl6pPr>
+            <a:lvl7pPr marL="2743200" algn="l" defTabSz="914400" rtl="0" eaLnBrk="1" latinLnBrk="0" hangingPunct="1">
+              <a:defRPr sz="1800" kern="1200">
+                <a:solidFill>
+                  <a:schemeClr val="tx1"/>
+                </a:solidFill>
+                <a:latin typeface="+mn-lt"/>
+                <a:ea typeface="+mn-ea"/>
+                <a:cs typeface="+mn-cs"/>
+              </a:defRPr>
+            </a:lvl7pPr>
+            <a:lvl8pPr marL="3200400" algn="l" defTabSz="914400" rtl="0" eaLnBrk="1" latinLnBrk="0" hangingPunct="1">
+              <a:defRPr sz="1800" kern="1200">
+                <a:solidFill>
+                  <a:schemeClr val="tx1"/>
+                </a:solidFill>
+                <a:latin typeface="+mn-lt"/>
+                <a:ea typeface="+mn-ea"/>
+                <a:cs typeface="+mn-cs"/>
+              </a:defRPr>
+            </a:lvl8pPr>
+            <a:lvl9pPr marL="3657600" algn="l" defTabSz="914400" rtl="0" eaLnBrk="1" latinLnBrk="0" hangingPunct="1">
+              <a:defRPr sz="1800" kern="1200">
+                <a:solidFill>
+                  <a:schemeClr val="tx1"/>
+                </a:solidFill>
+                <a:latin typeface="+mn-lt"/>
+                <a:ea typeface="+mn-ea"/>
+                <a:cs typeface="+mn-cs"/>
+              </a:defRPr>
+            </a:lvl9pPr>
+          </a:lstStyle>
+          <a:p>
+            <a:fld id="{3DE3E19F-02C1-4219-A00A-045ED18507E8}" type="slidenum">
+              <a:rPr lang="en-US" smtClean="0"/>
+              <a:pPr/>
+              <a:t>19</a:t>
+            </a:fld>
+            <a:endParaRPr lang="en-US"/>
+          </a:p>
+        </p:txBody>
+      </p:sp>
+      <p:pic>
+        <p:nvPicPr>
+          <p:cNvPr id="7" name="Resim 6">
+            <a:extLst>
+              <a:ext uri="{FF2B5EF4-FFF2-40B4-BE49-F238E27FC236}">
+                <a16:creationId xmlns:a16="http://schemas.microsoft.com/office/drawing/2014/main" id="{A6FCC474-5D8F-4377-992B-C0769D24FD15}"/>
+              </a:ext>
+            </a:extLst>
+          </p:cNvPr>
+          <p:cNvPicPr>
+            <a:picLocks noChangeAspect="1"/>
+          </p:cNvPicPr>
+          <p:nvPr/>
+        </p:nvPicPr>
+        <p:blipFill>
+          <a:blip r:embed="rId2"/>
+          <a:stretch>
+            <a:fillRect/>
+          </a:stretch>
+        </p:blipFill>
+        <p:spPr>
+          <a:xfrm>
+            <a:off x="1028701" y="1721922"/>
+            <a:ext cx="5303224" cy="4258254"/>
+          </a:xfrm>
+          <a:prstGeom prst="rect">
+            <a:avLst/>
+          </a:prstGeom>
+        </p:spPr>
+      </p:pic>
+    </p:spTree>
+    <p:extLst>
+      <p:ext uri="{BB962C8B-B14F-4D97-AF65-F5344CB8AC3E}">
+        <p14:creationId xmlns:p14="http://schemas.microsoft.com/office/powerpoint/2010/main" val="2257390193"/>
       </p:ext>
     </p:extLst>
   </p:cSld>
@@ -5763,6 +7772,1206 @@
     <p:extLst>
       <p:ext uri="{BB962C8B-B14F-4D97-AF65-F5344CB8AC3E}">
         <p14:creationId xmlns:p14="http://schemas.microsoft.com/office/powerpoint/2010/main" val="3415494952"/>
+      </p:ext>
+    </p:extLst>
+  </p:cSld>
+  <p:clrMapOvr>
+    <a:masterClrMapping/>
+  </p:clrMapOvr>
+</p:sld>
+</file>
+
+<file path=ppt/slides/slide20.xml><?xml version="1.0" encoding="utf-8"?>
+<p:sld xmlns:a="http://schemas.openxmlformats.org/drawingml/2006/main" xmlns:r="http://schemas.openxmlformats.org/officeDocument/2006/relationships" xmlns:p="http://schemas.openxmlformats.org/presentationml/2006/main">
+  <p:cSld>
+    <p:spTree>
+      <p:nvGrpSpPr>
+        <p:cNvPr id="1" name=""/>
+        <p:cNvGrpSpPr/>
+        <p:nvPr/>
+      </p:nvGrpSpPr>
+      <p:grpSpPr>
+        <a:xfrm>
+          <a:off x="0" y="0"/>
+          <a:ext cx="0" cy="0"/>
+          <a:chOff x="0" y="0"/>
+          <a:chExt cx="0" cy="0"/>
+        </a:xfrm>
+      </p:grpSpPr>
+      <p:sp>
+        <p:nvSpPr>
+          <p:cNvPr id="2" name="Başlık 1">
+            <a:extLst>
+              <a:ext uri="{FF2B5EF4-FFF2-40B4-BE49-F238E27FC236}">
+                <a16:creationId xmlns:a16="http://schemas.microsoft.com/office/drawing/2014/main" id="{836E7814-FF08-4377-A509-67825A527CB2}"/>
+              </a:ext>
+            </a:extLst>
+          </p:cNvPr>
+          <p:cNvSpPr>
+            <a:spLocks noGrp="1"/>
+          </p:cNvSpPr>
+          <p:nvPr>
+            <p:ph type="title"/>
+          </p:nvPr>
+        </p:nvSpPr>
+        <p:spPr>
+          <a:xfrm>
+            <a:off x="429768" y="411480"/>
+            <a:ext cx="11201400" cy="685799"/>
+          </a:xfrm>
+        </p:spPr>
+        <p:txBody>
+          <a:bodyPr>
+            <a:normAutofit fontScale="90000"/>
+          </a:bodyPr>
+          <a:lstStyle/>
+          <a:p>
+            <a:r>
+              <a:rPr lang="en-US" dirty="0"/>
+              <a:t>Page 15 – Customer – Type Message or Call Us</a:t>
+            </a:r>
+            <a:endParaRPr lang="tr-TR" dirty="0"/>
+          </a:p>
+        </p:txBody>
+      </p:sp>
+      <p:sp>
+        <p:nvSpPr>
+          <p:cNvPr id="3" name="İçerik Yer Tutucusu 2">
+            <a:extLst>
+              <a:ext uri="{FF2B5EF4-FFF2-40B4-BE49-F238E27FC236}">
+                <a16:creationId xmlns:a16="http://schemas.microsoft.com/office/drawing/2014/main" id="{CCD55640-FB69-450A-8F9B-6ECAD5BC35BD}"/>
+              </a:ext>
+            </a:extLst>
+          </p:cNvPr>
+          <p:cNvSpPr>
+            <a:spLocks noGrp="1"/>
+          </p:cNvSpPr>
+          <p:nvPr>
+            <p:ph idx="1"/>
+          </p:nvPr>
+        </p:nvSpPr>
+        <p:spPr>
+          <a:xfrm>
+            <a:off x="7938752" y="1721922"/>
+            <a:ext cx="3455097" cy="4258254"/>
+          </a:xfrm>
+        </p:spPr>
+        <p:txBody>
+          <a:bodyPr anchor="ctr">
+            <a:normAutofit/>
+          </a:bodyPr>
+          <a:lstStyle/>
+          <a:p>
+            <a:pPr>
+              <a:buFont typeface="Wingdings" panose="05000000000000000000" pitchFamily="2" charset="2"/>
+              <a:buChar char="q"/>
+            </a:pPr>
+            <a:r>
+              <a:rPr lang="en-US" sz="1800" dirty="0"/>
+              <a:t>If customers want to type some message, call about the money or something, he can call our company, but he must know company’s address, phone number, email.</a:t>
+            </a:r>
+          </a:p>
+          <a:p>
+            <a:pPr>
+              <a:buFont typeface="Wingdings" panose="05000000000000000000" pitchFamily="2" charset="2"/>
+              <a:buChar char="q"/>
+            </a:pPr>
+            <a:r>
+              <a:rPr lang="en-US" sz="1800" dirty="0"/>
+              <a:t>This page is for these customers who want to type or call the company.</a:t>
+            </a:r>
+            <a:endParaRPr lang="tr-TR" sz="1800" dirty="0"/>
+          </a:p>
+        </p:txBody>
+      </p:sp>
+      <p:sp>
+        <p:nvSpPr>
+          <p:cNvPr id="4" name="Alt Bilgi Yer Tutucusu 3">
+            <a:extLst>
+              <a:ext uri="{FF2B5EF4-FFF2-40B4-BE49-F238E27FC236}">
+                <a16:creationId xmlns:a16="http://schemas.microsoft.com/office/drawing/2014/main" id="{999A477B-E4F9-46C0-B2C8-788CB525A6FF}"/>
+              </a:ext>
+            </a:extLst>
+          </p:cNvPr>
+          <p:cNvSpPr>
+            <a:spLocks noGrp="1"/>
+          </p:cNvSpPr>
+          <p:nvPr>
+            <p:ph type="ftr" sz="quarter" idx="11"/>
+          </p:nvPr>
+        </p:nvSpPr>
+        <p:spPr>
+          <a:xfrm>
+            <a:off x="4038600" y="6356350"/>
+            <a:ext cx="4114800" cy="365125"/>
+          </a:xfrm>
+        </p:spPr>
+        <p:txBody>
+          <a:bodyPr>
+            <a:normAutofit/>
+          </a:bodyPr>
+          <a:lstStyle/>
+          <a:p>
+            <a:pPr>
+              <a:spcAft>
+                <a:spcPts val="600"/>
+              </a:spcAft>
+            </a:pPr>
+            <a:r>
+              <a:rPr lang="en-US">
+                <a:solidFill>
+                  <a:schemeClr val="tx1">
+                    <a:lumMod val="50000"/>
+                    <a:lumOff val="50000"/>
+                  </a:schemeClr>
+                </a:solidFill>
+              </a:rPr>
+              <a:t>ARU Submarine</a:t>
+            </a:r>
+          </a:p>
+        </p:txBody>
+      </p:sp>
+      <p:sp>
+        <p:nvSpPr>
+          <p:cNvPr id="23" name="Slide Number Placeholder 8">
+            <a:extLst>
+              <a:ext uri="{FF2B5EF4-FFF2-40B4-BE49-F238E27FC236}">
+                <a16:creationId xmlns:a16="http://schemas.microsoft.com/office/drawing/2014/main" id="{04EF2BF7-32CB-4496-998C-2EC211896404}"/>
+              </a:ext>
+            </a:extLst>
+          </p:cNvPr>
+          <p:cNvSpPr txBox="1">
+            <a:spLocks/>
+          </p:cNvSpPr>
+          <p:nvPr/>
+        </p:nvSpPr>
+        <p:spPr>
+          <a:xfrm>
+            <a:off x="10911919" y="6349061"/>
+            <a:ext cx="367666" cy="365125"/>
+          </a:xfrm>
+          <a:prstGeom prst="flowChartConnector">
+            <a:avLst/>
+          </a:prstGeom>
+          <a:solidFill>
+            <a:srgbClr val="85CC18"/>
+          </a:solidFill>
+        </p:spPr>
+        <p:txBody>
+          <a:bodyPr vert="horz" lIns="0" tIns="45720" rIns="0" bIns="45720" rtlCol="0" anchor="ctr"/>
+          <a:lstStyle>
+            <a:defPPr>
+              <a:defRPr lang="en-US"/>
+            </a:defPPr>
+            <a:lvl1pPr marL="0" algn="ctr" defTabSz="914400" rtl="0" eaLnBrk="1" latinLnBrk="0" hangingPunct="1">
+              <a:defRPr sz="900" kern="1200">
+                <a:solidFill>
+                  <a:schemeClr val="bg1"/>
+                </a:solidFill>
+                <a:latin typeface="+mn-lt"/>
+                <a:ea typeface="+mn-ea"/>
+                <a:cs typeface="+mn-cs"/>
+              </a:defRPr>
+            </a:lvl1pPr>
+            <a:lvl2pPr marL="457200" algn="l" defTabSz="914400" rtl="0" eaLnBrk="1" latinLnBrk="0" hangingPunct="1">
+              <a:defRPr sz="1800" kern="1200">
+                <a:solidFill>
+                  <a:schemeClr val="tx1"/>
+                </a:solidFill>
+                <a:latin typeface="+mn-lt"/>
+                <a:ea typeface="+mn-ea"/>
+                <a:cs typeface="+mn-cs"/>
+              </a:defRPr>
+            </a:lvl2pPr>
+            <a:lvl3pPr marL="914400" algn="l" defTabSz="914400" rtl="0" eaLnBrk="1" latinLnBrk="0" hangingPunct="1">
+              <a:defRPr sz="1800" kern="1200">
+                <a:solidFill>
+                  <a:schemeClr val="tx1"/>
+                </a:solidFill>
+                <a:latin typeface="+mn-lt"/>
+                <a:ea typeface="+mn-ea"/>
+                <a:cs typeface="+mn-cs"/>
+              </a:defRPr>
+            </a:lvl3pPr>
+            <a:lvl4pPr marL="1371600" algn="l" defTabSz="914400" rtl="0" eaLnBrk="1" latinLnBrk="0" hangingPunct="1">
+              <a:defRPr sz="1800" kern="1200">
+                <a:solidFill>
+                  <a:schemeClr val="tx1"/>
+                </a:solidFill>
+                <a:latin typeface="+mn-lt"/>
+                <a:ea typeface="+mn-ea"/>
+                <a:cs typeface="+mn-cs"/>
+              </a:defRPr>
+            </a:lvl4pPr>
+            <a:lvl5pPr marL="1828800" algn="l" defTabSz="914400" rtl="0" eaLnBrk="1" latinLnBrk="0" hangingPunct="1">
+              <a:defRPr sz="1800" kern="1200">
+                <a:solidFill>
+                  <a:schemeClr val="tx1"/>
+                </a:solidFill>
+                <a:latin typeface="+mn-lt"/>
+                <a:ea typeface="+mn-ea"/>
+                <a:cs typeface="+mn-cs"/>
+              </a:defRPr>
+            </a:lvl5pPr>
+            <a:lvl6pPr marL="2286000" algn="l" defTabSz="914400" rtl="0" eaLnBrk="1" latinLnBrk="0" hangingPunct="1">
+              <a:defRPr sz="1800" kern="1200">
+                <a:solidFill>
+                  <a:schemeClr val="tx1"/>
+                </a:solidFill>
+                <a:latin typeface="+mn-lt"/>
+                <a:ea typeface="+mn-ea"/>
+                <a:cs typeface="+mn-cs"/>
+              </a:defRPr>
+            </a:lvl6pPr>
+            <a:lvl7pPr marL="2743200" algn="l" defTabSz="914400" rtl="0" eaLnBrk="1" latinLnBrk="0" hangingPunct="1">
+              <a:defRPr sz="1800" kern="1200">
+                <a:solidFill>
+                  <a:schemeClr val="tx1"/>
+                </a:solidFill>
+                <a:latin typeface="+mn-lt"/>
+                <a:ea typeface="+mn-ea"/>
+                <a:cs typeface="+mn-cs"/>
+              </a:defRPr>
+            </a:lvl7pPr>
+            <a:lvl8pPr marL="3200400" algn="l" defTabSz="914400" rtl="0" eaLnBrk="1" latinLnBrk="0" hangingPunct="1">
+              <a:defRPr sz="1800" kern="1200">
+                <a:solidFill>
+                  <a:schemeClr val="tx1"/>
+                </a:solidFill>
+                <a:latin typeface="+mn-lt"/>
+                <a:ea typeface="+mn-ea"/>
+                <a:cs typeface="+mn-cs"/>
+              </a:defRPr>
+            </a:lvl8pPr>
+            <a:lvl9pPr marL="3657600" algn="l" defTabSz="914400" rtl="0" eaLnBrk="1" latinLnBrk="0" hangingPunct="1">
+              <a:defRPr sz="1800" kern="1200">
+                <a:solidFill>
+                  <a:schemeClr val="tx1"/>
+                </a:solidFill>
+                <a:latin typeface="+mn-lt"/>
+                <a:ea typeface="+mn-ea"/>
+                <a:cs typeface="+mn-cs"/>
+              </a:defRPr>
+            </a:lvl9pPr>
+          </a:lstStyle>
+          <a:p>
+            <a:fld id="{3DE3E19F-02C1-4219-A00A-045ED18507E8}" type="slidenum">
+              <a:rPr lang="en-US" smtClean="0"/>
+              <a:pPr/>
+              <a:t>20</a:t>
+            </a:fld>
+            <a:endParaRPr lang="en-US"/>
+          </a:p>
+        </p:txBody>
+      </p:sp>
+      <p:pic>
+        <p:nvPicPr>
+          <p:cNvPr id="8" name="Resim 7">
+            <a:extLst>
+              <a:ext uri="{FF2B5EF4-FFF2-40B4-BE49-F238E27FC236}">
+                <a16:creationId xmlns:a16="http://schemas.microsoft.com/office/drawing/2014/main" id="{B8123376-3016-476A-8DB7-9480E547D948}"/>
+              </a:ext>
+            </a:extLst>
+          </p:cNvPr>
+          <p:cNvPicPr>
+            <a:picLocks noChangeAspect="1"/>
+          </p:cNvPicPr>
+          <p:nvPr/>
+        </p:nvPicPr>
+        <p:blipFill>
+          <a:blip r:embed="rId2"/>
+          <a:stretch>
+            <a:fillRect/>
+          </a:stretch>
+        </p:blipFill>
+        <p:spPr>
+          <a:xfrm>
+            <a:off x="798151" y="1867064"/>
+            <a:ext cx="5892935" cy="3743402"/>
+          </a:xfrm>
+          <a:prstGeom prst="rect">
+            <a:avLst/>
+          </a:prstGeom>
+        </p:spPr>
+      </p:pic>
+    </p:spTree>
+    <p:extLst>
+      <p:ext uri="{BB962C8B-B14F-4D97-AF65-F5344CB8AC3E}">
+        <p14:creationId xmlns:p14="http://schemas.microsoft.com/office/powerpoint/2010/main" val="888366139"/>
+      </p:ext>
+    </p:extLst>
+  </p:cSld>
+  <p:clrMapOvr>
+    <a:masterClrMapping/>
+  </p:clrMapOvr>
+</p:sld>
+</file>
+
+<file path=ppt/slides/slide21.xml><?xml version="1.0" encoding="utf-8"?>
+<p:sld xmlns:a="http://schemas.openxmlformats.org/drawingml/2006/main" xmlns:r="http://schemas.openxmlformats.org/officeDocument/2006/relationships" xmlns:p="http://schemas.openxmlformats.org/presentationml/2006/main">
+  <p:cSld>
+    <p:spTree>
+      <p:nvGrpSpPr>
+        <p:cNvPr id="1" name=""/>
+        <p:cNvGrpSpPr/>
+        <p:nvPr/>
+      </p:nvGrpSpPr>
+      <p:grpSpPr>
+        <a:xfrm>
+          <a:off x="0" y="0"/>
+          <a:ext cx="0" cy="0"/>
+          <a:chOff x="0" y="0"/>
+          <a:chExt cx="0" cy="0"/>
+        </a:xfrm>
+      </p:grpSpPr>
+      <p:sp>
+        <p:nvSpPr>
+          <p:cNvPr id="2" name="Başlık 1">
+            <a:extLst>
+              <a:ext uri="{FF2B5EF4-FFF2-40B4-BE49-F238E27FC236}">
+                <a16:creationId xmlns:a16="http://schemas.microsoft.com/office/drawing/2014/main" id="{836E7814-FF08-4377-A509-67825A527CB2}"/>
+              </a:ext>
+            </a:extLst>
+          </p:cNvPr>
+          <p:cNvSpPr>
+            <a:spLocks noGrp="1"/>
+          </p:cNvSpPr>
+          <p:nvPr>
+            <p:ph type="title"/>
+          </p:nvPr>
+        </p:nvSpPr>
+        <p:spPr>
+          <a:xfrm>
+            <a:off x="429768" y="411480"/>
+            <a:ext cx="11201400" cy="685799"/>
+          </a:xfrm>
+        </p:spPr>
+        <p:txBody>
+          <a:bodyPr>
+            <a:normAutofit fontScale="90000"/>
+          </a:bodyPr>
+          <a:lstStyle/>
+          <a:p>
+            <a:r>
+              <a:rPr lang="en-US" dirty="0"/>
+              <a:t>Page 16 – Customer – Get your ticket before trip</a:t>
+            </a:r>
+            <a:endParaRPr lang="tr-TR" dirty="0"/>
+          </a:p>
+        </p:txBody>
+      </p:sp>
+      <p:sp>
+        <p:nvSpPr>
+          <p:cNvPr id="3" name="İçerik Yer Tutucusu 2">
+            <a:extLst>
+              <a:ext uri="{FF2B5EF4-FFF2-40B4-BE49-F238E27FC236}">
+                <a16:creationId xmlns:a16="http://schemas.microsoft.com/office/drawing/2014/main" id="{CCD55640-FB69-450A-8F9B-6ECAD5BC35BD}"/>
+              </a:ext>
+            </a:extLst>
+          </p:cNvPr>
+          <p:cNvSpPr>
+            <a:spLocks noGrp="1"/>
+          </p:cNvSpPr>
+          <p:nvPr>
+            <p:ph idx="1"/>
+          </p:nvPr>
+        </p:nvSpPr>
+        <p:spPr>
+          <a:xfrm>
+            <a:off x="7938752" y="1721922"/>
+            <a:ext cx="3455097" cy="4258254"/>
+          </a:xfrm>
+        </p:spPr>
+        <p:txBody>
+          <a:bodyPr anchor="ctr">
+            <a:normAutofit/>
+          </a:bodyPr>
+          <a:lstStyle/>
+          <a:p>
+            <a:pPr>
+              <a:buFont typeface="Wingdings" panose="05000000000000000000" pitchFamily="2" charset="2"/>
+              <a:buChar char="q"/>
+            </a:pPr>
+            <a:r>
+              <a:rPr lang="en-US" sz="1800" dirty="0"/>
+              <a:t>If customers want to join the trip, he must type his information in that page by </a:t>
+            </a:r>
+            <a:r>
+              <a:rPr lang="en-US" sz="1800" dirty="0" err="1"/>
+              <a:t>lineEdits</a:t>
+            </a:r>
+            <a:r>
+              <a:rPr lang="en-US" sz="1800" dirty="0"/>
+              <a:t>. This information will store in the databases such as ideas, donations, trip locations…</a:t>
+            </a:r>
+          </a:p>
+          <a:p>
+            <a:pPr>
+              <a:buFont typeface="Wingdings" panose="05000000000000000000" pitchFamily="2" charset="2"/>
+              <a:buChar char="q"/>
+            </a:pPr>
+            <a:r>
+              <a:rPr lang="en-US" sz="1800" dirty="0"/>
+              <a:t>After choosing the location customer can choose his type like economy, first class </a:t>
+            </a:r>
+            <a:r>
+              <a:rPr lang="en-US" sz="1800" dirty="0" err="1"/>
+              <a:t>etc</a:t>
+            </a:r>
+            <a:r>
+              <a:rPr lang="en-US" sz="1800" dirty="0"/>
+              <a:t>…</a:t>
+            </a:r>
+          </a:p>
+          <a:p>
+            <a:pPr>
+              <a:buFont typeface="Wingdings" panose="05000000000000000000" pitchFamily="2" charset="2"/>
+              <a:buChar char="q"/>
+            </a:pPr>
+            <a:r>
+              <a:rPr lang="en-US" sz="1800" dirty="0"/>
+              <a:t>After all he will be part of us.</a:t>
+            </a:r>
+            <a:endParaRPr lang="tr-TR" sz="1800" dirty="0"/>
+          </a:p>
+        </p:txBody>
+      </p:sp>
+      <p:sp>
+        <p:nvSpPr>
+          <p:cNvPr id="4" name="Alt Bilgi Yer Tutucusu 3">
+            <a:extLst>
+              <a:ext uri="{FF2B5EF4-FFF2-40B4-BE49-F238E27FC236}">
+                <a16:creationId xmlns:a16="http://schemas.microsoft.com/office/drawing/2014/main" id="{999A477B-E4F9-46C0-B2C8-788CB525A6FF}"/>
+              </a:ext>
+            </a:extLst>
+          </p:cNvPr>
+          <p:cNvSpPr>
+            <a:spLocks noGrp="1"/>
+          </p:cNvSpPr>
+          <p:nvPr>
+            <p:ph type="ftr" sz="quarter" idx="11"/>
+          </p:nvPr>
+        </p:nvSpPr>
+        <p:spPr>
+          <a:xfrm>
+            <a:off x="4038600" y="6356350"/>
+            <a:ext cx="4114800" cy="365125"/>
+          </a:xfrm>
+        </p:spPr>
+        <p:txBody>
+          <a:bodyPr>
+            <a:normAutofit/>
+          </a:bodyPr>
+          <a:lstStyle/>
+          <a:p>
+            <a:pPr>
+              <a:spcAft>
+                <a:spcPts val="600"/>
+              </a:spcAft>
+            </a:pPr>
+            <a:r>
+              <a:rPr lang="en-US">
+                <a:solidFill>
+                  <a:schemeClr val="tx1">
+                    <a:lumMod val="50000"/>
+                    <a:lumOff val="50000"/>
+                  </a:schemeClr>
+                </a:solidFill>
+              </a:rPr>
+              <a:t>ARU Submarine</a:t>
+            </a:r>
+          </a:p>
+        </p:txBody>
+      </p:sp>
+      <p:sp>
+        <p:nvSpPr>
+          <p:cNvPr id="23" name="Slide Number Placeholder 8">
+            <a:extLst>
+              <a:ext uri="{FF2B5EF4-FFF2-40B4-BE49-F238E27FC236}">
+                <a16:creationId xmlns:a16="http://schemas.microsoft.com/office/drawing/2014/main" id="{04EF2BF7-32CB-4496-998C-2EC211896404}"/>
+              </a:ext>
+            </a:extLst>
+          </p:cNvPr>
+          <p:cNvSpPr txBox="1">
+            <a:spLocks/>
+          </p:cNvSpPr>
+          <p:nvPr/>
+        </p:nvSpPr>
+        <p:spPr>
+          <a:xfrm>
+            <a:off x="10911919" y="6349061"/>
+            <a:ext cx="367666" cy="365125"/>
+          </a:xfrm>
+          <a:prstGeom prst="flowChartConnector">
+            <a:avLst/>
+          </a:prstGeom>
+          <a:solidFill>
+            <a:srgbClr val="85CC18"/>
+          </a:solidFill>
+        </p:spPr>
+        <p:txBody>
+          <a:bodyPr vert="horz" lIns="0" tIns="45720" rIns="0" bIns="45720" rtlCol="0" anchor="ctr"/>
+          <a:lstStyle>
+            <a:defPPr>
+              <a:defRPr lang="en-US"/>
+            </a:defPPr>
+            <a:lvl1pPr marL="0" algn="ctr" defTabSz="914400" rtl="0" eaLnBrk="1" latinLnBrk="0" hangingPunct="1">
+              <a:defRPr sz="900" kern="1200">
+                <a:solidFill>
+                  <a:schemeClr val="bg1"/>
+                </a:solidFill>
+                <a:latin typeface="+mn-lt"/>
+                <a:ea typeface="+mn-ea"/>
+                <a:cs typeface="+mn-cs"/>
+              </a:defRPr>
+            </a:lvl1pPr>
+            <a:lvl2pPr marL="457200" algn="l" defTabSz="914400" rtl="0" eaLnBrk="1" latinLnBrk="0" hangingPunct="1">
+              <a:defRPr sz="1800" kern="1200">
+                <a:solidFill>
+                  <a:schemeClr val="tx1"/>
+                </a:solidFill>
+                <a:latin typeface="+mn-lt"/>
+                <a:ea typeface="+mn-ea"/>
+                <a:cs typeface="+mn-cs"/>
+              </a:defRPr>
+            </a:lvl2pPr>
+            <a:lvl3pPr marL="914400" algn="l" defTabSz="914400" rtl="0" eaLnBrk="1" latinLnBrk="0" hangingPunct="1">
+              <a:defRPr sz="1800" kern="1200">
+                <a:solidFill>
+                  <a:schemeClr val="tx1"/>
+                </a:solidFill>
+                <a:latin typeface="+mn-lt"/>
+                <a:ea typeface="+mn-ea"/>
+                <a:cs typeface="+mn-cs"/>
+              </a:defRPr>
+            </a:lvl3pPr>
+            <a:lvl4pPr marL="1371600" algn="l" defTabSz="914400" rtl="0" eaLnBrk="1" latinLnBrk="0" hangingPunct="1">
+              <a:defRPr sz="1800" kern="1200">
+                <a:solidFill>
+                  <a:schemeClr val="tx1"/>
+                </a:solidFill>
+                <a:latin typeface="+mn-lt"/>
+                <a:ea typeface="+mn-ea"/>
+                <a:cs typeface="+mn-cs"/>
+              </a:defRPr>
+            </a:lvl4pPr>
+            <a:lvl5pPr marL="1828800" algn="l" defTabSz="914400" rtl="0" eaLnBrk="1" latinLnBrk="0" hangingPunct="1">
+              <a:defRPr sz="1800" kern="1200">
+                <a:solidFill>
+                  <a:schemeClr val="tx1"/>
+                </a:solidFill>
+                <a:latin typeface="+mn-lt"/>
+                <a:ea typeface="+mn-ea"/>
+                <a:cs typeface="+mn-cs"/>
+              </a:defRPr>
+            </a:lvl5pPr>
+            <a:lvl6pPr marL="2286000" algn="l" defTabSz="914400" rtl="0" eaLnBrk="1" latinLnBrk="0" hangingPunct="1">
+              <a:defRPr sz="1800" kern="1200">
+                <a:solidFill>
+                  <a:schemeClr val="tx1"/>
+                </a:solidFill>
+                <a:latin typeface="+mn-lt"/>
+                <a:ea typeface="+mn-ea"/>
+                <a:cs typeface="+mn-cs"/>
+              </a:defRPr>
+            </a:lvl6pPr>
+            <a:lvl7pPr marL="2743200" algn="l" defTabSz="914400" rtl="0" eaLnBrk="1" latinLnBrk="0" hangingPunct="1">
+              <a:defRPr sz="1800" kern="1200">
+                <a:solidFill>
+                  <a:schemeClr val="tx1"/>
+                </a:solidFill>
+                <a:latin typeface="+mn-lt"/>
+                <a:ea typeface="+mn-ea"/>
+                <a:cs typeface="+mn-cs"/>
+              </a:defRPr>
+            </a:lvl7pPr>
+            <a:lvl8pPr marL="3200400" algn="l" defTabSz="914400" rtl="0" eaLnBrk="1" latinLnBrk="0" hangingPunct="1">
+              <a:defRPr sz="1800" kern="1200">
+                <a:solidFill>
+                  <a:schemeClr val="tx1"/>
+                </a:solidFill>
+                <a:latin typeface="+mn-lt"/>
+                <a:ea typeface="+mn-ea"/>
+                <a:cs typeface="+mn-cs"/>
+              </a:defRPr>
+            </a:lvl8pPr>
+            <a:lvl9pPr marL="3657600" algn="l" defTabSz="914400" rtl="0" eaLnBrk="1" latinLnBrk="0" hangingPunct="1">
+              <a:defRPr sz="1800" kern="1200">
+                <a:solidFill>
+                  <a:schemeClr val="tx1"/>
+                </a:solidFill>
+                <a:latin typeface="+mn-lt"/>
+                <a:ea typeface="+mn-ea"/>
+                <a:cs typeface="+mn-cs"/>
+              </a:defRPr>
+            </a:lvl9pPr>
+          </a:lstStyle>
+          <a:p>
+            <a:fld id="{3DE3E19F-02C1-4219-A00A-045ED18507E8}" type="slidenum">
+              <a:rPr lang="en-US" smtClean="0"/>
+              <a:pPr/>
+              <a:t>21</a:t>
+            </a:fld>
+            <a:endParaRPr lang="en-US"/>
+          </a:p>
+        </p:txBody>
+      </p:sp>
+      <p:pic>
+        <p:nvPicPr>
+          <p:cNvPr id="7" name="Resim 6">
+            <a:extLst>
+              <a:ext uri="{FF2B5EF4-FFF2-40B4-BE49-F238E27FC236}">
+                <a16:creationId xmlns:a16="http://schemas.microsoft.com/office/drawing/2014/main" id="{6CA35AA4-19F5-448C-AE43-C726A5CDFA6C}"/>
+              </a:ext>
+            </a:extLst>
+          </p:cNvPr>
+          <p:cNvPicPr>
+            <a:picLocks noChangeAspect="1"/>
+          </p:cNvPicPr>
+          <p:nvPr/>
+        </p:nvPicPr>
+        <p:blipFill>
+          <a:blip r:embed="rId2"/>
+          <a:stretch>
+            <a:fillRect/>
+          </a:stretch>
+        </p:blipFill>
+        <p:spPr>
+          <a:xfrm>
+            <a:off x="1396639" y="1434781"/>
+            <a:ext cx="3668848" cy="4832535"/>
+          </a:xfrm>
+          <a:prstGeom prst="rect">
+            <a:avLst/>
+          </a:prstGeom>
+        </p:spPr>
+      </p:pic>
+    </p:spTree>
+    <p:extLst>
+      <p:ext uri="{BB962C8B-B14F-4D97-AF65-F5344CB8AC3E}">
+        <p14:creationId xmlns:p14="http://schemas.microsoft.com/office/powerpoint/2010/main" val="1880181149"/>
+      </p:ext>
+    </p:extLst>
+  </p:cSld>
+  <p:clrMapOvr>
+    <a:masterClrMapping/>
+  </p:clrMapOvr>
+</p:sld>
+</file>
+
+<file path=ppt/slides/slide22.xml><?xml version="1.0" encoding="utf-8"?>
+<p:sld xmlns:a="http://schemas.openxmlformats.org/drawingml/2006/main" xmlns:r="http://schemas.openxmlformats.org/officeDocument/2006/relationships" xmlns:p="http://schemas.openxmlformats.org/presentationml/2006/main">
+  <p:cSld>
+    <p:spTree>
+      <p:nvGrpSpPr>
+        <p:cNvPr id="1" name=""/>
+        <p:cNvGrpSpPr/>
+        <p:nvPr/>
+      </p:nvGrpSpPr>
+      <p:grpSpPr>
+        <a:xfrm>
+          <a:off x="0" y="0"/>
+          <a:ext cx="0" cy="0"/>
+          <a:chOff x="0" y="0"/>
+          <a:chExt cx="0" cy="0"/>
+        </a:xfrm>
+      </p:grpSpPr>
+      <p:sp>
+        <p:nvSpPr>
+          <p:cNvPr id="2" name="Başlık 1">
+            <a:extLst>
+              <a:ext uri="{FF2B5EF4-FFF2-40B4-BE49-F238E27FC236}">
+                <a16:creationId xmlns:a16="http://schemas.microsoft.com/office/drawing/2014/main" id="{836E7814-FF08-4377-A509-67825A527CB2}"/>
+              </a:ext>
+            </a:extLst>
+          </p:cNvPr>
+          <p:cNvSpPr>
+            <a:spLocks noGrp="1"/>
+          </p:cNvSpPr>
+          <p:nvPr>
+            <p:ph type="title"/>
+          </p:nvPr>
+        </p:nvSpPr>
+        <p:spPr>
+          <a:xfrm>
+            <a:off x="429768" y="411480"/>
+            <a:ext cx="11201400" cy="685799"/>
+          </a:xfrm>
+        </p:spPr>
+        <p:txBody>
+          <a:bodyPr>
+            <a:normAutofit fontScale="90000"/>
+          </a:bodyPr>
+          <a:lstStyle/>
+          <a:p>
+            <a:r>
+              <a:rPr lang="en-US" dirty="0"/>
+              <a:t>Page 17 – Customer – My favorite part </a:t>
+            </a:r>
+            <a:r>
+              <a:rPr lang="en-US" dirty="0">
+                <a:sym typeface="Wingdings" panose="05000000000000000000" pitchFamily="2" charset="2"/>
+              </a:rPr>
+              <a:t></a:t>
+            </a:r>
+            <a:endParaRPr lang="tr-TR" dirty="0"/>
+          </a:p>
+        </p:txBody>
+      </p:sp>
+      <p:sp>
+        <p:nvSpPr>
+          <p:cNvPr id="3" name="İçerik Yer Tutucusu 2">
+            <a:extLst>
+              <a:ext uri="{FF2B5EF4-FFF2-40B4-BE49-F238E27FC236}">
+                <a16:creationId xmlns:a16="http://schemas.microsoft.com/office/drawing/2014/main" id="{CCD55640-FB69-450A-8F9B-6ECAD5BC35BD}"/>
+              </a:ext>
+            </a:extLst>
+          </p:cNvPr>
+          <p:cNvSpPr>
+            <a:spLocks noGrp="1"/>
+          </p:cNvSpPr>
+          <p:nvPr>
+            <p:ph idx="1"/>
+          </p:nvPr>
+        </p:nvSpPr>
+        <p:spPr>
+          <a:xfrm>
+            <a:off x="7938752" y="1721922"/>
+            <a:ext cx="3455097" cy="4258254"/>
+          </a:xfrm>
+        </p:spPr>
+        <p:txBody>
+          <a:bodyPr anchor="ctr">
+            <a:normAutofit/>
+          </a:bodyPr>
+          <a:lstStyle/>
+          <a:p>
+            <a:pPr>
+              <a:buFont typeface="Wingdings" panose="05000000000000000000" pitchFamily="2" charset="2"/>
+              <a:buChar char="q"/>
+            </a:pPr>
+            <a:r>
+              <a:rPr lang="en-US" sz="1800" dirty="0"/>
+              <a:t>If customers want to type some message, call about the money or something, he can call our company, but he must know company’s address, phone number, email.</a:t>
+            </a:r>
+          </a:p>
+          <a:p>
+            <a:pPr>
+              <a:buFont typeface="Wingdings" panose="05000000000000000000" pitchFamily="2" charset="2"/>
+              <a:buChar char="q"/>
+            </a:pPr>
+            <a:r>
+              <a:rPr lang="en-US" sz="1800" dirty="0"/>
+              <a:t>This page is for these customers who want to type or call the company.</a:t>
+            </a:r>
+            <a:endParaRPr lang="tr-TR" sz="1800" dirty="0"/>
+          </a:p>
+        </p:txBody>
+      </p:sp>
+      <p:sp>
+        <p:nvSpPr>
+          <p:cNvPr id="4" name="Alt Bilgi Yer Tutucusu 3">
+            <a:extLst>
+              <a:ext uri="{FF2B5EF4-FFF2-40B4-BE49-F238E27FC236}">
+                <a16:creationId xmlns:a16="http://schemas.microsoft.com/office/drawing/2014/main" id="{999A477B-E4F9-46C0-B2C8-788CB525A6FF}"/>
+              </a:ext>
+            </a:extLst>
+          </p:cNvPr>
+          <p:cNvSpPr>
+            <a:spLocks noGrp="1"/>
+          </p:cNvSpPr>
+          <p:nvPr>
+            <p:ph type="ftr" sz="quarter" idx="11"/>
+          </p:nvPr>
+        </p:nvSpPr>
+        <p:spPr>
+          <a:xfrm>
+            <a:off x="4038600" y="6356350"/>
+            <a:ext cx="4114800" cy="365125"/>
+          </a:xfrm>
+        </p:spPr>
+        <p:txBody>
+          <a:bodyPr>
+            <a:normAutofit/>
+          </a:bodyPr>
+          <a:lstStyle/>
+          <a:p>
+            <a:pPr>
+              <a:spcAft>
+                <a:spcPts val="600"/>
+              </a:spcAft>
+            </a:pPr>
+            <a:r>
+              <a:rPr lang="en-US">
+                <a:solidFill>
+                  <a:schemeClr val="tx1">
+                    <a:lumMod val="50000"/>
+                    <a:lumOff val="50000"/>
+                  </a:schemeClr>
+                </a:solidFill>
+              </a:rPr>
+              <a:t>ARU Submarine</a:t>
+            </a:r>
+          </a:p>
+        </p:txBody>
+      </p:sp>
+      <p:sp>
+        <p:nvSpPr>
+          <p:cNvPr id="23" name="Slide Number Placeholder 8">
+            <a:extLst>
+              <a:ext uri="{FF2B5EF4-FFF2-40B4-BE49-F238E27FC236}">
+                <a16:creationId xmlns:a16="http://schemas.microsoft.com/office/drawing/2014/main" id="{04EF2BF7-32CB-4496-998C-2EC211896404}"/>
+              </a:ext>
+            </a:extLst>
+          </p:cNvPr>
+          <p:cNvSpPr txBox="1">
+            <a:spLocks/>
+          </p:cNvSpPr>
+          <p:nvPr/>
+        </p:nvSpPr>
+        <p:spPr>
+          <a:xfrm>
+            <a:off x="10911919" y="6349061"/>
+            <a:ext cx="367666" cy="365125"/>
+          </a:xfrm>
+          <a:prstGeom prst="flowChartConnector">
+            <a:avLst/>
+          </a:prstGeom>
+          <a:solidFill>
+            <a:srgbClr val="85CC18"/>
+          </a:solidFill>
+        </p:spPr>
+        <p:txBody>
+          <a:bodyPr vert="horz" lIns="0" tIns="45720" rIns="0" bIns="45720" rtlCol="0" anchor="ctr"/>
+          <a:lstStyle>
+            <a:defPPr>
+              <a:defRPr lang="en-US"/>
+            </a:defPPr>
+            <a:lvl1pPr marL="0" algn="ctr" defTabSz="914400" rtl="0" eaLnBrk="1" latinLnBrk="0" hangingPunct="1">
+              <a:defRPr sz="900" kern="1200">
+                <a:solidFill>
+                  <a:schemeClr val="bg1"/>
+                </a:solidFill>
+                <a:latin typeface="+mn-lt"/>
+                <a:ea typeface="+mn-ea"/>
+                <a:cs typeface="+mn-cs"/>
+              </a:defRPr>
+            </a:lvl1pPr>
+            <a:lvl2pPr marL="457200" algn="l" defTabSz="914400" rtl="0" eaLnBrk="1" latinLnBrk="0" hangingPunct="1">
+              <a:defRPr sz="1800" kern="1200">
+                <a:solidFill>
+                  <a:schemeClr val="tx1"/>
+                </a:solidFill>
+                <a:latin typeface="+mn-lt"/>
+                <a:ea typeface="+mn-ea"/>
+                <a:cs typeface="+mn-cs"/>
+              </a:defRPr>
+            </a:lvl2pPr>
+            <a:lvl3pPr marL="914400" algn="l" defTabSz="914400" rtl="0" eaLnBrk="1" latinLnBrk="0" hangingPunct="1">
+              <a:defRPr sz="1800" kern="1200">
+                <a:solidFill>
+                  <a:schemeClr val="tx1"/>
+                </a:solidFill>
+                <a:latin typeface="+mn-lt"/>
+                <a:ea typeface="+mn-ea"/>
+                <a:cs typeface="+mn-cs"/>
+              </a:defRPr>
+            </a:lvl3pPr>
+            <a:lvl4pPr marL="1371600" algn="l" defTabSz="914400" rtl="0" eaLnBrk="1" latinLnBrk="0" hangingPunct="1">
+              <a:defRPr sz="1800" kern="1200">
+                <a:solidFill>
+                  <a:schemeClr val="tx1"/>
+                </a:solidFill>
+                <a:latin typeface="+mn-lt"/>
+                <a:ea typeface="+mn-ea"/>
+                <a:cs typeface="+mn-cs"/>
+              </a:defRPr>
+            </a:lvl4pPr>
+            <a:lvl5pPr marL="1828800" algn="l" defTabSz="914400" rtl="0" eaLnBrk="1" latinLnBrk="0" hangingPunct="1">
+              <a:defRPr sz="1800" kern="1200">
+                <a:solidFill>
+                  <a:schemeClr val="tx1"/>
+                </a:solidFill>
+                <a:latin typeface="+mn-lt"/>
+                <a:ea typeface="+mn-ea"/>
+                <a:cs typeface="+mn-cs"/>
+              </a:defRPr>
+            </a:lvl5pPr>
+            <a:lvl6pPr marL="2286000" algn="l" defTabSz="914400" rtl="0" eaLnBrk="1" latinLnBrk="0" hangingPunct="1">
+              <a:defRPr sz="1800" kern="1200">
+                <a:solidFill>
+                  <a:schemeClr val="tx1"/>
+                </a:solidFill>
+                <a:latin typeface="+mn-lt"/>
+                <a:ea typeface="+mn-ea"/>
+                <a:cs typeface="+mn-cs"/>
+              </a:defRPr>
+            </a:lvl6pPr>
+            <a:lvl7pPr marL="2743200" algn="l" defTabSz="914400" rtl="0" eaLnBrk="1" latinLnBrk="0" hangingPunct="1">
+              <a:defRPr sz="1800" kern="1200">
+                <a:solidFill>
+                  <a:schemeClr val="tx1"/>
+                </a:solidFill>
+                <a:latin typeface="+mn-lt"/>
+                <a:ea typeface="+mn-ea"/>
+                <a:cs typeface="+mn-cs"/>
+              </a:defRPr>
+            </a:lvl7pPr>
+            <a:lvl8pPr marL="3200400" algn="l" defTabSz="914400" rtl="0" eaLnBrk="1" latinLnBrk="0" hangingPunct="1">
+              <a:defRPr sz="1800" kern="1200">
+                <a:solidFill>
+                  <a:schemeClr val="tx1"/>
+                </a:solidFill>
+                <a:latin typeface="+mn-lt"/>
+                <a:ea typeface="+mn-ea"/>
+                <a:cs typeface="+mn-cs"/>
+              </a:defRPr>
+            </a:lvl8pPr>
+            <a:lvl9pPr marL="3657600" algn="l" defTabSz="914400" rtl="0" eaLnBrk="1" latinLnBrk="0" hangingPunct="1">
+              <a:defRPr sz="1800" kern="1200">
+                <a:solidFill>
+                  <a:schemeClr val="tx1"/>
+                </a:solidFill>
+                <a:latin typeface="+mn-lt"/>
+                <a:ea typeface="+mn-ea"/>
+                <a:cs typeface="+mn-cs"/>
+              </a:defRPr>
+            </a:lvl9pPr>
+          </a:lstStyle>
+          <a:p>
+            <a:fld id="{3DE3E19F-02C1-4219-A00A-045ED18507E8}" type="slidenum">
+              <a:rPr lang="en-US" smtClean="0"/>
+              <a:pPr/>
+              <a:t>22</a:t>
+            </a:fld>
+            <a:endParaRPr lang="en-US"/>
+          </a:p>
+        </p:txBody>
+      </p:sp>
+      <p:pic>
+        <p:nvPicPr>
+          <p:cNvPr id="7" name="Resim 6">
+            <a:extLst>
+              <a:ext uri="{FF2B5EF4-FFF2-40B4-BE49-F238E27FC236}">
+                <a16:creationId xmlns:a16="http://schemas.microsoft.com/office/drawing/2014/main" id="{12E87591-1E3F-416F-B08B-9B89369BBD3A}"/>
+              </a:ext>
+            </a:extLst>
+          </p:cNvPr>
+          <p:cNvPicPr>
+            <a:picLocks noChangeAspect="1"/>
+          </p:cNvPicPr>
+          <p:nvPr/>
+        </p:nvPicPr>
+        <p:blipFill>
+          <a:blip r:embed="rId2"/>
+          <a:stretch>
+            <a:fillRect/>
+          </a:stretch>
+        </p:blipFill>
+        <p:spPr>
+          <a:xfrm>
+            <a:off x="1169180" y="1425961"/>
+            <a:ext cx="4677057" cy="4626495"/>
+          </a:xfrm>
+          <a:prstGeom prst="rect">
+            <a:avLst/>
+          </a:prstGeom>
+        </p:spPr>
+      </p:pic>
+    </p:spTree>
+    <p:extLst>
+      <p:ext uri="{BB962C8B-B14F-4D97-AF65-F5344CB8AC3E}">
+        <p14:creationId xmlns:p14="http://schemas.microsoft.com/office/powerpoint/2010/main" val="820255937"/>
+      </p:ext>
+    </p:extLst>
+  </p:cSld>
+  <p:clrMapOvr>
+    <a:masterClrMapping/>
+  </p:clrMapOvr>
+</p:sld>
+</file>
+
+<file path=ppt/slides/slide23.xml><?xml version="1.0" encoding="utf-8"?>
+<p:sld xmlns:a="http://schemas.openxmlformats.org/drawingml/2006/main" xmlns:r="http://schemas.openxmlformats.org/officeDocument/2006/relationships" xmlns:p="http://schemas.openxmlformats.org/presentationml/2006/main">
+  <p:cSld>
+    <p:spTree>
+      <p:nvGrpSpPr>
+        <p:cNvPr id="1" name=""/>
+        <p:cNvGrpSpPr/>
+        <p:nvPr/>
+      </p:nvGrpSpPr>
+      <p:grpSpPr>
+        <a:xfrm>
+          <a:off x="0" y="0"/>
+          <a:ext cx="0" cy="0"/>
+          <a:chOff x="0" y="0"/>
+          <a:chExt cx="0" cy="0"/>
+        </a:xfrm>
+      </p:grpSpPr>
+      <p:sp>
+        <p:nvSpPr>
+          <p:cNvPr id="2" name="Başlık 1">
+            <a:extLst>
+              <a:ext uri="{FF2B5EF4-FFF2-40B4-BE49-F238E27FC236}">
+                <a16:creationId xmlns:a16="http://schemas.microsoft.com/office/drawing/2014/main" id="{836E7814-FF08-4377-A509-67825A527CB2}"/>
+              </a:ext>
+            </a:extLst>
+          </p:cNvPr>
+          <p:cNvSpPr>
+            <a:spLocks noGrp="1"/>
+          </p:cNvSpPr>
+          <p:nvPr>
+            <p:ph type="title"/>
+          </p:nvPr>
+        </p:nvSpPr>
+        <p:spPr>
+          <a:xfrm>
+            <a:off x="3992217" y="2632423"/>
+            <a:ext cx="4207566" cy="685799"/>
+          </a:xfrm>
+        </p:spPr>
+        <p:txBody>
+          <a:bodyPr>
+            <a:normAutofit fontScale="90000"/>
+          </a:bodyPr>
+          <a:lstStyle/>
+          <a:p>
+            <a:pPr algn="ctr"/>
+            <a:r>
+              <a:rPr lang="en-US" dirty="0"/>
+              <a:t>Thank you</a:t>
+            </a:r>
+            <a:endParaRPr lang="tr-TR" dirty="0"/>
+          </a:p>
+        </p:txBody>
+      </p:sp>
+      <p:sp>
+        <p:nvSpPr>
+          <p:cNvPr id="9" name="TextBox 2">
+            <a:extLst>
+              <a:ext uri="{FF2B5EF4-FFF2-40B4-BE49-F238E27FC236}">
+                <a16:creationId xmlns:a16="http://schemas.microsoft.com/office/drawing/2014/main" id="{CFCA60A5-9AF2-4679-95C0-7BF4EEA5EFC1}"/>
+              </a:ext>
+            </a:extLst>
+          </p:cNvPr>
+          <p:cNvSpPr txBox="1"/>
+          <p:nvPr/>
+        </p:nvSpPr>
+        <p:spPr>
+          <a:xfrm>
+            <a:off x="4114799" y="3998814"/>
+            <a:ext cx="4207565" cy="459036"/>
+          </a:xfrm>
+          <a:prstGeom prst="rect">
+            <a:avLst/>
+          </a:prstGeom>
+          <a:noFill/>
+        </p:spPr>
+        <p:txBody>
+          <a:bodyPr wrap="square" rtlCol="0">
+            <a:spAutoFit/>
+          </a:bodyPr>
+          <a:lstStyle/>
+          <a:p>
+            <a:pPr>
+              <a:lnSpc>
+                <a:spcPct val="150000"/>
+              </a:lnSpc>
+              <a:spcAft>
+                <a:spcPts val="1200"/>
+              </a:spcAft>
+            </a:pPr>
+            <a:r>
+              <a:rPr lang="tr-TR" dirty="0">
+                <a:hlinkClick r:id="rId2"/>
+              </a:rPr>
+              <a:t>github.com/mustafaberat/ARU</a:t>
+            </a:r>
+            <a:r>
+              <a:rPr lang="en-US" dirty="0">
+                <a:hlinkClick r:id="rId2"/>
+              </a:rPr>
+              <a:t>-</a:t>
+            </a:r>
+            <a:r>
+              <a:rPr lang="tr-TR" dirty="0" err="1">
+                <a:hlinkClick r:id="rId2"/>
+              </a:rPr>
+              <a:t>Submarine</a:t>
+            </a:r>
+            <a:endParaRPr lang="en-US" sz="1200" dirty="0">
+              <a:solidFill>
+                <a:schemeClr val="tx1">
+                  <a:lumMod val="65000"/>
+                  <a:lumOff val="35000"/>
+                </a:schemeClr>
+              </a:solidFill>
+            </a:endParaRPr>
+          </a:p>
+        </p:txBody>
+      </p:sp>
+      <p:sp>
+        <p:nvSpPr>
+          <p:cNvPr id="10" name="TextBox 2">
+            <a:extLst>
+              <a:ext uri="{FF2B5EF4-FFF2-40B4-BE49-F238E27FC236}">
+                <a16:creationId xmlns:a16="http://schemas.microsoft.com/office/drawing/2014/main" id="{93B5363A-6017-4E39-A07C-1322B5DDF48B}"/>
+              </a:ext>
+            </a:extLst>
+          </p:cNvPr>
+          <p:cNvSpPr txBox="1"/>
+          <p:nvPr/>
+        </p:nvSpPr>
+        <p:spPr>
+          <a:xfrm>
+            <a:off x="4045563" y="3539778"/>
+            <a:ext cx="4100874" cy="459036"/>
+          </a:xfrm>
+          <a:prstGeom prst="rect">
+            <a:avLst/>
+          </a:prstGeom>
+          <a:noFill/>
+        </p:spPr>
+        <p:txBody>
+          <a:bodyPr wrap="square" rtlCol="0">
+            <a:spAutoFit/>
+          </a:bodyPr>
+          <a:lstStyle/>
+          <a:p>
+            <a:pPr algn="ctr">
+              <a:lnSpc>
+                <a:spcPct val="150000"/>
+              </a:lnSpc>
+              <a:spcAft>
+                <a:spcPts val="1200"/>
+              </a:spcAft>
+            </a:pPr>
+            <a:r>
+              <a:rPr lang="en-US" dirty="0">
+                <a:solidFill>
+                  <a:schemeClr val="tx1">
+                    <a:lumMod val="65000"/>
+                    <a:lumOff val="35000"/>
+                  </a:schemeClr>
+                </a:solidFill>
+              </a:rPr>
+              <a:t>Email: mustafa.aru@std.izu.edu.tr</a:t>
+            </a:r>
+            <a:endParaRPr lang="en-US" sz="1200" dirty="0">
+              <a:solidFill>
+                <a:schemeClr val="tx1">
+                  <a:lumMod val="65000"/>
+                  <a:lumOff val="35000"/>
+                </a:schemeClr>
+              </a:solidFill>
+            </a:endParaRPr>
+          </a:p>
+        </p:txBody>
+      </p:sp>
+    </p:spTree>
+    <p:extLst>
+      <p:ext uri="{BB962C8B-B14F-4D97-AF65-F5344CB8AC3E}">
+        <p14:creationId xmlns:p14="http://schemas.microsoft.com/office/powerpoint/2010/main" val="3330728722"/>
       </p:ext>
     </p:extLst>
   </p:cSld>
@@ -8044,334 +11253,6 @@
 <file path=ppt/slides/slide5.xml><?xml version="1.0" encoding="utf-8"?>
 <p:sld xmlns:a="http://schemas.openxmlformats.org/drawingml/2006/main" xmlns:r="http://schemas.openxmlformats.org/officeDocument/2006/relationships" xmlns:p="http://schemas.openxmlformats.org/presentationml/2006/main">
   <p:cSld>
-    <p:spTree>
-      <p:nvGrpSpPr>
-        <p:cNvPr id="1" name=""/>
-        <p:cNvGrpSpPr/>
-        <p:nvPr/>
-      </p:nvGrpSpPr>
-      <p:grpSpPr>
-        <a:xfrm>
-          <a:off x="0" y="0"/>
-          <a:ext cx="0" cy="0"/>
-          <a:chOff x="0" y="0"/>
-          <a:chExt cx="0" cy="0"/>
-        </a:xfrm>
-      </p:grpSpPr>
-      <p:pic>
-        <p:nvPicPr>
-          <p:cNvPr id="8" name="Resim 7" descr="işaret içeren bir resim&#10;&#10;Açıklama otomatik olarak oluşturuldu">
-            <a:extLst>
-              <a:ext uri="{FF2B5EF4-FFF2-40B4-BE49-F238E27FC236}">
-                <a16:creationId xmlns:a16="http://schemas.microsoft.com/office/drawing/2014/main" id="{682C27AD-9356-4002-97BC-72C60A768EEA}"/>
-              </a:ext>
-            </a:extLst>
-          </p:cNvPr>
-          <p:cNvPicPr>
-            <a:picLocks noChangeAspect="1"/>
-          </p:cNvPicPr>
-          <p:nvPr/>
-        </p:nvPicPr>
-        <p:blipFill>
-          <a:blip r:embed="rId2">
-            <a:extLst>
-              <a:ext uri="{28A0092B-C50C-407E-A947-70E740481C1C}">
-                <a14:useLocalDpi xmlns:a14="http://schemas.microsoft.com/office/drawing/2010/main" val="0"/>
-              </a:ext>
-            </a:extLst>
-          </a:blip>
-          <a:stretch>
-            <a:fillRect/>
-          </a:stretch>
-        </p:blipFill>
-        <p:spPr>
-          <a:xfrm>
-            <a:off x="0" y="-37354"/>
-            <a:ext cx="12192000" cy="6895354"/>
-          </a:xfrm>
-          <a:prstGeom prst="rect">
-            <a:avLst/>
-          </a:prstGeom>
-        </p:spPr>
-      </p:pic>
-      <p:sp>
-        <p:nvSpPr>
-          <p:cNvPr id="2" name="Title 1"/>
-          <p:cNvSpPr>
-            <a:spLocks noGrp="1"/>
-          </p:cNvSpPr>
-          <p:nvPr>
-            <p:ph type="title"/>
-          </p:nvPr>
-        </p:nvSpPr>
-        <p:spPr>
-          <a:xfrm>
-            <a:off x="660401" y="342105"/>
-            <a:ext cx="1719942" cy="644866"/>
-          </a:xfrm>
-        </p:spPr>
-        <p:txBody>
-          <a:bodyPr tIns="0" bIns="0">
-            <a:normAutofit fontScale="90000"/>
-          </a:bodyPr>
-          <a:lstStyle/>
-          <a:p>
-            <a:pPr>
-              <a:lnSpc>
-                <a:spcPct val="125000"/>
-              </a:lnSpc>
-            </a:pPr>
-            <a:r>
-              <a:rPr lang="en-US" dirty="0"/>
-              <a:t>Totally</a:t>
-            </a:r>
-          </a:p>
-        </p:txBody>
-      </p:sp>
-      <p:sp>
-        <p:nvSpPr>
-          <p:cNvPr id="5" name="Slide Number Placeholder 4"/>
-          <p:cNvSpPr>
-            <a:spLocks noGrp="1"/>
-          </p:cNvSpPr>
-          <p:nvPr>
-            <p:ph type="sldNum" sz="quarter" idx="12"/>
-          </p:nvPr>
-        </p:nvSpPr>
-        <p:spPr/>
-        <p:txBody>
-          <a:bodyPr/>
-          <a:lstStyle/>
-          <a:p>
-            <a:fld id="{3DE3E19F-02C1-4219-A00A-045ED18507E8}" type="slidenum">
-              <a:rPr lang="en-US" smtClean="0"/>
-              <a:pPr/>
-              <a:t>5</a:t>
-            </a:fld>
-            <a:endParaRPr lang="en-US"/>
-          </a:p>
-        </p:txBody>
-      </p:sp>
-      <p:sp>
-        <p:nvSpPr>
-          <p:cNvPr id="6" name="TextBox 5"/>
-          <p:cNvSpPr txBox="1"/>
-          <p:nvPr/>
-        </p:nvSpPr>
-        <p:spPr>
-          <a:xfrm>
-            <a:off x="3772238" y="1711064"/>
-            <a:ext cx="4647519" cy="400110"/>
-          </a:xfrm>
-          <a:prstGeom prst="rect">
-            <a:avLst/>
-          </a:prstGeom>
-          <a:noFill/>
-        </p:spPr>
-        <p:txBody>
-          <a:bodyPr wrap="square" rtlCol="0">
-            <a:spAutoFit/>
-          </a:bodyPr>
-          <a:lstStyle/>
-          <a:p>
-            <a:pPr algn="ctr">
-              <a:spcAft>
-                <a:spcPts val="1200"/>
-              </a:spcAft>
-            </a:pPr>
-            <a:r>
-              <a:rPr lang="en-US" sz="2000" b="1" dirty="0">
-                <a:solidFill>
-                  <a:schemeClr val="bg1"/>
-                </a:solidFill>
-                <a:highlight>
-                  <a:srgbClr val="F4384E"/>
-                </a:highlight>
-                <a:latin typeface="Nunito sans" panose="00000500000000000000" pitchFamily="2" charset="0"/>
-              </a:rPr>
-              <a:t>Total Visitors</a:t>
-            </a:r>
-            <a:endParaRPr lang="en-US" sz="1400" b="1" dirty="0">
-              <a:solidFill>
-                <a:schemeClr val="bg1"/>
-              </a:solidFill>
-              <a:highlight>
-                <a:srgbClr val="F4384E"/>
-              </a:highlight>
-              <a:latin typeface="Nunito sans" panose="00000500000000000000" pitchFamily="2" charset="0"/>
-            </a:endParaRPr>
-          </a:p>
-        </p:txBody>
-      </p:sp>
-      <p:sp>
-        <p:nvSpPr>
-          <p:cNvPr id="7" name="TextBox 6"/>
-          <p:cNvSpPr txBox="1"/>
-          <p:nvPr/>
-        </p:nvSpPr>
-        <p:spPr>
-          <a:xfrm>
-            <a:off x="3772239" y="3867909"/>
-            <a:ext cx="4647519" cy="400110"/>
-          </a:xfrm>
-          <a:prstGeom prst="rect">
-            <a:avLst/>
-          </a:prstGeom>
-          <a:noFill/>
-        </p:spPr>
-        <p:txBody>
-          <a:bodyPr wrap="square" rtlCol="0">
-            <a:spAutoFit/>
-          </a:bodyPr>
-          <a:lstStyle/>
-          <a:p>
-            <a:pPr algn="ctr">
-              <a:spcAft>
-                <a:spcPts val="1200"/>
-              </a:spcAft>
-            </a:pPr>
-            <a:r>
-              <a:rPr lang="en-US" sz="2000" dirty="0">
-                <a:solidFill>
-                  <a:schemeClr val="bg1"/>
-                </a:solidFill>
-                <a:highlight>
-                  <a:srgbClr val="F4384E"/>
-                </a:highlight>
-                <a:latin typeface="Nunito sans" panose="00000500000000000000" pitchFamily="2" charset="0"/>
-              </a:rPr>
-              <a:t>Weekly Visitors</a:t>
-            </a:r>
-            <a:endParaRPr lang="en-US" sz="1400" dirty="0">
-              <a:solidFill>
-                <a:schemeClr val="bg1"/>
-              </a:solidFill>
-              <a:highlight>
-                <a:srgbClr val="F4384E"/>
-              </a:highlight>
-              <a:latin typeface="Nunito sans" panose="00000500000000000000" pitchFamily="2" charset="0"/>
-            </a:endParaRPr>
-          </a:p>
-        </p:txBody>
-      </p:sp>
-      <p:sp>
-        <p:nvSpPr>
-          <p:cNvPr id="9" name="TextBox 8"/>
-          <p:cNvSpPr txBox="1"/>
-          <p:nvPr/>
-        </p:nvSpPr>
-        <p:spPr>
-          <a:xfrm>
-            <a:off x="3234599" y="2114148"/>
-            <a:ext cx="5722796" cy="830997"/>
-          </a:xfrm>
-          <a:prstGeom prst="rect">
-            <a:avLst/>
-          </a:prstGeom>
-          <a:noFill/>
-        </p:spPr>
-        <p:txBody>
-          <a:bodyPr wrap="square" rtlCol="0">
-            <a:spAutoFit/>
-          </a:bodyPr>
-          <a:lstStyle/>
-          <a:p>
-            <a:pPr algn="ctr">
-              <a:spcAft>
-                <a:spcPts val="1200"/>
-              </a:spcAft>
-            </a:pPr>
-            <a:r>
-              <a:rPr lang="en-US" sz="4800" b="1" dirty="0">
-                <a:solidFill>
-                  <a:schemeClr val="bg1"/>
-                </a:solidFill>
-                <a:highlight>
-                  <a:srgbClr val="F4384E"/>
-                </a:highlight>
-                <a:latin typeface="+mj-lt"/>
-              </a:rPr>
-              <a:t>57,000,00</a:t>
-            </a:r>
-            <a:endParaRPr lang="en-US" sz="3600" b="1" dirty="0">
-              <a:solidFill>
-                <a:schemeClr val="bg1"/>
-              </a:solidFill>
-              <a:highlight>
-                <a:srgbClr val="F4384E"/>
-              </a:highlight>
-              <a:latin typeface="+mj-lt"/>
-            </a:endParaRPr>
-          </a:p>
-        </p:txBody>
-      </p:sp>
-      <p:sp>
-        <p:nvSpPr>
-          <p:cNvPr id="10" name="TextBox 9"/>
-          <p:cNvSpPr txBox="1"/>
-          <p:nvPr/>
-        </p:nvSpPr>
-        <p:spPr>
-          <a:xfrm>
-            <a:off x="3234601" y="4234323"/>
-            <a:ext cx="5722796" cy="830997"/>
-          </a:xfrm>
-          <a:prstGeom prst="rect">
-            <a:avLst/>
-          </a:prstGeom>
-          <a:noFill/>
-        </p:spPr>
-        <p:txBody>
-          <a:bodyPr wrap="square" rtlCol="0">
-            <a:spAutoFit/>
-          </a:bodyPr>
-          <a:lstStyle/>
-          <a:p>
-            <a:pPr algn="ctr">
-              <a:spcAft>
-                <a:spcPts val="1200"/>
-              </a:spcAft>
-            </a:pPr>
-            <a:r>
-              <a:rPr lang="en-US" sz="4800" dirty="0">
-                <a:solidFill>
-                  <a:schemeClr val="bg1"/>
-                </a:solidFill>
-                <a:highlight>
-                  <a:srgbClr val="F4384E"/>
-                </a:highlight>
-                <a:latin typeface="+mj-lt"/>
-              </a:rPr>
-              <a:t>7,000,00</a:t>
-            </a:r>
-            <a:endParaRPr lang="en-US" sz="3600" dirty="0">
-              <a:solidFill>
-                <a:schemeClr val="bg1"/>
-              </a:solidFill>
-              <a:highlight>
-                <a:srgbClr val="F4384E"/>
-              </a:highlight>
-              <a:latin typeface="+mj-lt"/>
-            </a:endParaRPr>
-          </a:p>
-        </p:txBody>
-      </p:sp>
-    </p:spTree>
-    <p:extLst>
-      <p:ext uri="{BB962C8B-B14F-4D97-AF65-F5344CB8AC3E}">
-        <p14:creationId xmlns:p14="http://schemas.microsoft.com/office/powerpoint/2010/main" val="74653017"/>
-      </p:ext>
-    </p:extLst>
-  </p:cSld>
-  <p:clrMapOvr>
-    <a:masterClrMapping/>
-  </p:clrMapOvr>
-</p:sld>
-</file>
-
-<file path=ppt/slides/slide6.xml><?xml version="1.0" encoding="utf-8"?>
-<p:sld xmlns:a="http://schemas.openxmlformats.org/drawingml/2006/main" xmlns:r="http://schemas.openxmlformats.org/officeDocument/2006/relationships" xmlns:p="http://schemas.openxmlformats.org/presentationml/2006/main">
-  <p:cSld>
     <p:bg>
       <p:bgPr>
         <a:solidFill>
@@ -8394,12 +11275,12 @@
           <a:chExt cx="0" cy="0"/>
         </a:xfrm>
       </p:grpSpPr>
-      <p:sp>
-        <p:nvSpPr>
-          <p:cNvPr id="10" name="Rectangle 9">
+      <p:sp useBgFill="1">
+        <p:nvSpPr>
+          <p:cNvPr id="17" name="Rectangle 16">
             <a:extLst>
               <a:ext uri="{FF2B5EF4-FFF2-40B4-BE49-F238E27FC236}">
-                <a16:creationId xmlns:a16="http://schemas.microsoft.com/office/drawing/2014/main" id="{6753252F-4873-4F63-801D-CC719279A7D5}"/>
+                <a16:creationId xmlns:a16="http://schemas.microsoft.com/office/drawing/2014/main" id="{92468898-5A6E-4D55-85EC-308E785EE06C}"/>
               </a:ext>
               <a:ext uri="{C183D7F6-B498-43B3-948B-1728B52AA6E4}">
                 <adec:decorative xmlns:adec="http://schemas.microsoft.com/office/drawing/2017/decorative" val="1"/>
@@ -8425,9 +11306,6 @@
           <a:prstGeom prst="rect">
             <a:avLst/>
           </a:prstGeom>
-          <a:solidFill>
-            <a:srgbClr val="FFFFFF"/>
-          </a:solidFill>
           <a:ln>
             <a:noFill/>
           </a:ln>
@@ -8459,10 +11337,54 @@
       </p:sp>
       <p:sp>
         <p:nvSpPr>
-          <p:cNvPr id="12" name="Rectangle 11">
+          <p:cNvPr id="2" name="Başlık 1">
             <a:extLst>
               <a:ext uri="{FF2B5EF4-FFF2-40B4-BE49-F238E27FC236}">
-                <a16:creationId xmlns:a16="http://schemas.microsoft.com/office/drawing/2014/main" id="{047C8CCB-F95D-4249-92DD-651249D3535A}"/>
+                <a16:creationId xmlns:a16="http://schemas.microsoft.com/office/drawing/2014/main" id="{836E7814-FF08-4377-A509-67825A527CB2}"/>
+              </a:ext>
+            </a:extLst>
+          </p:cNvPr>
+          <p:cNvSpPr>
+            <a:spLocks noGrp="1"/>
+          </p:cNvSpPr>
+          <p:nvPr>
+            <p:ph type="title"/>
+          </p:nvPr>
+        </p:nvSpPr>
+        <p:spPr>
+          <a:xfrm>
+            <a:off x="429768" y="411480"/>
+            <a:ext cx="11201400" cy="685799"/>
+          </a:xfrm>
+        </p:spPr>
+        <p:txBody>
+          <a:bodyPr>
+            <a:normAutofit fontScale="90000"/>
+          </a:bodyPr>
+          <a:lstStyle/>
+          <a:p>
+            <a:r>
+              <a:rPr lang="en-US" dirty="0"/>
+              <a:t>Page 1 – </a:t>
+            </a:r>
+            <a:r>
+              <a:rPr lang="en-US" dirty="0" err="1"/>
+              <a:t>Manager&amp;Customer</a:t>
+            </a:r>
+            <a:r>
+              <a:rPr lang="en-US" dirty="0"/>
+              <a:t> – First step of hierarchy tree</a:t>
+            </a:r>
+            <a:endParaRPr lang="tr-TR" dirty="0"/>
+          </a:p>
+        </p:txBody>
+      </p:sp>
+      <p:sp>
+        <p:nvSpPr>
+          <p:cNvPr id="19" name="Rectangle 18">
+            <a:extLst>
+              <a:ext uri="{FF2B5EF4-FFF2-40B4-BE49-F238E27FC236}">
+                <a16:creationId xmlns:a16="http://schemas.microsoft.com/office/drawing/2014/main" id="{3E23A947-2D45-4208-AE2B-64948C87A3EB}"/>
               </a:ext>
               <a:ext uri="{C183D7F6-B498-43B3-948B-1728B52AA6E4}">
                 <adec:decorative xmlns:adec="http://schemas.microsoft.com/office/drawing/2017/decorative" val="1"/>
@@ -8482,14 +11404,14 @@
         </p:nvSpPr>
         <p:spPr>
           <a:xfrm>
-            <a:off x="0" y="0"/>
-            <a:ext cx="2013557" cy="6858000"/>
+            <a:off x="0" y="598458"/>
+            <a:ext cx="128016" cy="704088"/>
           </a:xfrm>
           <a:prstGeom prst="rect">
             <a:avLst/>
           </a:prstGeom>
           <a:solidFill>
-            <a:srgbClr val="2F336D"/>
+            <a:schemeClr val="accent2"/>
           </a:solidFill>
           <a:ln>
             <a:noFill/>
@@ -8516,74 +11438,21 @@
           <a:lstStyle/>
           <a:p>
             <a:pPr algn="ctr"/>
-            <a:endParaRPr lang="en-US"/>
-          </a:p>
-        </p:txBody>
-      </p:sp>
-      <p:sp>
-        <p:nvSpPr>
-          <p:cNvPr id="3" name="Başlık 2">
+            <a:endParaRPr lang="en-US">
+              <a:solidFill>
+                <a:prstClr val="white"/>
+              </a:solidFill>
+              <a:latin typeface="Calibri" panose="020F0502020204030204"/>
+            </a:endParaRPr>
+          </a:p>
+        </p:txBody>
+      </p:sp>
+      <p:pic>
+        <p:nvPicPr>
+          <p:cNvPr id="12" name="Resim 11" descr="ekran, elektronik eşyalar, televizyon, düz içeren bir resim&#10;&#10;Açıklama otomatik olarak oluşturuldu">
             <a:extLst>
               <a:ext uri="{FF2B5EF4-FFF2-40B4-BE49-F238E27FC236}">
-                <a16:creationId xmlns:a16="http://schemas.microsoft.com/office/drawing/2014/main" id="{0F98123C-7C9D-4660-8D3C-1A2D63CDA629}"/>
-              </a:ext>
-            </a:extLst>
-          </p:cNvPr>
-          <p:cNvSpPr>
-            <a:spLocks noGrp="1"/>
-          </p:cNvSpPr>
-          <p:nvPr>
-            <p:ph type="title"/>
-          </p:nvPr>
-        </p:nvSpPr>
-        <p:spPr>
-          <a:xfrm>
-            <a:off x="640080" y="2074363"/>
-            <a:ext cx="2752354" cy="2709275"/>
-          </a:xfrm>
-          <a:prstGeom prst="ellipse">
-            <a:avLst/>
-          </a:prstGeom>
-          <a:solidFill>
-            <a:srgbClr val="262626"/>
-          </a:solidFill>
-          <a:ln w="174625" cmpd="thinThick">
-            <a:solidFill>
-              <a:srgbClr val="262626"/>
-            </a:solidFill>
-          </a:ln>
-        </p:spPr>
-        <p:txBody>
-          <a:bodyPr vert="horz" lIns="91440" tIns="45720" rIns="91440" bIns="45720" rtlCol="0" anchor="ctr">
-            <a:normAutofit/>
-          </a:bodyPr>
-          <a:lstStyle/>
-          <a:p>
-            <a:pPr algn="ctr">
-              <a:lnSpc>
-                <a:spcPct val="90000"/>
-              </a:lnSpc>
-            </a:pPr>
-            <a:r>
-              <a:rPr lang="en-US" sz="2600" kern="1200" dirty="0">
-                <a:solidFill>
-                  <a:srgbClr val="FFFFFF"/>
-                </a:solidFill>
-                <a:latin typeface="+mj-lt"/>
-                <a:ea typeface="+mj-ea"/>
-                <a:cs typeface="+mj-cs"/>
-              </a:rPr>
-              <a:t>Home Page</a:t>
-            </a:r>
-          </a:p>
-        </p:txBody>
-      </p:sp>
-      <p:pic>
-        <p:nvPicPr>
-          <p:cNvPr id="5" name="Resim 4">
-            <a:extLst>
-              <a:ext uri="{FF2B5EF4-FFF2-40B4-BE49-F238E27FC236}">
-                <a16:creationId xmlns:a16="http://schemas.microsoft.com/office/drawing/2014/main" id="{AE3AC053-9B9F-4213-8DD6-B792F3CA767D}"/>
+                <a16:creationId xmlns:a16="http://schemas.microsoft.com/office/drawing/2014/main" id="{15D23836-D8F9-4BFF-AED0-911F57D1A9A5}"/>
               </a:ext>
             </a:extLst>
           </p:cNvPr>
@@ -8593,49 +11462,71 @@
           <p:nvPr/>
         </p:nvPicPr>
         <p:blipFill>
-          <a:blip r:embed="rId2"/>
+          <a:blip r:embed="rId2">
+            <a:extLst>
+              <a:ext uri="{28A0092B-C50C-407E-A947-70E740481C1C}">
+                <a14:useLocalDpi xmlns:a14="http://schemas.microsoft.com/office/drawing/2010/main" val="0"/>
+              </a:ext>
+            </a:extLst>
+          </a:blip>
           <a:stretch>
             <a:fillRect/>
           </a:stretch>
         </p:blipFill>
         <p:spPr>
           <a:xfrm>
-            <a:off x="4038600" y="1145052"/>
-            <a:ext cx="7188199" cy="4564506"/>
+            <a:off x="429768" y="1605419"/>
+            <a:ext cx="6702552" cy="4433255"/>
           </a:xfrm>
           <a:prstGeom prst="rect">
             <a:avLst/>
           </a:prstGeom>
         </p:spPr>
       </p:pic>
-      <p:sp>
-        <p:nvSpPr>
-          <p:cNvPr id="7" name="Dikdörtgen 6">
+      <p:sp useBgFill="1">
+        <p:nvSpPr>
+          <p:cNvPr id="21" name="Rectangle 20">
             <a:extLst>
               <a:ext uri="{FF2B5EF4-FFF2-40B4-BE49-F238E27FC236}">
-                <a16:creationId xmlns:a16="http://schemas.microsoft.com/office/drawing/2014/main" id="{E3A0F0CC-8517-4B34-B583-7B05FF8E8F7B}"/>
+                <a16:creationId xmlns:a16="http://schemas.microsoft.com/office/drawing/2014/main" id="{E5BBB0F9-6A59-4D02-A9C7-A2D6516684CE}"/>
+              </a:ext>
+              <a:ext uri="{C183D7F6-B498-43B3-948B-1728B52AA6E4}">
+                <adec:decorative xmlns:adec="http://schemas.microsoft.com/office/drawing/2017/decorative" val="1"/>
               </a:ext>
             </a:extLst>
           </p:cNvPr>
-          <p:cNvSpPr/>
-          <p:nvPr/>
-        </p:nvSpPr>
-        <p:spPr>
-          <a:xfrm>
-            <a:off x="3392435" y="6191250"/>
-            <a:ext cx="7834364" cy="472860"/>
+          <p:cNvSpPr>
+            <a:spLocks noGrp="1" noRot="1" noChangeAspect="1" noMove="1" noResize="1" noEditPoints="1" noAdjustHandles="1" noChangeArrowheads="1" noChangeShapeType="1" noTextEdit="1"/>
+          </p:cNvSpPr>
+          <p:nvPr>
+            <p:extLst>
+              <p:ext uri="{386F3935-93C4-4BCD-93E2-E3B085C9AB24}">
+                <p16:designElem xmlns:p16="http://schemas.microsoft.com/office/powerpoint/2015/main" val="1"/>
+              </p:ext>
+            </p:extLst>
+          </p:nvPr>
+        </p:nvSpPr>
+        <p:spPr>
+          <a:xfrm>
+            <a:off x="7543801" y="1721922"/>
+            <a:ext cx="4218432" cy="4520560"/>
           </a:xfrm>
           <a:prstGeom prst="rect">
             <a:avLst/>
           </a:prstGeom>
-          <a:solidFill>
-            <a:srgbClr val="2F336D"/>
-          </a:solidFill>
-          <a:ln>
+          <a:ln w="9525">
             <a:solidFill>
-              <a:srgbClr val="103CFF"/>
+              <a:srgbClr val="EFEFEF"/>
             </a:solidFill>
           </a:ln>
+          <a:effectLst>
+            <a:outerShdw blurRad="50800" dist="38100" dir="2700000" algn="tl" rotWithShape="0">
+              <a:schemeClr val="bg1">
+                <a:lumMod val="85000"/>
+                <a:alpha val="30000"/>
+              </a:schemeClr>
+            </a:outerShdw>
+          </a:effectLst>
         </p:spPr>
         <p:style>
           <a:lnRef idx="2">
@@ -8657,19 +11548,274 @@
           <a:bodyPr rtlCol="0" anchor="ctr"/>
           <a:lstStyle/>
           <a:p>
-            <a:pPr algn="ctr"/>
-            <a:r>
-              <a:rPr lang="en-US" dirty="0"/>
-              <a:t>You can choose what you want. Then another page will show up</a:t>
-            </a:r>
-            <a:endParaRPr lang="tr-TR" dirty="0"/>
+            <a:pPr marL="0" marR="0" lvl="0" indent="0" algn="ctr" defTabSz="914400" rtl="0" eaLnBrk="1" fontAlgn="auto" latinLnBrk="0" hangingPunct="1">
+              <a:lnSpc>
+                <a:spcPct val="100000"/>
+              </a:lnSpc>
+              <a:spcBef>
+                <a:spcPts val="0"/>
+              </a:spcBef>
+              <a:spcAft>
+                <a:spcPts val="0"/>
+              </a:spcAft>
+              <a:buClrTx/>
+              <a:buSzTx/>
+              <a:buFontTx/>
+              <a:buNone/>
+              <a:tabLst/>
+              <a:defRPr/>
+            </a:pPr>
+            <a:endParaRPr kumimoji="0" lang="en-US" sz="1800" b="0" i="0" u="none" strike="noStrike" kern="1200" cap="none" spc="0" normalizeH="0" baseline="0" noProof="0">
+              <a:ln>
+                <a:noFill/>
+              </a:ln>
+              <a:solidFill>
+                <a:prstClr val="white"/>
+              </a:solidFill>
+              <a:effectLst/>
+              <a:uLnTx/>
+              <a:uFillTx/>
+              <a:latin typeface="Calibri" panose="020F0502020204030204"/>
+              <a:ea typeface="+mn-ea"/>
+              <a:cs typeface="+mn-cs"/>
+            </a:endParaRPr>
+          </a:p>
+        </p:txBody>
+      </p:sp>
+      <p:sp>
+        <p:nvSpPr>
+          <p:cNvPr id="3" name="İçerik Yer Tutucusu 2">
+            <a:extLst>
+              <a:ext uri="{FF2B5EF4-FFF2-40B4-BE49-F238E27FC236}">
+                <a16:creationId xmlns:a16="http://schemas.microsoft.com/office/drawing/2014/main" id="{CCD55640-FB69-450A-8F9B-6ECAD5BC35BD}"/>
+              </a:ext>
+            </a:extLst>
+          </p:cNvPr>
+          <p:cNvSpPr>
+            <a:spLocks noGrp="1"/>
+          </p:cNvSpPr>
+          <p:nvPr>
+            <p:ph idx="1"/>
+          </p:nvPr>
+        </p:nvSpPr>
+        <p:spPr>
+          <a:xfrm>
+            <a:off x="7938752" y="1721922"/>
+            <a:ext cx="3455097" cy="4258254"/>
+          </a:xfrm>
+        </p:spPr>
+        <p:txBody>
+          <a:bodyPr anchor="ctr">
+            <a:normAutofit/>
+          </a:bodyPr>
+          <a:lstStyle/>
+          <a:p>
+            <a:pPr>
+              <a:buFont typeface="Wingdings" panose="05000000000000000000" pitchFamily="2" charset="2"/>
+              <a:buChar char="q"/>
+            </a:pPr>
+            <a:r>
+              <a:rPr lang="en-US" sz="1800" dirty="0"/>
+              <a:t>The first page appears, defining whether the system will serve the customer or administrator</a:t>
+            </a:r>
+          </a:p>
+          <a:p>
+            <a:pPr>
+              <a:buFont typeface="Wingdings" panose="05000000000000000000" pitchFamily="2" charset="2"/>
+              <a:buChar char="q"/>
+            </a:pPr>
+            <a:r>
+              <a:rPr lang="en-US" sz="1800" dirty="0"/>
+              <a:t>There are two buttons to go down the hierarchy tree.</a:t>
+            </a:r>
+            <a:endParaRPr lang="tr-TR" sz="1800" dirty="0"/>
+          </a:p>
+        </p:txBody>
+      </p:sp>
+      <p:sp>
+        <p:nvSpPr>
+          <p:cNvPr id="4" name="Alt Bilgi Yer Tutucusu 3">
+            <a:extLst>
+              <a:ext uri="{FF2B5EF4-FFF2-40B4-BE49-F238E27FC236}">
+                <a16:creationId xmlns:a16="http://schemas.microsoft.com/office/drawing/2014/main" id="{999A477B-E4F9-46C0-B2C8-788CB525A6FF}"/>
+              </a:ext>
+            </a:extLst>
+          </p:cNvPr>
+          <p:cNvSpPr>
+            <a:spLocks noGrp="1"/>
+          </p:cNvSpPr>
+          <p:nvPr>
+            <p:ph type="ftr" sz="quarter" idx="11"/>
+          </p:nvPr>
+        </p:nvSpPr>
+        <p:spPr>
+          <a:xfrm>
+            <a:off x="4038600" y="6356350"/>
+            <a:ext cx="4114800" cy="365125"/>
+          </a:xfrm>
+        </p:spPr>
+        <p:txBody>
+          <a:bodyPr>
+            <a:normAutofit/>
+          </a:bodyPr>
+          <a:lstStyle/>
+          <a:p>
+            <a:pPr>
+              <a:spcAft>
+                <a:spcPts val="600"/>
+              </a:spcAft>
+            </a:pPr>
+            <a:r>
+              <a:rPr lang="en-US">
+                <a:solidFill>
+                  <a:schemeClr val="tx1">
+                    <a:lumMod val="50000"/>
+                    <a:lumOff val="50000"/>
+                  </a:schemeClr>
+                </a:solidFill>
+              </a:rPr>
+              <a:t>ARU Submarine</a:t>
+            </a:r>
+          </a:p>
+        </p:txBody>
+      </p:sp>
+      <p:sp>
+        <p:nvSpPr>
+          <p:cNvPr id="23" name="Slide Number Placeholder 8">
+            <a:extLst>
+              <a:ext uri="{FF2B5EF4-FFF2-40B4-BE49-F238E27FC236}">
+                <a16:creationId xmlns:a16="http://schemas.microsoft.com/office/drawing/2014/main" id="{04EF2BF7-32CB-4496-998C-2EC211896404}"/>
+              </a:ext>
+            </a:extLst>
+          </p:cNvPr>
+          <p:cNvSpPr txBox="1">
+            <a:spLocks/>
+          </p:cNvSpPr>
+          <p:nvPr/>
+        </p:nvSpPr>
+        <p:spPr>
+          <a:xfrm>
+            <a:off x="10911919" y="6349061"/>
+            <a:ext cx="367666" cy="365125"/>
+          </a:xfrm>
+          <a:prstGeom prst="flowChartConnector">
+            <a:avLst/>
+          </a:prstGeom>
+          <a:solidFill>
+            <a:srgbClr val="85CC18"/>
+          </a:solidFill>
+        </p:spPr>
+        <p:txBody>
+          <a:bodyPr vert="horz" lIns="0" tIns="45720" rIns="0" bIns="45720" rtlCol="0" anchor="ctr"/>
+          <a:lstStyle>
+            <a:defPPr>
+              <a:defRPr lang="en-US"/>
+            </a:defPPr>
+            <a:lvl1pPr marL="0" algn="ctr" defTabSz="914400" rtl="0" eaLnBrk="1" latinLnBrk="0" hangingPunct="1">
+              <a:defRPr sz="900" kern="1200">
+                <a:solidFill>
+                  <a:schemeClr val="bg1"/>
+                </a:solidFill>
+                <a:latin typeface="+mn-lt"/>
+                <a:ea typeface="+mn-ea"/>
+                <a:cs typeface="+mn-cs"/>
+              </a:defRPr>
+            </a:lvl1pPr>
+            <a:lvl2pPr marL="457200" algn="l" defTabSz="914400" rtl="0" eaLnBrk="1" latinLnBrk="0" hangingPunct="1">
+              <a:defRPr sz="1800" kern="1200">
+                <a:solidFill>
+                  <a:schemeClr val="tx1"/>
+                </a:solidFill>
+                <a:latin typeface="+mn-lt"/>
+                <a:ea typeface="+mn-ea"/>
+                <a:cs typeface="+mn-cs"/>
+              </a:defRPr>
+            </a:lvl2pPr>
+            <a:lvl3pPr marL="914400" algn="l" defTabSz="914400" rtl="0" eaLnBrk="1" latinLnBrk="0" hangingPunct="1">
+              <a:defRPr sz="1800" kern="1200">
+                <a:solidFill>
+                  <a:schemeClr val="tx1"/>
+                </a:solidFill>
+                <a:latin typeface="+mn-lt"/>
+                <a:ea typeface="+mn-ea"/>
+                <a:cs typeface="+mn-cs"/>
+              </a:defRPr>
+            </a:lvl3pPr>
+            <a:lvl4pPr marL="1371600" algn="l" defTabSz="914400" rtl="0" eaLnBrk="1" latinLnBrk="0" hangingPunct="1">
+              <a:defRPr sz="1800" kern="1200">
+                <a:solidFill>
+                  <a:schemeClr val="tx1"/>
+                </a:solidFill>
+                <a:latin typeface="+mn-lt"/>
+                <a:ea typeface="+mn-ea"/>
+                <a:cs typeface="+mn-cs"/>
+              </a:defRPr>
+            </a:lvl4pPr>
+            <a:lvl5pPr marL="1828800" algn="l" defTabSz="914400" rtl="0" eaLnBrk="1" latinLnBrk="0" hangingPunct="1">
+              <a:defRPr sz="1800" kern="1200">
+                <a:solidFill>
+                  <a:schemeClr val="tx1"/>
+                </a:solidFill>
+                <a:latin typeface="+mn-lt"/>
+                <a:ea typeface="+mn-ea"/>
+                <a:cs typeface="+mn-cs"/>
+              </a:defRPr>
+            </a:lvl5pPr>
+            <a:lvl6pPr marL="2286000" algn="l" defTabSz="914400" rtl="0" eaLnBrk="1" latinLnBrk="0" hangingPunct="1">
+              <a:defRPr sz="1800" kern="1200">
+                <a:solidFill>
+                  <a:schemeClr val="tx1"/>
+                </a:solidFill>
+                <a:latin typeface="+mn-lt"/>
+                <a:ea typeface="+mn-ea"/>
+                <a:cs typeface="+mn-cs"/>
+              </a:defRPr>
+            </a:lvl6pPr>
+            <a:lvl7pPr marL="2743200" algn="l" defTabSz="914400" rtl="0" eaLnBrk="1" latinLnBrk="0" hangingPunct="1">
+              <a:defRPr sz="1800" kern="1200">
+                <a:solidFill>
+                  <a:schemeClr val="tx1"/>
+                </a:solidFill>
+                <a:latin typeface="+mn-lt"/>
+                <a:ea typeface="+mn-ea"/>
+                <a:cs typeface="+mn-cs"/>
+              </a:defRPr>
+            </a:lvl7pPr>
+            <a:lvl8pPr marL="3200400" algn="l" defTabSz="914400" rtl="0" eaLnBrk="1" latinLnBrk="0" hangingPunct="1">
+              <a:defRPr sz="1800" kern="1200">
+                <a:solidFill>
+                  <a:schemeClr val="tx1"/>
+                </a:solidFill>
+                <a:latin typeface="+mn-lt"/>
+                <a:ea typeface="+mn-ea"/>
+                <a:cs typeface="+mn-cs"/>
+              </a:defRPr>
+            </a:lvl8pPr>
+            <a:lvl9pPr marL="3657600" algn="l" defTabSz="914400" rtl="0" eaLnBrk="1" latinLnBrk="0" hangingPunct="1">
+              <a:defRPr sz="1800" kern="1200">
+                <a:solidFill>
+                  <a:schemeClr val="tx1"/>
+                </a:solidFill>
+                <a:latin typeface="+mn-lt"/>
+                <a:ea typeface="+mn-ea"/>
+                <a:cs typeface="+mn-cs"/>
+              </a:defRPr>
+            </a:lvl9pPr>
+          </a:lstStyle>
+          <a:p>
+            <a:fld id="{3DE3E19F-02C1-4219-A00A-045ED18507E8}" type="slidenum">
+              <a:rPr lang="en-US" smtClean="0"/>
+              <a:pPr/>
+              <a:t>5</a:t>
+            </a:fld>
+            <a:endParaRPr lang="en-US"/>
           </a:p>
         </p:txBody>
       </p:sp>
     </p:spTree>
     <p:extLst>
       <p:ext uri="{BB962C8B-B14F-4D97-AF65-F5344CB8AC3E}">
-        <p14:creationId xmlns:p14="http://schemas.microsoft.com/office/powerpoint/2010/main" val="1913207341"/>
+        <p14:creationId xmlns:p14="http://schemas.microsoft.com/office/powerpoint/2010/main" val="3226800557"/>
       </p:ext>
     </p:extLst>
   </p:cSld>
@@ -8679,17 +11825,9 @@
 </p:sld>
 </file>
 
-<file path=ppt/slides/slide7.xml><?xml version="1.0" encoding="utf-8"?>
+<file path=ppt/slides/slide6.xml><?xml version="1.0" encoding="utf-8"?>
 <p:sld xmlns:a="http://schemas.openxmlformats.org/drawingml/2006/main" xmlns:r="http://schemas.openxmlformats.org/officeDocument/2006/relationships" xmlns:p="http://schemas.openxmlformats.org/presentationml/2006/main">
   <p:cSld>
-    <p:bg>
-      <p:bgPr>
-        <a:solidFill>
-          <a:schemeClr val="bg1"/>
-        </a:solidFill>
-        <a:effectLst/>
-      </p:bgPr>
-    </p:bg>
     <p:spTree>
       <p:nvGrpSpPr>
         <p:cNvPr id="1" name=""/>
@@ -8706,199 +11844,293 @@
       </p:grpSpPr>
       <p:sp>
         <p:nvSpPr>
-          <p:cNvPr id="17" name="Rectangle 16">
+          <p:cNvPr id="2" name="Başlık 1">
             <a:extLst>
               <a:ext uri="{FF2B5EF4-FFF2-40B4-BE49-F238E27FC236}">
-                <a16:creationId xmlns:a16="http://schemas.microsoft.com/office/drawing/2014/main" id="{6753252F-4873-4F63-801D-CC719279A7D5}"/>
-              </a:ext>
-              <a:ext uri="{C183D7F6-B498-43B3-948B-1728B52AA6E4}">
-                <adec:decorative xmlns:adec="http://schemas.microsoft.com/office/drawing/2017/decorative" val="1"/>
+                <a16:creationId xmlns:a16="http://schemas.microsoft.com/office/drawing/2014/main" id="{836E7814-FF08-4377-A509-67825A527CB2}"/>
               </a:ext>
             </a:extLst>
           </p:cNvPr>
           <p:cNvSpPr>
-            <a:spLocks noGrp="1" noRot="1" noChangeAspect="1" noMove="1" noResize="1" noEditPoints="1" noAdjustHandles="1" noChangeArrowheads="1" noChangeShapeType="1" noTextEdit="1"/>
-          </p:cNvSpPr>
-          <p:nvPr>
-            <p:extLst>
-              <p:ext uri="{386F3935-93C4-4BCD-93E2-E3B085C9AB24}">
-                <p16:designElem xmlns:p16="http://schemas.microsoft.com/office/powerpoint/2015/main" val="1"/>
-              </p:ext>
-            </p:extLst>
-          </p:nvPr>
-        </p:nvSpPr>
-        <p:spPr>
-          <a:xfrm>
-            <a:off x="0" y="0"/>
-            <a:ext cx="12192000" cy="6858000"/>
-          </a:xfrm>
-          <a:prstGeom prst="rect">
+            <a:spLocks noGrp="1"/>
+          </p:cNvSpPr>
+          <p:nvPr>
+            <p:ph type="title"/>
+          </p:nvPr>
+        </p:nvSpPr>
+        <p:spPr>
+          <a:xfrm>
+            <a:off x="429768" y="411480"/>
+            <a:ext cx="11201400" cy="685799"/>
+          </a:xfrm>
+        </p:spPr>
+        <p:txBody>
+          <a:bodyPr>
+            <a:normAutofit fontScale="90000"/>
+          </a:bodyPr>
+          <a:lstStyle/>
+          <a:p>
+            <a:r>
+              <a:rPr lang="en-US" dirty="0"/>
+              <a:t>Page 2 – Manager – Are you a real manager?</a:t>
+            </a:r>
+            <a:endParaRPr lang="tr-TR" dirty="0"/>
+          </a:p>
+        </p:txBody>
+      </p:sp>
+      <p:sp>
+        <p:nvSpPr>
+          <p:cNvPr id="3" name="İçerik Yer Tutucusu 2">
+            <a:extLst>
+              <a:ext uri="{FF2B5EF4-FFF2-40B4-BE49-F238E27FC236}">
+                <a16:creationId xmlns:a16="http://schemas.microsoft.com/office/drawing/2014/main" id="{CCD55640-FB69-450A-8F9B-6ECAD5BC35BD}"/>
+              </a:ext>
+            </a:extLst>
+          </p:cNvPr>
+          <p:cNvSpPr>
+            <a:spLocks noGrp="1"/>
+          </p:cNvSpPr>
+          <p:nvPr>
+            <p:ph idx="1"/>
+          </p:nvPr>
+        </p:nvSpPr>
+        <p:spPr>
+          <a:xfrm>
+            <a:off x="7938752" y="1721922"/>
+            <a:ext cx="3455097" cy="4258254"/>
+          </a:xfrm>
+        </p:spPr>
+        <p:txBody>
+          <a:bodyPr anchor="ctr">
+            <a:normAutofit/>
+          </a:bodyPr>
+          <a:lstStyle/>
+          <a:p>
+            <a:pPr>
+              <a:buFont typeface="Wingdings" panose="05000000000000000000" pitchFamily="2" charset="2"/>
+              <a:buChar char="q"/>
+            </a:pPr>
+            <a:r>
+              <a:rPr lang="en-US" sz="1800" dirty="0"/>
+              <a:t>If manager click “Manager” button, this page will appear to verify for security.</a:t>
+            </a:r>
+          </a:p>
+          <a:p>
+            <a:pPr>
+              <a:buFont typeface="Wingdings" panose="05000000000000000000" pitchFamily="2" charset="2"/>
+              <a:buChar char="q"/>
+            </a:pPr>
+            <a:r>
+              <a:rPr lang="en-US" sz="1800" dirty="0"/>
+              <a:t>Importantly, this username and password information will be checked by the database.</a:t>
+            </a:r>
+          </a:p>
+          <a:p>
+            <a:pPr>
+              <a:buFont typeface="Wingdings" panose="05000000000000000000" pitchFamily="2" charset="2"/>
+              <a:buChar char="q"/>
+            </a:pPr>
+            <a:r>
+              <a:rPr lang="en-US" sz="1800" dirty="0"/>
+              <a:t>This is the basic home page with two </a:t>
+            </a:r>
+            <a:r>
+              <a:rPr lang="en-US" sz="1800" dirty="0" err="1"/>
+              <a:t>lineEdits</a:t>
+            </a:r>
+            <a:r>
+              <a:rPr lang="en-US" sz="1800" dirty="0"/>
+              <a:t> and the Login Button.</a:t>
+            </a:r>
+          </a:p>
+        </p:txBody>
+      </p:sp>
+      <p:sp>
+        <p:nvSpPr>
+          <p:cNvPr id="4" name="Alt Bilgi Yer Tutucusu 3">
+            <a:extLst>
+              <a:ext uri="{FF2B5EF4-FFF2-40B4-BE49-F238E27FC236}">
+                <a16:creationId xmlns:a16="http://schemas.microsoft.com/office/drawing/2014/main" id="{999A477B-E4F9-46C0-B2C8-788CB525A6FF}"/>
+              </a:ext>
+            </a:extLst>
+          </p:cNvPr>
+          <p:cNvSpPr>
+            <a:spLocks noGrp="1"/>
+          </p:cNvSpPr>
+          <p:nvPr>
+            <p:ph type="ftr" sz="quarter" idx="11"/>
+          </p:nvPr>
+        </p:nvSpPr>
+        <p:spPr>
+          <a:xfrm>
+            <a:off x="4038600" y="6356350"/>
+            <a:ext cx="4114800" cy="365125"/>
+          </a:xfrm>
+        </p:spPr>
+        <p:txBody>
+          <a:bodyPr>
+            <a:normAutofit/>
+          </a:bodyPr>
+          <a:lstStyle/>
+          <a:p>
+            <a:pPr>
+              <a:spcAft>
+                <a:spcPts val="600"/>
+              </a:spcAft>
+            </a:pPr>
+            <a:r>
+              <a:rPr lang="en-US">
+                <a:solidFill>
+                  <a:schemeClr val="tx1">
+                    <a:lumMod val="50000"/>
+                    <a:lumOff val="50000"/>
+                  </a:schemeClr>
+                </a:solidFill>
+              </a:rPr>
+              <a:t>ARU Submarine</a:t>
+            </a:r>
+          </a:p>
+        </p:txBody>
+      </p:sp>
+      <p:sp>
+        <p:nvSpPr>
+          <p:cNvPr id="23" name="Slide Number Placeholder 8">
+            <a:extLst>
+              <a:ext uri="{FF2B5EF4-FFF2-40B4-BE49-F238E27FC236}">
+                <a16:creationId xmlns:a16="http://schemas.microsoft.com/office/drawing/2014/main" id="{04EF2BF7-32CB-4496-998C-2EC211896404}"/>
+              </a:ext>
+            </a:extLst>
+          </p:cNvPr>
+          <p:cNvSpPr txBox="1">
+            <a:spLocks/>
+          </p:cNvSpPr>
+          <p:nvPr/>
+        </p:nvSpPr>
+        <p:spPr>
+          <a:xfrm>
+            <a:off x="10911919" y="6349061"/>
+            <a:ext cx="367666" cy="365125"/>
+          </a:xfrm>
+          <a:prstGeom prst="flowChartConnector">
             <a:avLst/>
           </a:prstGeom>
           <a:solidFill>
-            <a:srgbClr val="FFFFFF"/>
+            <a:srgbClr val="85CC18"/>
           </a:solidFill>
-          <a:ln>
-            <a:noFill/>
-          </a:ln>
-        </p:spPr>
-        <p:style>
-          <a:lnRef idx="2">
-            <a:schemeClr val="accent1">
-              <a:shade val="50000"/>
-            </a:schemeClr>
-          </a:lnRef>
-          <a:fillRef idx="1">
-            <a:schemeClr val="accent1"/>
-          </a:fillRef>
-          <a:effectRef idx="0">
-            <a:schemeClr val="accent1"/>
-          </a:effectRef>
-          <a:fontRef idx="minor">
-            <a:schemeClr val="lt1"/>
-          </a:fontRef>
-        </p:style>
-        <p:txBody>
-          <a:bodyPr rtlCol="0" anchor="ctr"/>
-          <a:lstStyle/>
-          <a:p>
-            <a:pPr algn="ctr"/>
+        </p:spPr>
+        <p:txBody>
+          <a:bodyPr vert="horz" lIns="0" tIns="45720" rIns="0" bIns="45720" rtlCol="0" anchor="ctr"/>
+          <a:lstStyle>
+            <a:defPPr>
+              <a:defRPr lang="en-US"/>
+            </a:defPPr>
+            <a:lvl1pPr marL="0" algn="ctr" defTabSz="914400" rtl="0" eaLnBrk="1" latinLnBrk="0" hangingPunct="1">
+              <a:defRPr sz="900" kern="1200">
+                <a:solidFill>
+                  <a:schemeClr val="bg1"/>
+                </a:solidFill>
+                <a:latin typeface="+mn-lt"/>
+                <a:ea typeface="+mn-ea"/>
+                <a:cs typeface="+mn-cs"/>
+              </a:defRPr>
+            </a:lvl1pPr>
+            <a:lvl2pPr marL="457200" algn="l" defTabSz="914400" rtl="0" eaLnBrk="1" latinLnBrk="0" hangingPunct="1">
+              <a:defRPr sz="1800" kern="1200">
+                <a:solidFill>
+                  <a:schemeClr val="tx1"/>
+                </a:solidFill>
+                <a:latin typeface="+mn-lt"/>
+                <a:ea typeface="+mn-ea"/>
+                <a:cs typeface="+mn-cs"/>
+              </a:defRPr>
+            </a:lvl2pPr>
+            <a:lvl3pPr marL="914400" algn="l" defTabSz="914400" rtl="0" eaLnBrk="1" latinLnBrk="0" hangingPunct="1">
+              <a:defRPr sz="1800" kern="1200">
+                <a:solidFill>
+                  <a:schemeClr val="tx1"/>
+                </a:solidFill>
+                <a:latin typeface="+mn-lt"/>
+                <a:ea typeface="+mn-ea"/>
+                <a:cs typeface="+mn-cs"/>
+              </a:defRPr>
+            </a:lvl3pPr>
+            <a:lvl4pPr marL="1371600" algn="l" defTabSz="914400" rtl="0" eaLnBrk="1" latinLnBrk="0" hangingPunct="1">
+              <a:defRPr sz="1800" kern="1200">
+                <a:solidFill>
+                  <a:schemeClr val="tx1"/>
+                </a:solidFill>
+                <a:latin typeface="+mn-lt"/>
+                <a:ea typeface="+mn-ea"/>
+                <a:cs typeface="+mn-cs"/>
+              </a:defRPr>
+            </a:lvl4pPr>
+            <a:lvl5pPr marL="1828800" algn="l" defTabSz="914400" rtl="0" eaLnBrk="1" latinLnBrk="0" hangingPunct="1">
+              <a:defRPr sz="1800" kern="1200">
+                <a:solidFill>
+                  <a:schemeClr val="tx1"/>
+                </a:solidFill>
+                <a:latin typeface="+mn-lt"/>
+                <a:ea typeface="+mn-ea"/>
+                <a:cs typeface="+mn-cs"/>
+              </a:defRPr>
+            </a:lvl5pPr>
+            <a:lvl6pPr marL="2286000" algn="l" defTabSz="914400" rtl="0" eaLnBrk="1" latinLnBrk="0" hangingPunct="1">
+              <a:defRPr sz="1800" kern="1200">
+                <a:solidFill>
+                  <a:schemeClr val="tx1"/>
+                </a:solidFill>
+                <a:latin typeface="+mn-lt"/>
+                <a:ea typeface="+mn-ea"/>
+                <a:cs typeface="+mn-cs"/>
+              </a:defRPr>
+            </a:lvl6pPr>
+            <a:lvl7pPr marL="2743200" algn="l" defTabSz="914400" rtl="0" eaLnBrk="1" latinLnBrk="0" hangingPunct="1">
+              <a:defRPr sz="1800" kern="1200">
+                <a:solidFill>
+                  <a:schemeClr val="tx1"/>
+                </a:solidFill>
+                <a:latin typeface="+mn-lt"/>
+                <a:ea typeface="+mn-ea"/>
+                <a:cs typeface="+mn-cs"/>
+              </a:defRPr>
+            </a:lvl7pPr>
+            <a:lvl8pPr marL="3200400" algn="l" defTabSz="914400" rtl="0" eaLnBrk="1" latinLnBrk="0" hangingPunct="1">
+              <a:defRPr sz="1800" kern="1200">
+                <a:solidFill>
+                  <a:schemeClr val="tx1"/>
+                </a:solidFill>
+                <a:latin typeface="+mn-lt"/>
+                <a:ea typeface="+mn-ea"/>
+                <a:cs typeface="+mn-cs"/>
+              </a:defRPr>
+            </a:lvl8pPr>
+            <a:lvl9pPr marL="3657600" algn="l" defTabSz="914400" rtl="0" eaLnBrk="1" latinLnBrk="0" hangingPunct="1">
+              <a:defRPr sz="1800" kern="1200">
+                <a:solidFill>
+                  <a:schemeClr val="tx1"/>
+                </a:solidFill>
+                <a:latin typeface="+mn-lt"/>
+                <a:ea typeface="+mn-ea"/>
+                <a:cs typeface="+mn-cs"/>
+              </a:defRPr>
+            </a:lvl9pPr>
+          </a:lstStyle>
+          <a:p>
+            <a:fld id="{3DE3E19F-02C1-4219-A00A-045ED18507E8}" type="slidenum">
+              <a:rPr lang="en-US" smtClean="0"/>
+              <a:pPr/>
+              <a:t>6</a:t>
+            </a:fld>
             <a:endParaRPr lang="en-US"/>
           </a:p>
         </p:txBody>
       </p:sp>
-      <p:sp>
-        <p:nvSpPr>
-          <p:cNvPr id="19" name="Rectangle 18">
+      <p:pic>
+        <p:nvPicPr>
+          <p:cNvPr id="6" name="Resim 5" descr="ekran görüntüsü, ekran, oturma, geniş içeren bir resim&#10;&#10;Açıklama otomatik olarak oluşturuldu">
             <a:extLst>
               <a:ext uri="{FF2B5EF4-FFF2-40B4-BE49-F238E27FC236}">
-                <a16:creationId xmlns:a16="http://schemas.microsoft.com/office/drawing/2014/main" id="{047C8CCB-F95D-4249-92DD-651249D3535A}"/>
-              </a:ext>
-              <a:ext uri="{C183D7F6-B498-43B3-948B-1728B52AA6E4}">
-                <adec:decorative xmlns:adec="http://schemas.microsoft.com/office/drawing/2017/decorative" val="1"/>
-              </a:ext>
-            </a:extLst>
-          </p:cNvPr>
-          <p:cNvSpPr>
-            <a:spLocks noGrp="1" noRot="1" noChangeAspect="1" noMove="1" noResize="1" noEditPoints="1" noAdjustHandles="1" noChangeArrowheads="1" noChangeShapeType="1" noTextEdit="1"/>
-          </p:cNvSpPr>
-          <p:nvPr>
-            <p:extLst>
-              <p:ext uri="{386F3935-93C4-4BCD-93E2-E3B085C9AB24}">
-                <p16:designElem xmlns:p16="http://schemas.microsoft.com/office/powerpoint/2015/main" val="1"/>
-              </p:ext>
-            </p:extLst>
-          </p:nvPr>
-        </p:nvSpPr>
-        <p:spPr>
-          <a:xfrm>
-            <a:off x="0" y="0"/>
-            <a:ext cx="2013557" cy="6858000"/>
-          </a:xfrm>
-          <a:prstGeom prst="rect">
-            <a:avLst/>
-          </a:prstGeom>
-          <a:solidFill>
-            <a:srgbClr val="7F7F7F"/>
-          </a:solidFill>
-          <a:ln>
-            <a:noFill/>
-          </a:ln>
-        </p:spPr>
-        <p:style>
-          <a:lnRef idx="2">
-            <a:schemeClr val="accent1">
-              <a:shade val="50000"/>
-            </a:schemeClr>
-          </a:lnRef>
-          <a:fillRef idx="1">
-            <a:schemeClr val="accent1"/>
-          </a:fillRef>
-          <a:effectRef idx="0">
-            <a:schemeClr val="accent1"/>
-          </a:effectRef>
-          <a:fontRef idx="minor">
-            <a:schemeClr val="lt1"/>
-          </a:fontRef>
-        </p:style>
-        <p:txBody>
-          <a:bodyPr rtlCol="0" anchor="ctr"/>
-          <a:lstStyle/>
-          <a:p>
-            <a:pPr algn="ctr"/>
-            <a:endParaRPr lang="en-US"/>
-          </a:p>
-        </p:txBody>
-      </p:sp>
-      <p:sp>
-        <p:nvSpPr>
-          <p:cNvPr id="3" name="Başlık 2">
-            <a:extLst>
-              <a:ext uri="{FF2B5EF4-FFF2-40B4-BE49-F238E27FC236}">
-                <a16:creationId xmlns:a16="http://schemas.microsoft.com/office/drawing/2014/main" id="{0F98123C-7C9D-4660-8D3C-1A2D63CDA629}"/>
-              </a:ext>
-            </a:extLst>
-          </p:cNvPr>
-          <p:cNvSpPr>
-            <a:spLocks noGrp="1"/>
-          </p:cNvSpPr>
-          <p:nvPr>
-            <p:ph type="title"/>
-          </p:nvPr>
-        </p:nvSpPr>
-        <p:spPr>
-          <a:xfrm>
-            <a:off x="640080" y="2074363"/>
-            <a:ext cx="2752354" cy="2709275"/>
-          </a:xfrm>
-          <a:prstGeom prst="ellipse">
-            <a:avLst/>
-          </a:prstGeom>
-          <a:solidFill>
-            <a:srgbClr val="262626"/>
-          </a:solidFill>
-          <a:ln w="174625" cmpd="thinThick">
-            <a:solidFill>
-              <a:srgbClr val="262626"/>
-            </a:solidFill>
-          </a:ln>
-        </p:spPr>
-        <p:txBody>
-          <a:bodyPr vert="horz" lIns="91440" tIns="45720" rIns="91440" bIns="45720" rtlCol="0" anchor="ctr">
-            <a:normAutofit/>
-          </a:bodyPr>
-          <a:lstStyle/>
-          <a:p>
-            <a:pPr algn="ctr">
-              <a:lnSpc>
-                <a:spcPct val="90000"/>
-              </a:lnSpc>
-            </a:pPr>
-            <a:r>
-              <a:rPr lang="en-US" sz="2600" dirty="0">
-                <a:solidFill>
-                  <a:srgbClr val="FFFFFF"/>
-                </a:solidFill>
-              </a:rPr>
-              <a:t>Get Your Ticket Page</a:t>
-            </a:r>
-            <a:endParaRPr lang="en-US" sz="2600" kern="1200" dirty="0">
-              <a:solidFill>
-                <a:srgbClr val="FFFFFF"/>
-              </a:solidFill>
-              <a:latin typeface="+mj-lt"/>
-              <a:ea typeface="+mj-ea"/>
-              <a:cs typeface="+mj-cs"/>
-            </a:endParaRPr>
-          </a:p>
-        </p:txBody>
-      </p:sp>
-      <p:pic>
-        <p:nvPicPr>
-          <p:cNvPr id="2" name="Resim 1">
-            <a:extLst>
-              <a:ext uri="{FF2B5EF4-FFF2-40B4-BE49-F238E27FC236}">
-                <a16:creationId xmlns:a16="http://schemas.microsoft.com/office/drawing/2014/main" id="{82132BF6-E609-4517-B9DD-366FE740E976}"/>
+                <a16:creationId xmlns:a16="http://schemas.microsoft.com/office/drawing/2014/main" id="{C99256EF-7A51-4D39-A84E-CA37DD482B9F}"/>
               </a:ext>
             </a:extLst>
           </p:cNvPr>
@@ -8908,83 +12140,31 @@
           <p:nvPr/>
         </p:nvPicPr>
         <p:blipFill>
-          <a:blip r:embed="rId2"/>
+          <a:blip r:embed="rId2">
+            <a:extLst>
+              <a:ext uri="{28A0092B-C50C-407E-A947-70E740481C1C}">
+                <a14:useLocalDpi xmlns:a14="http://schemas.microsoft.com/office/drawing/2010/main" val="0"/>
+              </a:ext>
+            </a:extLst>
+          </a:blip>
           <a:stretch>
             <a:fillRect/>
           </a:stretch>
         </p:blipFill>
         <p:spPr>
           <a:xfrm>
-            <a:off x="5475152" y="340689"/>
-            <a:ext cx="4316547" cy="5685672"/>
+            <a:off x="429767" y="2100467"/>
+            <a:ext cx="6708997" cy="3821362"/>
           </a:xfrm>
           <a:prstGeom prst="rect">
             <a:avLst/>
           </a:prstGeom>
         </p:spPr>
       </p:pic>
-      <p:sp>
-        <p:nvSpPr>
-          <p:cNvPr id="9" name="Dikdörtgen 8">
-            <a:extLst>
-              <a:ext uri="{FF2B5EF4-FFF2-40B4-BE49-F238E27FC236}">
-                <a16:creationId xmlns:a16="http://schemas.microsoft.com/office/drawing/2014/main" id="{EFCF5C85-3588-4046-B38C-CFDE63B2FD36}"/>
-              </a:ext>
-            </a:extLst>
-          </p:cNvPr>
-          <p:cNvSpPr/>
-          <p:nvPr/>
-        </p:nvSpPr>
-        <p:spPr>
-          <a:xfrm>
-            <a:off x="3392435" y="6191250"/>
-            <a:ext cx="7834364" cy="472860"/>
-          </a:xfrm>
-          <a:prstGeom prst="rect">
-            <a:avLst/>
-          </a:prstGeom>
-          <a:solidFill>
-            <a:srgbClr val="7F7F7F"/>
-          </a:solidFill>
-          <a:ln>
-            <a:solidFill>
-              <a:srgbClr val="103CFF"/>
-            </a:solidFill>
-          </a:ln>
-        </p:spPr>
-        <p:style>
-          <a:lnRef idx="2">
-            <a:schemeClr val="accent1">
-              <a:shade val="50000"/>
-            </a:schemeClr>
-          </a:lnRef>
-          <a:fillRef idx="1">
-            <a:schemeClr val="accent1"/>
-          </a:fillRef>
-          <a:effectRef idx="0">
-            <a:schemeClr val="accent1"/>
-          </a:effectRef>
-          <a:fontRef idx="minor">
-            <a:schemeClr val="lt1"/>
-          </a:fontRef>
-        </p:style>
-        <p:txBody>
-          <a:bodyPr rtlCol="0" anchor="ctr"/>
-          <a:lstStyle/>
-          <a:p>
-            <a:pPr algn="ctr"/>
-            <a:r>
-              <a:rPr lang="en-US" dirty="0"/>
-              <a:t>You can choose your location and class type. Be sure to get confirmation after deciding on travel date</a:t>
-            </a:r>
-            <a:endParaRPr lang="tr-TR" dirty="0"/>
-          </a:p>
-        </p:txBody>
-      </p:sp>
     </p:spTree>
     <p:extLst>
       <p:ext uri="{BB962C8B-B14F-4D97-AF65-F5344CB8AC3E}">
-        <p14:creationId xmlns:p14="http://schemas.microsoft.com/office/powerpoint/2010/main" val="3412196310"/>
+        <p14:creationId xmlns:p14="http://schemas.microsoft.com/office/powerpoint/2010/main" val="3334357749"/>
       </p:ext>
     </p:extLst>
   </p:cSld>
@@ -8994,17 +12174,9 @@
 </p:sld>
 </file>
 
-<file path=ppt/slides/slide8.xml><?xml version="1.0" encoding="utf-8"?>
+<file path=ppt/slides/slide7.xml><?xml version="1.0" encoding="utf-8"?>
 <p:sld xmlns:a="http://schemas.openxmlformats.org/drawingml/2006/main" xmlns:r="http://schemas.openxmlformats.org/officeDocument/2006/relationships" xmlns:p="http://schemas.openxmlformats.org/presentationml/2006/main">
   <p:cSld>
-    <p:bg>
-      <p:bgPr>
-        <a:solidFill>
-          <a:schemeClr val="bg1"/>
-        </a:solidFill>
-        <a:effectLst/>
-      </p:bgPr>
-    </p:bg>
     <p:spTree>
       <p:nvGrpSpPr>
         <p:cNvPr id="1" name=""/>
@@ -9021,194 +12193,288 @@
       </p:grpSpPr>
       <p:sp>
         <p:nvSpPr>
-          <p:cNvPr id="17" name="Rectangle 16">
+          <p:cNvPr id="2" name="Başlık 1">
             <a:extLst>
               <a:ext uri="{FF2B5EF4-FFF2-40B4-BE49-F238E27FC236}">
-                <a16:creationId xmlns:a16="http://schemas.microsoft.com/office/drawing/2014/main" id="{6753252F-4873-4F63-801D-CC719279A7D5}"/>
-              </a:ext>
-              <a:ext uri="{C183D7F6-B498-43B3-948B-1728B52AA6E4}">
-                <adec:decorative xmlns:adec="http://schemas.microsoft.com/office/drawing/2017/decorative" val="1"/>
+                <a16:creationId xmlns:a16="http://schemas.microsoft.com/office/drawing/2014/main" id="{836E7814-FF08-4377-A509-67825A527CB2}"/>
               </a:ext>
             </a:extLst>
           </p:cNvPr>
           <p:cNvSpPr>
-            <a:spLocks noGrp="1" noRot="1" noChangeAspect="1" noMove="1" noResize="1" noEditPoints="1" noAdjustHandles="1" noChangeArrowheads="1" noChangeShapeType="1" noTextEdit="1"/>
-          </p:cNvSpPr>
-          <p:nvPr>
-            <p:extLst>
-              <p:ext uri="{386F3935-93C4-4BCD-93E2-E3B085C9AB24}">
-                <p16:designElem xmlns:p16="http://schemas.microsoft.com/office/powerpoint/2015/main" val="1"/>
-              </p:ext>
-            </p:extLst>
-          </p:nvPr>
-        </p:nvSpPr>
-        <p:spPr>
-          <a:xfrm>
-            <a:off x="0" y="0"/>
-            <a:ext cx="12192000" cy="6858000"/>
-          </a:xfrm>
-          <a:prstGeom prst="rect">
+            <a:spLocks noGrp="1"/>
+          </p:cNvSpPr>
+          <p:nvPr>
+            <p:ph type="title"/>
+          </p:nvPr>
+        </p:nvSpPr>
+        <p:spPr>
+          <a:xfrm>
+            <a:off x="429768" y="411480"/>
+            <a:ext cx="11201400" cy="685799"/>
+          </a:xfrm>
+        </p:spPr>
+        <p:txBody>
+          <a:bodyPr>
+            <a:normAutofit fontScale="90000"/>
+          </a:bodyPr>
+          <a:lstStyle/>
+          <a:p>
+            <a:r>
+              <a:rPr lang="en-US" dirty="0"/>
+              <a:t>Page 3 – Manager – </a:t>
+            </a:r>
+            <a:r>
+              <a:rPr lang="en-US" dirty="0" err="1"/>
+              <a:t>Opps</a:t>
+            </a:r>
+            <a:r>
+              <a:rPr lang="en-US" dirty="0"/>
+              <a:t> wrong answer!</a:t>
+            </a:r>
+            <a:endParaRPr lang="tr-TR" dirty="0"/>
+          </a:p>
+        </p:txBody>
+      </p:sp>
+      <p:sp>
+        <p:nvSpPr>
+          <p:cNvPr id="3" name="İçerik Yer Tutucusu 2">
+            <a:extLst>
+              <a:ext uri="{FF2B5EF4-FFF2-40B4-BE49-F238E27FC236}">
+                <a16:creationId xmlns:a16="http://schemas.microsoft.com/office/drawing/2014/main" id="{CCD55640-FB69-450A-8F9B-6ECAD5BC35BD}"/>
+              </a:ext>
+            </a:extLst>
+          </p:cNvPr>
+          <p:cNvSpPr>
+            <a:spLocks noGrp="1"/>
+          </p:cNvSpPr>
+          <p:nvPr>
+            <p:ph idx="1"/>
+          </p:nvPr>
+        </p:nvSpPr>
+        <p:spPr>
+          <a:xfrm>
+            <a:off x="7938752" y="1721922"/>
+            <a:ext cx="3455097" cy="4258254"/>
+          </a:xfrm>
+        </p:spPr>
+        <p:txBody>
+          <a:bodyPr anchor="ctr">
+            <a:normAutofit/>
+          </a:bodyPr>
+          <a:lstStyle/>
+          <a:p>
+            <a:pPr>
+              <a:buFont typeface="Wingdings" panose="05000000000000000000" pitchFamily="2" charset="2"/>
+              <a:buChar char="q"/>
+            </a:pPr>
+            <a:r>
+              <a:rPr lang="en-US" sz="1800" dirty="0"/>
+              <a:t>If the database does not include username and password that someone in from keyboard.  The error will show by a new </a:t>
+            </a:r>
+            <a:r>
+              <a:rPr lang="en-US" sz="1800" dirty="0" err="1"/>
+              <a:t>MessageBox</a:t>
+            </a:r>
+            <a:endParaRPr lang="en-US" sz="1800" dirty="0"/>
+          </a:p>
+          <a:p>
+            <a:pPr>
+              <a:buFont typeface="Wingdings" panose="05000000000000000000" pitchFamily="2" charset="2"/>
+              <a:buChar char="q"/>
+            </a:pPr>
+            <a:r>
+              <a:rPr lang="en-US" sz="1800" dirty="0"/>
+              <a:t>Also,  other pages have the same protocol, but I will not show them all in that slide.</a:t>
+            </a:r>
+          </a:p>
+        </p:txBody>
+      </p:sp>
+      <p:sp>
+        <p:nvSpPr>
+          <p:cNvPr id="4" name="Alt Bilgi Yer Tutucusu 3">
+            <a:extLst>
+              <a:ext uri="{FF2B5EF4-FFF2-40B4-BE49-F238E27FC236}">
+                <a16:creationId xmlns:a16="http://schemas.microsoft.com/office/drawing/2014/main" id="{999A477B-E4F9-46C0-B2C8-788CB525A6FF}"/>
+              </a:ext>
+            </a:extLst>
+          </p:cNvPr>
+          <p:cNvSpPr>
+            <a:spLocks noGrp="1"/>
+          </p:cNvSpPr>
+          <p:nvPr>
+            <p:ph type="ftr" sz="quarter" idx="11"/>
+          </p:nvPr>
+        </p:nvSpPr>
+        <p:spPr>
+          <a:xfrm>
+            <a:off x="4038600" y="6356350"/>
+            <a:ext cx="4114800" cy="365125"/>
+          </a:xfrm>
+        </p:spPr>
+        <p:txBody>
+          <a:bodyPr>
+            <a:normAutofit/>
+          </a:bodyPr>
+          <a:lstStyle/>
+          <a:p>
+            <a:pPr>
+              <a:spcAft>
+                <a:spcPts val="600"/>
+              </a:spcAft>
+            </a:pPr>
+            <a:r>
+              <a:rPr lang="en-US">
+                <a:solidFill>
+                  <a:schemeClr val="tx1">
+                    <a:lumMod val="50000"/>
+                    <a:lumOff val="50000"/>
+                  </a:schemeClr>
+                </a:solidFill>
+              </a:rPr>
+              <a:t>ARU Submarine</a:t>
+            </a:r>
+          </a:p>
+        </p:txBody>
+      </p:sp>
+      <p:sp>
+        <p:nvSpPr>
+          <p:cNvPr id="23" name="Slide Number Placeholder 8">
+            <a:extLst>
+              <a:ext uri="{FF2B5EF4-FFF2-40B4-BE49-F238E27FC236}">
+                <a16:creationId xmlns:a16="http://schemas.microsoft.com/office/drawing/2014/main" id="{04EF2BF7-32CB-4496-998C-2EC211896404}"/>
+              </a:ext>
+            </a:extLst>
+          </p:cNvPr>
+          <p:cNvSpPr txBox="1">
+            <a:spLocks/>
+          </p:cNvSpPr>
+          <p:nvPr/>
+        </p:nvSpPr>
+        <p:spPr>
+          <a:xfrm>
+            <a:off x="10911919" y="6349061"/>
+            <a:ext cx="367666" cy="365125"/>
+          </a:xfrm>
+          <a:prstGeom prst="flowChartConnector">
             <a:avLst/>
           </a:prstGeom>
           <a:solidFill>
-            <a:srgbClr val="FFFFFF"/>
+            <a:srgbClr val="85CC18"/>
           </a:solidFill>
-          <a:ln>
-            <a:noFill/>
-          </a:ln>
-        </p:spPr>
-        <p:style>
-          <a:lnRef idx="2">
-            <a:schemeClr val="accent1">
-              <a:shade val="50000"/>
-            </a:schemeClr>
-          </a:lnRef>
-          <a:fillRef idx="1">
-            <a:schemeClr val="accent1"/>
-          </a:fillRef>
-          <a:effectRef idx="0">
-            <a:schemeClr val="accent1"/>
-          </a:effectRef>
-          <a:fontRef idx="minor">
-            <a:schemeClr val="lt1"/>
-          </a:fontRef>
-        </p:style>
-        <p:txBody>
-          <a:bodyPr rtlCol="0" anchor="ctr"/>
-          <a:lstStyle/>
-          <a:p>
-            <a:pPr algn="ctr"/>
+        </p:spPr>
+        <p:txBody>
+          <a:bodyPr vert="horz" lIns="0" tIns="45720" rIns="0" bIns="45720" rtlCol="0" anchor="ctr"/>
+          <a:lstStyle>
+            <a:defPPr>
+              <a:defRPr lang="en-US"/>
+            </a:defPPr>
+            <a:lvl1pPr marL="0" algn="ctr" defTabSz="914400" rtl="0" eaLnBrk="1" latinLnBrk="0" hangingPunct="1">
+              <a:defRPr sz="900" kern="1200">
+                <a:solidFill>
+                  <a:schemeClr val="bg1"/>
+                </a:solidFill>
+                <a:latin typeface="+mn-lt"/>
+                <a:ea typeface="+mn-ea"/>
+                <a:cs typeface="+mn-cs"/>
+              </a:defRPr>
+            </a:lvl1pPr>
+            <a:lvl2pPr marL="457200" algn="l" defTabSz="914400" rtl="0" eaLnBrk="1" latinLnBrk="0" hangingPunct="1">
+              <a:defRPr sz="1800" kern="1200">
+                <a:solidFill>
+                  <a:schemeClr val="tx1"/>
+                </a:solidFill>
+                <a:latin typeface="+mn-lt"/>
+                <a:ea typeface="+mn-ea"/>
+                <a:cs typeface="+mn-cs"/>
+              </a:defRPr>
+            </a:lvl2pPr>
+            <a:lvl3pPr marL="914400" algn="l" defTabSz="914400" rtl="0" eaLnBrk="1" latinLnBrk="0" hangingPunct="1">
+              <a:defRPr sz="1800" kern="1200">
+                <a:solidFill>
+                  <a:schemeClr val="tx1"/>
+                </a:solidFill>
+                <a:latin typeface="+mn-lt"/>
+                <a:ea typeface="+mn-ea"/>
+                <a:cs typeface="+mn-cs"/>
+              </a:defRPr>
+            </a:lvl3pPr>
+            <a:lvl4pPr marL="1371600" algn="l" defTabSz="914400" rtl="0" eaLnBrk="1" latinLnBrk="0" hangingPunct="1">
+              <a:defRPr sz="1800" kern="1200">
+                <a:solidFill>
+                  <a:schemeClr val="tx1"/>
+                </a:solidFill>
+                <a:latin typeface="+mn-lt"/>
+                <a:ea typeface="+mn-ea"/>
+                <a:cs typeface="+mn-cs"/>
+              </a:defRPr>
+            </a:lvl4pPr>
+            <a:lvl5pPr marL="1828800" algn="l" defTabSz="914400" rtl="0" eaLnBrk="1" latinLnBrk="0" hangingPunct="1">
+              <a:defRPr sz="1800" kern="1200">
+                <a:solidFill>
+                  <a:schemeClr val="tx1"/>
+                </a:solidFill>
+                <a:latin typeface="+mn-lt"/>
+                <a:ea typeface="+mn-ea"/>
+                <a:cs typeface="+mn-cs"/>
+              </a:defRPr>
+            </a:lvl5pPr>
+            <a:lvl6pPr marL="2286000" algn="l" defTabSz="914400" rtl="0" eaLnBrk="1" latinLnBrk="0" hangingPunct="1">
+              <a:defRPr sz="1800" kern="1200">
+                <a:solidFill>
+                  <a:schemeClr val="tx1"/>
+                </a:solidFill>
+                <a:latin typeface="+mn-lt"/>
+                <a:ea typeface="+mn-ea"/>
+                <a:cs typeface="+mn-cs"/>
+              </a:defRPr>
+            </a:lvl6pPr>
+            <a:lvl7pPr marL="2743200" algn="l" defTabSz="914400" rtl="0" eaLnBrk="1" latinLnBrk="0" hangingPunct="1">
+              <a:defRPr sz="1800" kern="1200">
+                <a:solidFill>
+                  <a:schemeClr val="tx1"/>
+                </a:solidFill>
+                <a:latin typeface="+mn-lt"/>
+                <a:ea typeface="+mn-ea"/>
+                <a:cs typeface="+mn-cs"/>
+              </a:defRPr>
+            </a:lvl7pPr>
+            <a:lvl8pPr marL="3200400" algn="l" defTabSz="914400" rtl="0" eaLnBrk="1" latinLnBrk="0" hangingPunct="1">
+              <a:defRPr sz="1800" kern="1200">
+                <a:solidFill>
+                  <a:schemeClr val="tx1"/>
+                </a:solidFill>
+                <a:latin typeface="+mn-lt"/>
+                <a:ea typeface="+mn-ea"/>
+                <a:cs typeface="+mn-cs"/>
+              </a:defRPr>
+            </a:lvl8pPr>
+            <a:lvl9pPr marL="3657600" algn="l" defTabSz="914400" rtl="0" eaLnBrk="1" latinLnBrk="0" hangingPunct="1">
+              <a:defRPr sz="1800" kern="1200">
+                <a:solidFill>
+                  <a:schemeClr val="tx1"/>
+                </a:solidFill>
+                <a:latin typeface="+mn-lt"/>
+                <a:ea typeface="+mn-ea"/>
+                <a:cs typeface="+mn-cs"/>
+              </a:defRPr>
+            </a:lvl9pPr>
+          </a:lstStyle>
+          <a:p>
+            <a:fld id="{3DE3E19F-02C1-4219-A00A-045ED18507E8}" type="slidenum">
+              <a:rPr lang="en-US" smtClean="0"/>
+              <a:pPr/>
+              <a:t>7</a:t>
+            </a:fld>
             <a:endParaRPr lang="en-US"/>
           </a:p>
         </p:txBody>
       </p:sp>
-      <p:sp>
-        <p:nvSpPr>
-          <p:cNvPr id="19" name="Rectangle 18">
+      <p:pic>
+        <p:nvPicPr>
+          <p:cNvPr id="9" name="Resim 8" descr="ekran görüntüsü içeren bir resim&#10;&#10;Açıklama otomatik olarak oluşturuldu">
             <a:extLst>
               <a:ext uri="{FF2B5EF4-FFF2-40B4-BE49-F238E27FC236}">
-                <a16:creationId xmlns:a16="http://schemas.microsoft.com/office/drawing/2014/main" id="{047C8CCB-F95D-4249-92DD-651249D3535A}"/>
-              </a:ext>
-              <a:ext uri="{C183D7F6-B498-43B3-948B-1728B52AA6E4}">
-                <adec:decorative xmlns:adec="http://schemas.microsoft.com/office/drawing/2017/decorative" val="1"/>
-              </a:ext>
-            </a:extLst>
-          </p:cNvPr>
-          <p:cNvSpPr>
-            <a:spLocks noGrp="1" noRot="1" noChangeAspect="1" noMove="1" noResize="1" noEditPoints="1" noAdjustHandles="1" noChangeArrowheads="1" noChangeShapeType="1" noTextEdit="1"/>
-          </p:cNvSpPr>
-          <p:nvPr>
-            <p:extLst>
-              <p:ext uri="{386F3935-93C4-4BCD-93E2-E3B085C9AB24}">
-                <p16:designElem xmlns:p16="http://schemas.microsoft.com/office/powerpoint/2015/main" val="1"/>
-              </p:ext>
-            </p:extLst>
-          </p:nvPr>
-        </p:nvSpPr>
-        <p:spPr>
-          <a:xfrm>
-            <a:off x="0" y="0"/>
-            <a:ext cx="2013557" cy="6858000"/>
-          </a:xfrm>
-          <a:prstGeom prst="rect">
-            <a:avLst/>
-          </a:prstGeom>
-          <a:solidFill>
-            <a:srgbClr val="6A532F"/>
-          </a:solidFill>
-          <a:ln>
-            <a:noFill/>
-          </a:ln>
-        </p:spPr>
-        <p:style>
-          <a:lnRef idx="2">
-            <a:schemeClr val="accent1">
-              <a:shade val="50000"/>
-            </a:schemeClr>
-          </a:lnRef>
-          <a:fillRef idx="1">
-            <a:schemeClr val="accent1"/>
-          </a:fillRef>
-          <a:effectRef idx="0">
-            <a:schemeClr val="accent1"/>
-          </a:effectRef>
-          <a:fontRef idx="minor">
-            <a:schemeClr val="lt1"/>
-          </a:fontRef>
-        </p:style>
-        <p:txBody>
-          <a:bodyPr rtlCol="0" anchor="ctr"/>
-          <a:lstStyle/>
-          <a:p>
-            <a:pPr algn="ctr"/>
-            <a:endParaRPr lang="en-US"/>
-          </a:p>
-        </p:txBody>
-      </p:sp>
-      <p:sp>
-        <p:nvSpPr>
-          <p:cNvPr id="3" name="Başlık 2">
-            <a:extLst>
-              <a:ext uri="{FF2B5EF4-FFF2-40B4-BE49-F238E27FC236}">
-                <a16:creationId xmlns:a16="http://schemas.microsoft.com/office/drawing/2014/main" id="{0F98123C-7C9D-4660-8D3C-1A2D63CDA629}"/>
-              </a:ext>
-            </a:extLst>
-          </p:cNvPr>
-          <p:cNvSpPr>
-            <a:spLocks noGrp="1"/>
-          </p:cNvSpPr>
-          <p:nvPr>
-            <p:ph type="title"/>
-          </p:nvPr>
-        </p:nvSpPr>
-        <p:spPr>
-          <a:xfrm>
-            <a:off x="640080" y="2074363"/>
-            <a:ext cx="2752354" cy="2709275"/>
-          </a:xfrm>
-          <a:prstGeom prst="ellipse">
-            <a:avLst/>
-          </a:prstGeom>
-          <a:solidFill>
-            <a:srgbClr val="262626"/>
-          </a:solidFill>
-          <a:ln w="174625" cmpd="thinThick">
-            <a:solidFill>
-              <a:srgbClr val="262626"/>
-            </a:solidFill>
-          </a:ln>
-        </p:spPr>
-        <p:txBody>
-          <a:bodyPr vert="horz" lIns="91440" tIns="45720" rIns="91440" bIns="45720" rtlCol="0" anchor="ctr">
-            <a:normAutofit/>
-          </a:bodyPr>
-          <a:lstStyle/>
-          <a:p>
-            <a:pPr algn="ctr">
-              <a:lnSpc>
-                <a:spcPct val="90000"/>
-              </a:lnSpc>
-            </a:pPr>
-            <a:r>
-              <a:rPr lang="en-US" sz="2600" kern="1200" dirty="0">
-                <a:solidFill>
-                  <a:srgbClr val="FFFFFF"/>
-                </a:solidFill>
-                <a:latin typeface="+mj-lt"/>
-                <a:ea typeface="+mj-ea"/>
-                <a:cs typeface="+mj-cs"/>
-              </a:rPr>
-              <a:t>Photos Page</a:t>
-            </a:r>
-          </a:p>
-        </p:txBody>
-      </p:sp>
-      <p:pic>
-        <p:nvPicPr>
-          <p:cNvPr id="2" name="Resim 1">
-            <a:extLst>
-              <a:ext uri="{FF2B5EF4-FFF2-40B4-BE49-F238E27FC236}">
-                <a16:creationId xmlns:a16="http://schemas.microsoft.com/office/drawing/2014/main" id="{9F0BA748-9B8E-4B57-994F-4C19867B99F7}"/>
+                <a16:creationId xmlns:a16="http://schemas.microsoft.com/office/drawing/2014/main" id="{71B91E6A-FCAE-4805-961F-F08C1874EFD5}"/>
               </a:ext>
             </a:extLst>
           </p:cNvPr>
@@ -9218,83 +12484,31 @@
           <p:nvPr/>
         </p:nvPicPr>
         <p:blipFill>
-          <a:blip r:embed="rId2"/>
+          <a:blip r:embed="rId2">
+            <a:extLst>
+              <a:ext uri="{28A0092B-C50C-407E-A947-70E740481C1C}">
+                <a14:useLocalDpi xmlns:a14="http://schemas.microsoft.com/office/drawing/2010/main" val="0"/>
+              </a:ext>
+            </a:extLst>
+          </a:blip>
           <a:stretch>
             <a:fillRect/>
           </a:stretch>
         </p:blipFill>
         <p:spPr>
           <a:xfrm>
-            <a:off x="4680012" y="961812"/>
-            <a:ext cx="5905374" cy="4930987"/>
+            <a:off x="429767" y="2150162"/>
+            <a:ext cx="6708997" cy="3808753"/>
           </a:xfrm>
           <a:prstGeom prst="rect">
             <a:avLst/>
           </a:prstGeom>
         </p:spPr>
       </p:pic>
-      <p:sp>
-        <p:nvSpPr>
-          <p:cNvPr id="11" name="Dikdörtgen 10">
-            <a:extLst>
-              <a:ext uri="{FF2B5EF4-FFF2-40B4-BE49-F238E27FC236}">
-                <a16:creationId xmlns:a16="http://schemas.microsoft.com/office/drawing/2014/main" id="{47EAF6BD-904D-4D2B-ACF8-8BB761754FAD}"/>
-              </a:ext>
-            </a:extLst>
-          </p:cNvPr>
-          <p:cNvSpPr/>
-          <p:nvPr/>
-        </p:nvSpPr>
-        <p:spPr>
-          <a:xfrm>
-            <a:off x="3392435" y="6191250"/>
-            <a:ext cx="7834364" cy="472860"/>
-          </a:xfrm>
-          <a:prstGeom prst="rect">
-            <a:avLst/>
-          </a:prstGeom>
-          <a:solidFill>
-            <a:srgbClr val="6A532F"/>
-          </a:solidFill>
-          <a:ln>
-            <a:solidFill>
-              <a:srgbClr val="6A532F"/>
-            </a:solidFill>
-          </a:ln>
-        </p:spPr>
-        <p:style>
-          <a:lnRef idx="2">
-            <a:schemeClr val="accent1">
-              <a:shade val="50000"/>
-            </a:schemeClr>
-          </a:lnRef>
-          <a:fillRef idx="1">
-            <a:schemeClr val="accent1"/>
-          </a:fillRef>
-          <a:effectRef idx="0">
-            <a:schemeClr val="accent1"/>
-          </a:effectRef>
-          <a:fontRef idx="minor">
-            <a:schemeClr val="lt1"/>
-          </a:fontRef>
-        </p:style>
-        <p:txBody>
-          <a:bodyPr rtlCol="0" anchor="ctr"/>
-          <a:lstStyle/>
-          <a:p>
-            <a:pPr algn="ctr"/>
-            <a:r>
-              <a:rPr lang="en-US" dirty="0"/>
-              <a:t>You can see some photos and history of that trip</a:t>
-            </a:r>
-            <a:endParaRPr lang="tr-TR" dirty="0"/>
-          </a:p>
-        </p:txBody>
-      </p:sp>
     </p:spTree>
     <p:extLst>
       <p:ext uri="{BB962C8B-B14F-4D97-AF65-F5344CB8AC3E}">
-        <p14:creationId xmlns:p14="http://schemas.microsoft.com/office/powerpoint/2010/main" val="1686989376"/>
+        <p14:creationId xmlns:p14="http://schemas.microsoft.com/office/powerpoint/2010/main" val="2777918590"/>
       </p:ext>
     </p:extLst>
   </p:cSld>
@@ -9304,17 +12518,9 @@
 </p:sld>
 </file>
 
-<file path=ppt/slides/slide9.xml><?xml version="1.0" encoding="utf-8"?>
+<file path=ppt/slides/slide8.xml><?xml version="1.0" encoding="utf-8"?>
 <p:sld xmlns:a="http://schemas.openxmlformats.org/drawingml/2006/main" xmlns:r="http://schemas.openxmlformats.org/officeDocument/2006/relationships" xmlns:p="http://schemas.openxmlformats.org/presentationml/2006/main">
   <p:cSld>
-    <p:bg>
-      <p:bgPr>
-        <a:solidFill>
-          <a:schemeClr val="bg1"/>
-        </a:solidFill>
-        <a:effectLst/>
-      </p:bgPr>
-    </p:bg>
     <p:spTree>
       <p:nvGrpSpPr>
         <p:cNvPr id="1" name=""/>
@@ -9331,194 +12537,275 @@
       </p:grpSpPr>
       <p:sp>
         <p:nvSpPr>
-          <p:cNvPr id="24" name="Rectangle 23">
+          <p:cNvPr id="2" name="Başlık 1">
             <a:extLst>
               <a:ext uri="{FF2B5EF4-FFF2-40B4-BE49-F238E27FC236}">
-                <a16:creationId xmlns:a16="http://schemas.microsoft.com/office/drawing/2014/main" id="{6753252F-4873-4F63-801D-CC719279A7D5}"/>
-              </a:ext>
-              <a:ext uri="{C183D7F6-B498-43B3-948B-1728B52AA6E4}">
-                <adec:decorative xmlns:adec="http://schemas.microsoft.com/office/drawing/2017/decorative" val="1"/>
+                <a16:creationId xmlns:a16="http://schemas.microsoft.com/office/drawing/2014/main" id="{836E7814-FF08-4377-A509-67825A527CB2}"/>
               </a:ext>
             </a:extLst>
           </p:cNvPr>
           <p:cNvSpPr>
-            <a:spLocks noGrp="1" noRot="1" noChangeAspect="1" noMove="1" noResize="1" noEditPoints="1" noAdjustHandles="1" noChangeArrowheads="1" noChangeShapeType="1" noTextEdit="1"/>
-          </p:cNvSpPr>
-          <p:nvPr>
-            <p:extLst>
-              <p:ext uri="{386F3935-93C4-4BCD-93E2-E3B085C9AB24}">
-                <p16:designElem xmlns:p16="http://schemas.microsoft.com/office/powerpoint/2015/main" val="1"/>
-              </p:ext>
-            </p:extLst>
-          </p:nvPr>
-        </p:nvSpPr>
-        <p:spPr>
-          <a:xfrm>
-            <a:off x="0" y="0"/>
-            <a:ext cx="12192000" cy="6858000"/>
-          </a:xfrm>
-          <a:prstGeom prst="rect">
+            <a:spLocks noGrp="1"/>
+          </p:cNvSpPr>
+          <p:nvPr>
+            <p:ph type="title"/>
+          </p:nvPr>
+        </p:nvSpPr>
+        <p:spPr>
+          <a:xfrm>
+            <a:off x="429768" y="411480"/>
+            <a:ext cx="11201400" cy="685799"/>
+          </a:xfrm>
+        </p:spPr>
+        <p:txBody>
+          <a:bodyPr>
+            <a:normAutofit fontScale="90000"/>
+          </a:bodyPr>
+          <a:lstStyle/>
+          <a:p>
+            <a:r>
+              <a:rPr lang="en-US" dirty="0"/>
+              <a:t>Page 4 – Manager –Welcome sir. </a:t>
+            </a:r>
+            <a:endParaRPr lang="tr-TR" dirty="0"/>
+          </a:p>
+        </p:txBody>
+      </p:sp>
+      <p:sp>
+        <p:nvSpPr>
+          <p:cNvPr id="3" name="İçerik Yer Tutucusu 2">
+            <a:extLst>
+              <a:ext uri="{FF2B5EF4-FFF2-40B4-BE49-F238E27FC236}">
+                <a16:creationId xmlns:a16="http://schemas.microsoft.com/office/drawing/2014/main" id="{CCD55640-FB69-450A-8F9B-6ECAD5BC35BD}"/>
+              </a:ext>
+            </a:extLst>
+          </p:cNvPr>
+          <p:cNvSpPr>
+            <a:spLocks noGrp="1"/>
+          </p:cNvSpPr>
+          <p:nvPr>
+            <p:ph idx="1"/>
+          </p:nvPr>
+        </p:nvSpPr>
+        <p:spPr>
+          <a:xfrm>
+            <a:off x="7938752" y="1721922"/>
+            <a:ext cx="3455097" cy="4258254"/>
+          </a:xfrm>
+        </p:spPr>
+        <p:txBody>
+          <a:bodyPr anchor="ctr">
+            <a:normAutofit/>
+          </a:bodyPr>
+          <a:lstStyle/>
+          <a:p>
+            <a:pPr>
+              <a:buFont typeface="Wingdings" panose="05000000000000000000" pitchFamily="2" charset="2"/>
+              <a:buChar char="q"/>
+            </a:pPr>
+            <a:r>
+              <a:rPr lang="en-US" sz="1800" dirty="0"/>
+              <a:t>If the manager will write his username and password correctly, this page will appear manager to show some features that have own by only manager.</a:t>
+            </a:r>
+          </a:p>
+          <a:p>
+            <a:pPr>
+              <a:buFont typeface="Wingdings" panose="05000000000000000000" pitchFamily="2" charset="2"/>
+              <a:buChar char="q"/>
+            </a:pPr>
+            <a:r>
+              <a:rPr lang="en-US" sz="1800" dirty="0"/>
+              <a:t>Manager can choose any button what he want in this page.</a:t>
+            </a:r>
+          </a:p>
+        </p:txBody>
+      </p:sp>
+      <p:sp>
+        <p:nvSpPr>
+          <p:cNvPr id="4" name="Alt Bilgi Yer Tutucusu 3">
+            <a:extLst>
+              <a:ext uri="{FF2B5EF4-FFF2-40B4-BE49-F238E27FC236}">
+                <a16:creationId xmlns:a16="http://schemas.microsoft.com/office/drawing/2014/main" id="{999A477B-E4F9-46C0-B2C8-788CB525A6FF}"/>
+              </a:ext>
+            </a:extLst>
+          </p:cNvPr>
+          <p:cNvSpPr>
+            <a:spLocks noGrp="1"/>
+          </p:cNvSpPr>
+          <p:nvPr>
+            <p:ph type="ftr" sz="quarter" idx="11"/>
+          </p:nvPr>
+        </p:nvSpPr>
+        <p:spPr>
+          <a:xfrm>
+            <a:off x="4038600" y="6356350"/>
+            <a:ext cx="4114800" cy="365125"/>
+          </a:xfrm>
+        </p:spPr>
+        <p:txBody>
+          <a:bodyPr>
+            <a:normAutofit/>
+          </a:bodyPr>
+          <a:lstStyle/>
+          <a:p>
+            <a:pPr>
+              <a:spcAft>
+                <a:spcPts val="600"/>
+              </a:spcAft>
+            </a:pPr>
+            <a:r>
+              <a:rPr lang="en-US">
+                <a:solidFill>
+                  <a:schemeClr val="tx1">
+                    <a:lumMod val="50000"/>
+                    <a:lumOff val="50000"/>
+                  </a:schemeClr>
+                </a:solidFill>
+              </a:rPr>
+              <a:t>ARU Submarine</a:t>
+            </a:r>
+          </a:p>
+        </p:txBody>
+      </p:sp>
+      <p:sp>
+        <p:nvSpPr>
+          <p:cNvPr id="23" name="Slide Number Placeholder 8">
+            <a:extLst>
+              <a:ext uri="{FF2B5EF4-FFF2-40B4-BE49-F238E27FC236}">
+                <a16:creationId xmlns:a16="http://schemas.microsoft.com/office/drawing/2014/main" id="{04EF2BF7-32CB-4496-998C-2EC211896404}"/>
+              </a:ext>
+            </a:extLst>
+          </p:cNvPr>
+          <p:cNvSpPr txBox="1">
+            <a:spLocks/>
+          </p:cNvSpPr>
+          <p:nvPr/>
+        </p:nvSpPr>
+        <p:spPr>
+          <a:xfrm>
+            <a:off x="10911919" y="6349061"/>
+            <a:ext cx="367666" cy="365125"/>
+          </a:xfrm>
+          <a:prstGeom prst="flowChartConnector">
             <a:avLst/>
           </a:prstGeom>
           <a:solidFill>
-            <a:srgbClr val="FFFFFF"/>
+            <a:srgbClr val="85CC18"/>
           </a:solidFill>
-          <a:ln>
-            <a:noFill/>
-          </a:ln>
-        </p:spPr>
-        <p:style>
-          <a:lnRef idx="2">
-            <a:schemeClr val="accent1">
-              <a:shade val="50000"/>
-            </a:schemeClr>
-          </a:lnRef>
-          <a:fillRef idx="1">
-            <a:schemeClr val="accent1"/>
-          </a:fillRef>
-          <a:effectRef idx="0">
-            <a:schemeClr val="accent1"/>
-          </a:effectRef>
-          <a:fontRef idx="minor">
-            <a:schemeClr val="lt1"/>
-          </a:fontRef>
-        </p:style>
-        <p:txBody>
-          <a:bodyPr rtlCol="0" anchor="ctr"/>
-          <a:lstStyle/>
-          <a:p>
-            <a:pPr algn="ctr"/>
+        </p:spPr>
+        <p:txBody>
+          <a:bodyPr vert="horz" lIns="0" tIns="45720" rIns="0" bIns="45720" rtlCol="0" anchor="ctr"/>
+          <a:lstStyle>
+            <a:defPPr>
+              <a:defRPr lang="en-US"/>
+            </a:defPPr>
+            <a:lvl1pPr marL="0" algn="ctr" defTabSz="914400" rtl="0" eaLnBrk="1" latinLnBrk="0" hangingPunct="1">
+              <a:defRPr sz="900" kern="1200">
+                <a:solidFill>
+                  <a:schemeClr val="bg1"/>
+                </a:solidFill>
+                <a:latin typeface="+mn-lt"/>
+                <a:ea typeface="+mn-ea"/>
+                <a:cs typeface="+mn-cs"/>
+              </a:defRPr>
+            </a:lvl1pPr>
+            <a:lvl2pPr marL="457200" algn="l" defTabSz="914400" rtl="0" eaLnBrk="1" latinLnBrk="0" hangingPunct="1">
+              <a:defRPr sz="1800" kern="1200">
+                <a:solidFill>
+                  <a:schemeClr val="tx1"/>
+                </a:solidFill>
+                <a:latin typeface="+mn-lt"/>
+                <a:ea typeface="+mn-ea"/>
+                <a:cs typeface="+mn-cs"/>
+              </a:defRPr>
+            </a:lvl2pPr>
+            <a:lvl3pPr marL="914400" algn="l" defTabSz="914400" rtl="0" eaLnBrk="1" latinLnBrk="0" hangingPunct="1">
+              <a:defRPr sz="1800" kern="1200">
+                <a:solidFill>
+                  <a:schemeClr val="tx1"/>
+                </a:solidFill>
+                <a:latin typeface="+mn-lt"/>
+                <a:ea typeface="+mn-ea"/>
+                <a:cs typeface="+mn-cs"/>
+              </a:defRPr>
+            </a:lvl3pPr>
+            <a:lvl4pPr marL="1371600" algn="l" defTabSz="914400" rtl="0" eaLnBrk="1" latinLnBrk="0" hangingPunct="1">
+              <a:defRPr sz="1800" kern="1200">
+                <a:solidFill>
+                  <a:schemeClr val="tx1"/>
+                </a:solidFill>
+                <a:latin typeface="+mn-lt"/>
+                <a:ea typeface="+mn-ea"/>
+                <a:cs typeface="+mn-cs"/>
+              </a:defRPr>
+            </a:lvl4pPr>
+            <a:lvl5pPr marL="1828800" algn="l" defTabSz="914400" rtl="0" eaLnBrk="1" latinLnBrk="0" hangingPunct="1">
+              <a:defRPr sz="1800" kern="1200">
+                <a:solidFill>
+                  <a:schemeClr val="tx1"/>
+                </a:solidFill>
+                <a:latin typeface="+mn-lt"/>
+                <a:ea typeface="+mn-ea"/>
+                <a:cs typeface="+mn-cs"/>
+              </a:defRPr>
+            </a:lvl5pPr>
+            <a:lvl6pPr marL="2286000" algn="l" defTabSz="914400" rtl="0" eaLnBrk="1" latinLnBrk="0" hangingPunct="1">
+              <a:defRPr sz="1800" kern="1200">
+                <a:solidFill>
+                  <a:schemeClr val="tx1"/>
+                </a:solidFill>
+                <a:latin typeface="+mn-lt"/>
+                <a:ea typeface="+mn-ea"/>
+                <a:cs typeface="+mn-cs"/>
+              </a:defRPr>
+            </a:lvl6pPr>
+            <a:lvl7pPr marL="2743200" algn="l" defTabSz="914400" rtl="0" eaLnBrk="1" latinLnBrk="0" hangingPunct="1">
+              <a:defRPr sz="1800" kern="1200">
+                <a:solidFill>
+                  <a:schemeClr val="tx1"/>
+                </a:solidFill>
+                <a:latin typeface="+mn-lt"/>
+                <a:ea typeface="+mn-ea"/>
+                <a:cs typeface="+mn-cs"/>
+              </a:defRPr>
+            </a:lvl7pPr>
+            <a:lvl8pPr marL="3200400" algn="l" defTabSz="914400" rtl="0" eaLnBrk="1" latinLnBrk="0" hangingPunct="1">
+              <a:defRPr sz="1800" kern="1200">
+                <a:solidFill>
+                  <a:schemeClr val="tx1"/>
+                </a:solidFill>
+                <a:latin typeface="+mn-lt"/>
+                <a:ea typeface="+mn-ea"/>
+                <a:cs typeface="+mn-cs"/>
+              </a:defRPr>
+            </a:lvl8pPr>
+            <a:lvl9pPr marL="3657600" algn="l" defTabSz="914400" rtl="0" eaLnBrk="1" latinLnBrk="0" hangingPunct="1">
+              <a:defRPr sz="1800" kern="1200">
+                <a:solidFill>
+                  <a:schemeClr val="tx1"/>
+                </a:solidFill>
+                <a:latin typeface="+mn-lt"/>
+                <a:ea typeface="+mn-ea"/>
+                <a:cs typeface="+mn-cs"/>
+              </a:defRPr>
+            </a:lvl9pPr>
+          </a:lstStyle>
+          <a:p>
+            <a:fld id="{3DE3E19F-02C1-4219-A00A-045ED18507E8}" type="slidenum">
+              <a:rPr lang="en-US" smtClean="0"/>
+              <a:pPr/>
+              <a:t>8</a:t>
+            </a:fld>
             <a:endParaRPr lang="en-US"/>
           </a:p>
         </p:txBody>
       </p:sp>
-      <p:sp>
-        <p:nvSpPr>
-          <p:cNvPr id="26" name="Rectangle 25">
+      <p:pic>
+        <p:nvPicPr>
+          <p:cNvPr id="6" name="Resim 5" descr="ekran görüntüsü, ekran, oturma, geniş içeren bir resim&#10;&#10;Açıklama otomatik olarak oluşturuldu">
             <a:extLst>
               <a:ext uri="{FF2B5EF4-FFF2-40B4-BE49-F238E27FC236}">
-                <a16:creationId xmlns:a16="http://schemas.microsoft.com/office/drawing/2014/main" id="{047C8CCB-F95D-4249-92DD-651249D3535A}"/>
-              </a:ext>
-              <a:ext uri="{C183D7F6-B498-43B3-948B-1728B52AA6E4}">
-                <adec:decorative xmlns:adec="http://schemas.microsoft.com/office/drawing/2017/decorative" val="1"/>
-              </a:ext>
-            </a:extLst>
-          </p:cNvPr>
-          <p:cNvSpPr>
-            <a:spLocks noGrp="1" noRot="1" noChangeAspect="1" noMove="1" noResize="1" noEditPoints="1" noAdjustHandles="1" noChangeArrowheads="1" noChangeShapeType="1" noTextEdit="1"/>
-          </p:cNvSpPr>
-          <p:nvPr>
-            <p:extLst>
-              <p:ext uri="{386F3935-93C4-4BCD-93E2-E3B085C9AB24}">
-                <p16:designElem xmlns:p16="http://schemas.microsoft.com/office/powerpoint/2015/main" val="1"/>
-              </p:ext>
-            </p:extLst>
-          </p:nvPr>
-        </p:nvSpPr>
-        <p:spPr>
-          <a:xfrm>
-            <a:off x="0" y="0"/>
-            <a:ext cx="2013557" cy="6858000"/>
-          </a:xfrm>
-          <a:prstGeom prst="rect">
-            <a:avLst/>
-          </a:prstGeom>
-          <a:solidFill>
-            <a:srgbClr val="7F7F7F"/>
-          </a:solidFill>
-          <a:ln>
-            <a:noFill/>
-          </a:ln>
-        </p:spPr>
-        <p:style>
-          <a:lnRef idx="2">
-            <a:schemeClr val="accent1">
-              <a:shade val="50000"/>
-            </a:schemeClr>
-          </a:lnRef>
-          <a:fillRef idx="1">
-            <a:schemeClr val="accent1"/>
-          </a:fillRef>
-          <a:effectRef idx="0">
-            <a:schemeClr val="accent1"/>
-          </a:effectRef>
-          <a:fontRef idx="minor">
-            <a:schemeClr val="lt1"/>
-          </a:fontRef>
-        </p:style>
-        <p:txBody>
-          <a:bodyPr rtlCol="0" anchor="ctr"/>
-          <a:lstStyle/>
-          <a:p>
-            <a:pPr algn="ctr"/>
-            <a:endParaRPr lang="en-US"/>
-          </a:p>
-        </p:txBody>
-      </p:sp>
-      <p:sp>
-        <p:nvSpPr>
-          <p:cNvPr id="3" name="Başlık 2">
-            <a:extLst>
-              <a:ext uri="{FF2B5EF4-FFF2-40B4-BE49-F238E27FC236}">
-                <a16:creationId xmlns:a16="http://schemas.microsoft.com/office/drawing/2014/main" id="{0F98123C-7C9D-4660-8D3C-1A2D63CDA629}"/>
-              </a:ext>
-            </a:extLst>
-          </p:cNvPr>
-          <p:cNvSpPr>
-            <a:spLocks noGrp="1"/>
-          </p:cNvSpPr>
-          <p:nvPr>
-            <p:ph type="title"/>
-          </p:nvPr>
-        </p:nvSpPr>
-        <p:spPr>
-          <a:xfrm>
-            <a:off x="640080" y="2074363"/>
-            <a:ext cx="2752354" cy="2709275"/>
-          </a:xfrm>
-          <a:prstGeom prst="ellipse">
-            <a:avLst/>
-          </a:prstGeom>
-          <a:solidFill>
-            <a:srgbClr val="262626"/>
-          </a:solidFill>
-          <a:ln w="174625" cmpd="thinThick">
-            <a:solidFill>
-              <a:srgbClr val="262626"/>
-            </a:solidFill>
-          </a:ln>
-        </p:spPr>
-        <p:txBody>
-          <a:bodyPr vert="horz" lIns="91440" tIns="45720" rIns="91440" bIns="45720" rtlCol="0" anchor="ctr">
-            <a:normAutofit/>
-          </a:bodyPr>
-          <a:lstStyle/>
-          <a:p>
-            <a:pPr algn="ctr">
-              <a:lnSpc>
-                <a:spcPct val="90000"/>
-              </a:lnSpc>
-            </a:pPr>
-            <a:r>
-              <a:rPr lang="en-US" sz="2600" kern="1200" dirty="0">
-                <a:solidFill>
-                  <a:srgbClr val="FFFFFF"/>
-                </a:solidFill>
-                <a:latin typeface="+mj-lt"/>
-                <a:ea typeface="+mj-ea"/>
-                <a:cs typeface="+mj-cs"/>
-              </a:rPr>
-              <a:t>Donation Page</a:t>
-            </a:r>
-          </a:p>
-        </p:txBody>
-      </p:sp>
-      <p:pic>
-        <p:nvPicPr>
-          <p:cNvPr id="4" name="Resim 3">
-            <a:extLst>
-              <a:ext uri="{FF2B5EF4-FFF2-40B4-BE49-F238E27FC236}">
-                <a16:creationId xmlns:a16="http://schemas.microsoft.com/office/drawing/2014/main" id="{49535DC9-C378-4787-98F9-89FAE1AB7D0B}"/>
+                <a16:creationId xmlns:a16="http://schemas.microsoft.com/office/drawing/2014/main" id="{46068989-B4C0-4EC0-B157-ADE0EE23D664}"/>
               </a:ext>
             </a:extLst>
           </p:cNvPr>
@@ -9528,83 +12815,372 @@
           <p:nvPr/>
         </p:nvPicPr>
         <p:blipFill>
-          <a:blip r:embed="rId2"/>
+          <a:blip r:embed="rId2">
+            <a:extLst>
+              <a:ext uri="{28A0092B-C50C-407E-A947-70E740481C1C}">
+                <a14:useLocalDpi xmlns:a14="http://schemas.microsoft.com/office/drawing/2010/main" val="0"/>
+              </a:ext>
+            </a:extLst>
+          </a:blip>
           <a:stretch>
             <a:fillRect/>
           </a:stretch>
         </p:blipFill>
         <p:spPr>
           <a:xfrm>
-            <a:off x="5140261" y="961812"/>
-            <a:ext cx="4984877" cy="4930987"/>
+            <a:off x="560393" y="2139275"/>
+            <a:ext cx="6362919" cy="3777983"/>
           </a:xfrm>
           <a:prstGeom prst="rect">
             <a:avLst/>
           </a:prstGeom>
         </p:spPr>
       </p:pic>
-      <p:sp>
-        <p:nvSpPr>
-          <p:cNvPr id="9" name="Dikdörtgen 8">
+    </p:spTree>
+    <p:extLst>
+      <p:ext uri="{BB962C8B-B14F-4D97-AF65-F5344CB8AC3E}">
+        <p14:creationId xmlns:p14="http://schemas.microsoft.com/office/powerpoint/2010/main" val="621810680"/>
+      </p:ext>
+    </p:extLst>
+  </p:cSld>
+  <p:clrMapOvr>
+    <a:masterClrMapping/>
+  </p:clrMapOvr>
+</p:sld>
+</file>
+
+<file path=ppt/slides/slide9.xml><?xml version="1.0" encoding="utf-8"?>
+<p:sld xmlns:a="http://schemas.openxmlformats.org/drawingml/2006/main" xmlns:r="http://schemas.openxmlformats.org/officeDocument/2006/relationships" xmlns:p="http://schemas.openxmlformats.org/presentationml/2006/main">
+  <p:cSld>
+    <p:spTree>
+      <p:nvGrpSpPr>
+        <p:cNvPr id="1" name=""/>
+        <p:cNvGrpSpPr/>
+        <p:nvPr/>
+      </p:nvGrpSpPr>
+      <p:grpSpPr>
+        <a:xfrm>
+          <a:off x="0" y="0"/>
+          <a:ext cx="0" cy="0"/>
+          <a:chOff x="0" y="0"/>
+          <a:chExt cx="0" cy="0"/>
+        </a:xfrm>
+      </p:grpSpPr>
+      <p:sp>
+        <p:nvSpPr>
+          <p:cNvPr id="2" name="Başlık 1">
             <a:extLst>
               <a:ext uri="{FF2B5EF4-FFF2-40B4-BE49-F238E27FC236}">
-                <a16:creationId xmlns:a16="http://schemas.microsoft.com/office/drawing/2014/main" id="{4BE716CC-DB4A-4E5A-8765-838229DFE54B}"/>
+                <a16:creationId xmlns:a16="http://schemas.microsoft.com/office/drawing/2014/main" id="{836E7814-FF08-4377-A509-67825A527CB2}"/>
               </a:ext>
             </a:extLst>
           </p:cNvPr>
-          <p:cNvSpPr/>
+          <p:cNvSpPr>
+            <a:spLocks noGrp="1"/>
+          </p:cNvSpPr>
+          <p:nvPr>
+            <p:ph type="title"/>
+          </p:nvPr>
+        </p:nvSpPr>
+        <p:spPr>
+          <a:xfrm>
+            <a:off x="429768" y="411480"/>
+            <a:ext cx="11201400" cy="685799"/>
+          </a:xfrm>
+        </p:spPr>
+        <p:txBody>
+          <a:bodyPr>
+            <a:normAutofit fontScale="90000"/>
+          </a:bodyPr>
+          <a:lstStyle/>
+          <a:p>
+            <a:r>
+              <a:rPr lang="en-US" dirty="0"/>
+              <a:t>Page 4 – Manager – There are so many managers</a:t>
+            </a:r>
+            <a:endParaRPr lang="tr-TR" dirty="0"/>
+          </a:p>
+        </p:txBody>
+      </p:sp>
+      <p:sp>
+        <p:nvSpPr>
+          <p:cNvPr id="3" name="İçerik Yer Tutucusu 2">
+            <a:extLst>
+              <a:ext uri="{FF2B5EF4-FFF2-40B4-BE49-F238E27FC236}">
+                <a16:creationId xmlns:a16="http://schemas.microsoft.com/office/drawing/2014/main" id="{CCD55640-FB69-450A-8F9B-6ECAD5BC35BD}"/>
+              </a:ext>
+            </a:extLst>
+          </p:cNvPr>
+          <p:cNvSpPr>
+            <a:spLocks noGrp="1"/>
+          </p:cNvSpPr>
+          <p:nvPr>
+            <p:ph idx="1"/>
+          </p:nvPr>
+        </p:nvSpPr>
+        <p:spPr>
+          <a:xfrm>
+            <a:off x="7938752" y="1721922"/>
+            <a:ext cx="3455097" cy="4258254"/>
+          </a:xfrm>
+        </p:spPr>
+        <p:txBody>
+          <a:bodyPr anchor="ctr">
+            <a:normAutofit/>
+          </a:bodyPr>
+          <a:lstStyle/>
+          <a:p>
+            <a:pPr>
+              <a:buFont typeface="Wingdings" panose="05000000000000000000" pitchFamily="2" charset="2"/>
+              <a:buChar char="q"/>
+            </a:pPr>
+            <a:r>
+              <a:rPr lang="en-US" sz="1800" dirty="0"/>
+              <a:t>If the manager want to add a new manager into database, this page will appear by button. </a:t>
+            </a:r>
+          </a:p>
+          <a:p>
+            <a:pPr>
+              <a:buFont typeface="Wingdings" panose="05000000000000000000" pitchFamily="2" charset="2"/>
+              <a:buChar char="q"/>
+            </a:pPr>
+            <a:r>
+              <a:rPr lang="en-US" sz="1800" dirty="0"/>
+              <a:t>The first place that include all manager in the system. Manager can see them all because her is Manager.</a:t>
+            </a:r>
+          </a:p>
+          <a:p>
+            <a:pPr>
+              <a:buFont typeface="Wingdings" panose="05000000000000000000" pitchFamily="2" charset="2"/>
+              <a:buChar char="q"/>
+            </a:pPr>
+            <a:r>
+              <a:rPr lang="en-US" sz="1800" dirty="0"/>
+              <a:t>Manager can delete another manager to remove the system after some managers leaved work.</a:t>
+            </a:r>
+          </a:p>
+        </p:txBody>
+      </p:sp>
+      <p:sp>
+        <p:nvSpPr>
+          <p:cNvPr id="4" name="Alt Bilgi Yer Tutucusu 3">
+            <a:extLst>
+              <a:ext uri="{FF2B5EF4-FFF2-40B4-BE49-F238E27FC236}">
+                <a16:creationId xmlns:a16="http://schemas.microsoft.com/office/drawing/2014/main" id="{999A477B-E4F9-46C0-B2C8-788CB525A6FF}"/>
+              </a:ext>
+            </a:extLst>
+          </p:cNvPr>
+          <p:cNvSpPr>
+            <a:spLocks noGrp="1"/>
+          </p:cNvSpPr>
+          <p:nvPr>
+            <p:ph type="ftr" sz="quarter" idx="11"/>
+          </p:nvPr>
+        </p:nvSpPr>
+        <p:spPr>
+          <a:xfrm>
+            <a:off x="4038600" y="6356350"/>
+            <a:ext cx="4114800" cy="365125"/>
+          </a:xfrm>
+        </p:spPr>
+        <p:txBody>
+          <a:bodyPr>
+            <a:normAutofit/>
+          </a:bodyPr>
+          <a:lstStyle/>
+          <a:p>
+            <a:pPr>
+              <a:spcAft>
+                <a:spcPts val="600"/>
+              </a:spcAft>
+            </a:pPr>
+            <a:r>
+              <a:rPr lang="en-US">
+                <a:solidFill>
+                  <a:schemeClr val="tx1">
+                    <a:lumMod val="50000"/>
+                    <a:lumOff val="50000"/>
+                  </a:schemeClr>
+                </a:solidFill>
+              </a:rPr>
+              <a:t>ARU Submarine</a:t>
+            </a:r>
+          </a:p>
+        </p:txBody>
+      </p:sp>
+      <p:sp>
+        <p:nvSpPr>
+          <p:cNvPr id="23" name="Slide Number Placeholder 8">
+            <a:extLst>
+              <a:ext uri="{FF2B5EF4-FFF2-40B4-BE49-F238E27FC236}">
+                <a16:creationId xmlns:a16="http://schemas.microsoft.com/office/drawing/2014/main" id="{04EF2BF7-32CB-4496-998C-2EC211896404}"/>
+              </a:ext>
+            </a:extLst>
+          </p:cNvPr>
+          <p:cNvSpPr txBox="1">
+            <a:spLocks/>
+          </p:cNvSpPr>
           <p:nvPr/>
         </p:nvSpPr>
         <p:spPr>
           <a:xfrm>
-            <a:off x="3392435" y="6191250"/>
-            <a:ext cx="7834364" cy="472860"/>
+            <a:off x="10911919" y="6349061"/>
+            <a:ext cx="367666" cy="365125"/>
+          </a:xfrm>
+          <a:prstGeom prst="flowChartConnector">
+            <a:avLst/>
+          </a:prstGeom>
+          <a:solidFill>
+            <a:srgbClr val="85CC18"/>
+          </a:solidFill>
+        </p:spPr>
+        <p:txBody>
+          <a:bodyPr vert="horz" lIns="0" tIns="45720" rIns="0" bIns="45720" rtlCol="0" anchor="ctr"/>
+          <a:lstStyle>
+            <a:defPPr>
+              <a:defRPr lang="en-US"/>
+            </a:defPPr>
+            <a:lvl1pPr marL="0" algn="ctr" defTabSz="914400" rtl="0" eaLnBrk="1" latinLnBrk="0" hangingPunct="1">
+              <a:defRPr sz="900" kern="1200">
+                <a:solidFill>
+                  <a:schemeClr val="bg1"/>
+                </a:solidFill>
+                <a:latin typeface="+mn-lt"/>
+                <a:ea typeface="+mn-ea"/>
+                <a:cs typeface="+mn-cs"/>
+              </a:defRPr>
+            </a:lvl1pPr>
+            <a:lvl2pPr marL="457200" algn="l" defTabSz="914400" rtl="0" eaLnBrk="1" latinLnBrk="0" hangingPunct="1">
+              <a:defRPr sz="1800" kern="1200">
+                <a:solidFill>
+                  <a:schemeClr val="tx1"/>
+                </a:solidFill>
+                <a:latin typeface="+mn-lt"/>
+                <a:ea typeface="+mn-ea"/>
+                <a:cs typeface="+mn-cs"/>
+              </a:defRPr>
+            </a:lvl2pPr>
+            <a:lvl3pPr marL="914400" algn="l" defTabSz="914400" rtl="0" eaLnBrk="1" latinLnBrk="0" hangingPunct="1">
+              <a:defRPr sz="1800" kern="1200">
+                <a:solidFill>
+                  <a:schemeClr val="tx1"/>
+                </a:solidFill>
+                <a:latin typeface="+mn-lt"/>
+                <a:ea typeface="+mn-ea"/>
+                <a:cs typeface="+mn-cs"/>
+              </a:defRPr>
+            </a:lvl3pPr>
+            <a:lvl4pPr marL="1371600" algn="l" defTabSz="914400" rtl="0" eaLnBrk="1" latinLnBrk="0" hangingPunct="1">
+              <a:defRPr sz="1800" kern="1200">
+                <a:solidFill>
+                  <a:schemeClr val="tx1"/>
+                </a:solidFill>
+                <a:latin typeface="+mn-lt"/>
+                <a:ea typeface="+mn-ea"/>
+                <a:cs typeface="+mn-cs"/>
+              </a:defRPr>
+            </a:lvl4pPr>
+            <a:lvl5pPr marL="1828800" algn="l" defTabSz="914400" rtl="0" eaLnBrk="1" latinLnBrk="0" hangingPunct="1">
+              <a:defRPr sz="1800" kern="1200">
+                <a:solidFill>
+                  <a:schemeClr val="tx1"/>
+                </a:solidFill>
+                <a:latin typeface="+mn-lt"/>
+                <a:ea typeface="+mn-ea"/>
+                <a:cs typeface="+mn-cs"/>
+              </a:defRPr>
+            </a:lvl5pPr>
+            <a:lvl6pPr marL="2286000" algn="l" defTabSz="914400" rtl="0" eaLnBrk="1" latinLnBrk="0" hangingPunct="1">
+              <a:defRPr sz="1800" kern="1200">
+                <a:solidFill>
+                  <a:schemeClr val="tx1"/>
+                </a:solidFill>
+                <a:latin typeface="+mn-lt"/>
+                <a:ea typeface="+mn-ea"/>
+                <a:cs typeface="+mn-cs"/>
+              </a:defRPr>
+            </a:lvl6pPr>
+            <a:lvl7pPr marL="2743200" algn="l" defTabSz="914400" rtl="0" eaLnBrk="1" latinLnBrk="0" hangingPunct="1">
+              <a:defRPr sz="1800" kern="1200">
+                <a:solidFill>
+                  <a:schemeClr val="tx1"/>
+                </a:solidFill>
+                <a:latin typeface="+mn-lt"/>
+                <a:ea typeface="+mn-ea"/>
+                <a:cs typeface="+mn-cs"/>
+              </a:defRPr>
+            </a:lvl7pPr>
+            <a:lvl8pPr marL="3200400" algn="l" defTabSz="914400" rtl="0" eaLnBrk="1" latinLnBrk="0" hangingPunct="1">
+              <a:defRPr sz="1800" kern="1200">
+                <a:solidFill>
+                  <a:schemeClr val="tx1"/>
+                </a:solidFill>
+                <a:latin typeface="+mn-lt"/>
+                <a:ea typeface="+mn-ea"/>
+                <a:cs typeface="+mn-cs"/>
+              </a:defRPr>
+            </a:lvl8pPr>
+            <a:lvl9pPr marL="3657600" algn="l" defTabSz="914400" rtl="0" eaLnBrk="1" latinLnBrk="0" hangingPunct="1">
+              <a:defRPr sz="1800" kern="1200">
+                <a:solidFill>
+                  <a:schemeClr val="tx1"/>
+                </a:solidFill>
+                <a:latin typeface="+mn-lt"/>
+                <a:ea typeface="+mn-ea"/>
+                <a:cs typeface="+mn-cs"/>
+              </a:defRPr>
+            </a:lvl9pPr>
+          </a:lstStyle>
+          <a:p>
+            <a:fld id="{3DE3E19F-02C1-4219-A00A-045ED18507E8}" type="slidenum">
+              <a:rPr lang="en-US" smtClean="0"/>
+              <a:pPr/>
+              <a:t>9</a:t>
+            </a:fld>
+            <a:endParaRPr lang="en-US"/>
+          </a:p>
+        </p:txBody>
+      </p:sp>
+      <p:pic>
+        <p:nvPicPr>
+          <p:cNvPr id="9" name="Resim 8" descr="ekran görüntüsü, ekran içeren bir resim&#10;&#10;Açıklama otomatik olarak oluşturuldu">
+            <a:extLst>
+              <a:ext uri="{FF2B5EF4-FFF2-40B4-BE49-F238E27FC236}">
+                <a16:creationId xmlns:a16="http://schemas.microsoft.com/office/drawing/2014/main" id="{8AC35632-ECF1-446E-B225-49A37D1CA53F}"/>
+              </a:ext>
+            </a:extLst>
+          </p:cNvPr>
+          <p:cNvPicPr>
+            <a:picLocks noChangeAspect="1"/>
+          </p:cNvPicPr>
+          <p:nvPr/>
+        </p:nvPicPr>
+        <p:blipFill>
+          <a:blip r:embed="rId2">
+            <a:extLst>
+              <a:ext uri="{28A0092B-C50C-407E-A947-70E740481C1C}">
+                <a14:useLocalDpi xmlns:a14="http://schemas.microsoft.com/office/drawing/2010/main" val="0"/>
+              </a:ext>
+            </a:extLst>
+          </a:blip>
+          <a:stretch>
+            <a:fillRect/>
+          </a:stretch>
+        </p:blipFill>
+        <p:spPr>
+          <a:xfrm>
+            <a:off x="1213535" y="1576063"/>
+            <a:ext cx="4619840" cy="4671400"/>
           </a:xfrm>
           <a:prstGeom prst="rect">
             <a:avLst/>
           </a:prstGeom>
-          <a:solidFill>
-            <a:srgbClr val="7F7F7F"/>
-          </a:solidFill>
-          <a:ln>
-            <a:solidFill>
-              <a:srgbClr val="6A532F"/>
-            </a:solidFill>
-          </a:ln>
-        </p:spPr>
-        <p:style>
-          <a:lnRef idx="2">
-            <a:schemeClr val="accent1">
-              <a:shade val="50000"/>
-            </a:schemeClr>
-          </a:lnRef>
-          <a:fillRef idx="1">
-            <a:schemeClr val="accent1"/>
-          </a:fillRef>
-          <a:effectRef idx="0">
-            <a:schemeClr val="accent1"/>
-          </a:effectRef>
-          <a:fontRef idx="minor">
-            <a:schemeClr val="lt1"/>
-          </a:fontRef>
-        </p:style>
-        <p:txBody>
-          <a:bodyPr rtlCol="0" anchor="ctr"/>
-          <a:lstStyle/>
-          <a:p>
-            <a:pPr algn="ctr"/>
-            <a:r>
-              <a:rPr lang="en-US" dirty="0"/>
-              <a:t>You can support us with your valuable donation</a:t>
-            </a:r>
-            <a:endParaRPr lang="tr-TR" dirty="0"/>
-          </a:p>
-        </p:txBody>
-      </p:sp>
+        </p:spPr>
+      </p:pic>
     </p:spTree>
     <p:extLst>
       <p:ext uri="{BB962C8B-B14F-4D97-AF65-F5344CB8AC3E}">
-        <p14:creationId xmlns:p14="http://schemas.microsoft.com/office/powerpoint/2010/main" val="4230911156"/>
+        <p14:creationId xmlns:p14="http://schemas.microsoft.com/office/powerpoint/2010/main" val="1887815800"/>
       </p:ext>
     </p:extLst>
   </p:cSld>
